--- a/ChatterBot/Chatterbot_ppt.pptx
+++ b/ChatterBot/Chatterbot_ppt.pptx
@@ -7,30 +7,26 @@
   <p:sldIdLst>
     <p:sldId id="256" r:id="rId2"/>
     <p:sldId id="257" r:id="rId3"/>
-    <p:sldId id="265" r:id="rId4"/>
-    <p:sldId id="269" r:id="rId5"/>
+    <p:sldId id="295" r:id="rId4"/>
+    <p:sldId id="265" r:id="rId5"/>
     <p:sldId id="268" r:id="rId6"/>
     <p:sldId id="262" r:id="rId7"/>
-    <p:sldId id="289" r:id="rId8"/>
-    <p:sldId id="290" r:id="rId9"/>
-    <p:sldId id="271" r:id="rId10"/>
-    <p:sldId id="280" r:id="rId11"/>
-    <p:sldId id="281" r:id="rId12"/>
-    <p:sldId id="282" r:id="rId13"/>
-    <p:sldId id="283" r:id="rId14"/>
-    <p:sldId id="284" r:id="rId15"/>
-    <p:sldId id="287" r:id="rId16"/>
+    <p:sldId id="290" r:id="rId8"/>
+    <p:sldId id="296" r:id="rId9"/>
+    <p:sldId id="280" r:id="rId10"/>
+    <p:sldId id="281" r:id="rId11"/>
+    <p:sldId id="282" r:id="rId12"/>
+    <p:sldId id="283" r:id="rId13"/>
+    <p:sldId id="284" r:id="rId14"/>
+    <p:sldId id="287" r:id="rId15"/>
+    <p:sldId id="297" r:id="rId16"/>
     <p:sldId id="288" r:id="rId17"/>
     <p:sldId id="291" r:id="rId18"/>
-    <p:sldId id="285" r:id="rId19"/>
-    <p:sldId id="286" r:id="rId20"/>
-    <p:sldId id="279" r:id="rId21"/>
-    <p:sldId id="292" r:id="rId22"/>
-    <p:sldId id="293" r:id="rId23"/>
-    <p:sldId id="294" r:id="rId24"/>
-    <p:sldId id="272" r:id="rId25"/>
-    <p:sldId id="273" r:id="rId26"/>
-    <p:sldId id="274" r:id="rId27"/>
+    <p:sldId id="279" r:id="rId19"/>
+    <p:sldId id="292" r:id="rId20"/>
+    <p:sldId id="293" r:id="rId21"/>
+    <p:sldId id="294" r:id="rId22"/>
+    <p:sldId id="272" r:id="rId23"/>
   </p:sldIdLst>
   <p:sldSz cx="12192000" cy="6858000"/>
   <p:notesSz cx="6858000" cy="9144000"/>
@@ -129,6 +125,11 @@
       </a:defRPr>
     </a:lvl9pPr>
   </p:defaultTextStyle>
+  <p:extLst>
+    <p:ext uri="{EFAFB233-063F-42B5-8137-9DF3F51BA10A}">
+      <p15:sldGuideLst xmlns:p15="http://schemas.microsoft.com/office/powerpoint/2012/main"/>
+    </p:ext>
+  </p:extLst>
 </p:presentation>
 </file>
 
@@ -349,13 +350,13 @@
   <p:clrMapOvr>
     <a:masterClrMapping/>
   </p:clrMapOvr>
-  <mc:AlternateContent xmlns:mc="http://schemas.openxmlformats.org/markup-compatibility/2006">
-    <mc:Choice xmlns:p159="http://schemas.microsoft.com/office/powerpoint/2015/09/main" Requires="p159">
+  <mc:AlternateContent xmlns:mc="http://schemas.openxmlformats.org/markup-compatibility/2006" xmlns:p159="http://schemas.microsoft.com/office/powerpoint/2015/09/main">
+    <mc:Choice Requires="p159">
       <p:transition xmlns:p14="http://schemas.microsoft.com/office/powerpoint/2010/main" spd="slow" p14:dur="2000">
         <p159:morph option="byObject"/>
       </p:transition>
     </mc:Choice>
-    <mc:Fallback>
+    <mc:Fallback xmlns="">
       <p:transition spd="slow">
         <p:fade/>
       </p:transition>
@@ -559,13 +560,13 @@
   <p:clrMapOvr>
     <a:masterClrMapping/>
   </p:clrMapOvr>
-  <mc:AlternateContent xmlns:mc="http://schemas.openxmlformats.org/markup-compatibility/2006">
-    <mc:Choice xmlns:p159="http://schemas.microsoft.com/office/powerpoint/2015/09/main" Requires="p159">
+  <mc:AlternateContent xmlns:mc="http://schemas.openxmlformats.org/markup-compatibility/2006" xmlns:p159="http://schemas.microsoft.com/office/powerpoint/2015/09/main">
+    <mc:Choice Requires="p159">
       <p:transition xmlns:p14="http://schemas.microsoft.com/office/powerpoint/2010/main" spd="slow" p14:dur="2000">
         <p159:morph option="byObject"/>
       </p:transition>
     </mc:Choice>
-    <mc:Fallback>
+    <mc:Fallback xmlns="">
       <p:transition spd="slow">
         <p:fade/>
       </p:transition>
@@ -779,13 +780,13 @@
   <p:clrMapOvr>
     <a:masterClrMapping/>
   </p:clrMapOvr>
-  <mc:AlternateContent xmlns:mc="http://schemas.openxmlformats.org/markup-compatibility/2006">
-    <mc:Choice xmlns:p159="http://schemas.microsoft.com/office/powerpoint/2015/09/main" Requires="p159">
+  <mc:AlternateContent xmlns:mc="http://schemas.openxmlformats.org/markup-compatibility/2006" xmlns:p159="http://schemas.microsoft.com/office/powerpoint/2015/09/main">
+    <mc:Choice Requires="p159">
       <p:transition xmlns:p14="http://schemas.microsoft.com/office/powerpoint/2010/main" spd="slow" p14:dur="2000">
         <p159:morph option="byObject"/>
       </p:transition>
     </mc:Choice>
-    <mc:Fallback>
+    <mc:Fallback xmlns="">
       <p:transition spd="slow">
         <p:fade/>
       </p:transition>
@@ -990,13 +991,13 @@
   <p:clrMapOvr>
     <a:masterClrMapping/>
   </p:clrMapOvr>
-  <mc:AlternateContent xmlns:mc="http://schemas.openxmlformats.org/markup-compatibility/2006">
-    <mc:Choice xmlns:p159="http://schemas.microsoft.com/office/powerpoint/2015/09/main" Requires="p159">
+  <mc:AlternateContent xmlns:mc="http://schemas.openxmlformats.org/markup-compatibility/2006" xmlns:p159="http://schemas.microsoft.com/office/powerpoint/2015/09/main">
+    <mc:Choice Requires="p159">
       <p:transition xmlns:p14="http://schemas.microsoft.com/office/powerpoint/2010/main" spd="slow" p14:dur="2000">
         <p159:morph option="byObject"/>
       </p:transition>
     </mc:Choice>
-    <mc:Fallback>
+    <mc:Fallback xmlns="">
       <p:transition spd="slow">
         <p:fade/>
       </p:transition>
@@ -1277,13 +1278,13 @@
   <p:clrMapOvr>
     <a:masterClrMapping/>
   </p:clrMapOvr>
-  <mc:AlternateContent xmlns:mc="http://schemas.openxmlformats.org/markup-compatibility/2006">
-    <mc:Choice xmlns:p159="http://schemas.microsoft.com/office/powerpoint/2015/09/main" Requires="p159">
+  <mc:AlternateContent xmlns:mc="http://schemas.openxmlformats.org/markup-compatibility/2006" xmlns:p159="http://schemas.microsoft.com/office/powerpoint/2015/09/main">
+    <mc:Choice Requires="p159">
       <p:transition xmlns:p14="http://schemas.microsoft.com/office/powerpoint/2010/main" spd="slow" p14:dur="2000">
         <p159:morph option="byObject"/>
       </p:transition>
     </mc:Choice>
-    <mc:Fallback>
+    <mc:Fallback xmlns="">
       <p:transition spd="slow">
         <p:fade/>
       </p:transition>
@@ -1554,13 +1555,13 @@
   <p:clrMapOvr>
     <a:masterClrMapping/>
   </p:clrMapOvr>
-  <mc:AlternateContent xmlns:mc="http://schemas.openxmlformats.org/markup-compatibility/2006">
-    <mc:Choice xmlns:p159="http://schemas.microsoft.com/office/powerpoint/2015/09/main" Requires="p159">
+  <mc:AlternateContent xmlns:mc="http://schemas.openxmlformats.org/markup-compatibility/2006" xmlns:p159="http://schemas.microsoft.com/office/powerpoint/2015/09/main">
+    <mc:Choice Requires="p159">
       <p:transition xmlns:p14="http://schemas.microsoft.com/office/powerpoint/2010/main" spd="slow" p14:dur="2000">
         <p159:morph option="byObject"/>
       </p:transition>
     </mc:Choice>
-    <mc:Fallback>
+    <mc:Fallback xmlns="">
       <p:transition spd="slow">
         <p:fade/>
       </p:transition>
@@ -1978,13 +1979,13 @@
   <p:clrMapOvr>
     <a:masterClrMapping/>
   </p:clrMapOvr>
-  <mc:AlternateContent xmlns:mc="http://schemas.openxmlformats.org/markup-compatibility/2006">
-    <mc:Choice xmlns:p159="http://schemas.microsoft.com/office/powerpoint/2015/09/main" Requires="p159">
+  <mc:AlternateContent xmlns:mc="http://schemas.openxmlformats.org/markup-compatibility/2006" xmlns:p159="http://schemas.microsoft.com/office/powerpoint/2015/09/main">
+    <mc:Choice Requires="p159">
       <p:transition xmlns:p14="http://schemas.microsoft.com/office/powerpoint/2010/main" spd="slow" p14:dur="2000">
         <p159:morph option="byObject"/>
       </p:transition>
     </mc:Choice>
-    <mc:Fallback>
+    <mc:Fallback xmlns="">
       <p:transition spd="slow">
         <p:fade/>
       </p:transition>
@@ -2131,13 +2132,13 @@
   <p:clrMapOvr>
     <a:masterClrMapping/>
   </p:clrMapOvr>
-  <mc:AlternateContent xmlns:mc="http://schemas.openxmlformats.org/markup-compatibility/2006">
-    <mc:Choice xmlns:p159="http://schemas.microsoft.com/office/powerpoint/2015/09/main" Requires="p159">
+  <mc:AlternateContent xmlns:mc="http://schemas.openxmlformats.org/markup-compatibility/2006" xmlns:p159="http://schemas.microsoft.com/office/powerpoint/2015/09/main">
+    <mc:Choice Requires="p159">
       <p:transition xmlns:p14="http://schemas.microsoft.com/office/powerpoint/2010/main" spd="slow" p14:dur="2000">
         <p159:morph option="byObject"/>
       </p:transition>
     </mc:Choice>
-    <mc:Fallback>
+    <mc:Fallback xmlns="">
       <p:transition spd="slow">
         <p:fade/>
       </p:transition>
@@ -2256,13 +2257,13 @@
   <p:clrMapOvr>
     <a:masterClrMapping/>
   </p:clrMapOvr>
-  <mc:AlternateContent xmlns:mc="http://schemas.openxmlformats.org/markup-compatibility/2006">
-    <mc:Choice xmlns:p159="http://schemas.microsoft.com/office/powerpoint/2015/09/main" Requires="p159">
+  <mc:AlternateContent xmlns:mc="http://schemas.openxmlformats.org/markup-compatibility/2006" xmlns:p159="http://schemas.microsoft.com/office/powerpoint/2015/09/main">
+    <mc:Choice Requires="p159">
       <p:transition xmlns:p14="http://schemas.microsoft.com/office/powerpoint/2010/main" spd="slow" p14:dur="2000">
         <p159:morph option="byObject"/>
       </p:transition>
     </mc:Choice>
-    <mc:Fallback>
+    <mc:Fallback xmlns="">
       <p:transition spd="slow">
         <p:fade/>
       </p:transition>
@@ -2580,13 +2581,13 @@
   <p:clrMapOvr>
     <a:masterClrMapping/>
   </p:clrMapOvr>
-  <mc:AlternateContent xmlns:mc="http://schemas.openxmlformats.org/markup-compatibility/2006">
-    <mc:Choice xmlns:p159="http://schemas.microsoft.com/office/powerpoint/2015/09/main" Requires="p159">
+  <mc:AlternateContent xmlns:mc="http://schemas.openxmlformats.org/markup-compatibility/2006" xmlns:p159="http://schemas.microsoft.com/office/powerpoint/2015/09/main">
+    <mc:Choice Requires="p159">
       <p:transition xmlns:p14="http://schemas.microsoft.com/office/powerpoint/2010/main" spd="slow" p14:dur="2000">
         <p159:morph option="byObject"/>
       </p:transition>
     </mc:Choice>
-    <mc:Fallback>
+    <mc:Fallback xmlns="">
       <p:transition spd="slow">
         <p:fade/>
       </p:transition>
@@ -2883,13 +2884,13 @@
   <p:clrMapOvr>
     <a:masterClrMapping/>
   </p:clrMapOvr>
-  <mc:AlternateContent xmlns:mc="http://schemas.openxmlformats.org/markup-compatibility/2006">
-    <mc:Choice xmlns:p159="http://schemas.microsoft.com/office/powerpoint/2015/09/main" Requires="p159">
+  <mc:AlternateContent xmlns:mc="http://schemas.openxmlformats.org/markup-compatibility/2006" xmlns:p159="http://schemas.microsoft.com/office/powerpoint/2015/09/main">
+    <mc:Choice Requires="p159">
       <p:transition xmlns:p14="http://schemas.microsoft.com/office/powerpoint/2010/main" spd="slow" p14:dur="2000">
         <p159:morph option="byObject"/>
       </p:transition>
     </mc:Choice>
-    <mc:Fallback>
+    <mc:Fallback xmlns="">
       <p:transition spd="slow">
         <p:fade/>
       </p:transition>
@@ -3701,13 +3702,13 @@
     <p:sldLayoutId id="2147483678" r:id="rId10"/>
     <p:sldLayoutId id="2147483680" r:id="rId11"/>
   </p:sldLayoutIdLst>
-  <mc:AlternateContent xmlns:mc="http://schemas.openxmlformats.org/markup-compatibility/2006">
-    <mc:Choice xmlns:p159="http://schemas.microsoft.com/office/powerpoint/2015/09/main" Requires="p159">
+  <mc:AlternateContent xmlns:mc="http://schemas.openxmlformats.org/markup-compatibility/2006" xmlns:p159="http://schemas.microsoft.com/office/powerpoint/2015/09/main">
+    <mc:Choice Requires="p159">
       <p:transition xmlns:p14="http://schemas.microsoft.com/office/powerpoint/2010/main" spd="slow" p14:dur="2000">
         <p159:morph option="byObject"/>
       </p:transition>
     </mc:Choice>
-    <mc:Fallback>
+    <mc:Fallback xmlns="">
       <p:transition spd="slow">
         <p:fade/>
       </p:transition>
@@ -4463,13 +4464,13 @@
   <p:clrMapOvr>
     <a:masterClrMapping/>
   </p:clrMapOvr>
-  <mc:AlternateContent xmlns:mc="http://schemas.openxmlformats.org/markup-compatibility/2006">
-    <mc:Choice xmlns:p159="http://schemas.microsoft.com/office/powerpoint/2015/09/main" Requires="p159">
+  <mc:AlternateContent xmlns:mc="http://schemas.openxmlformats.org/markup-compatibility/2006" xmlns:p159="http://schemas.microsoft.com/office/powerpoint/2015/09/main">
+    <mc:Choice Requires="p159">
       <p:transition xmlns:p14="http://schemas.microsoft.com/office/powerpoint/2010/main" spd="slow" p14:dur="2000">
         <p159:morph option="byObject"/>
       </p:transition>
     </mc:Choice>
-    <mc:Fallback>
+    <mc:Fallback xmlns="">
       <p:transition spd="slow">
         <p:fade/>
       </p:transition>
@@ -4526,64 +4527,31 @@
         </p:blipFill>
         <p:spPr>
           <a:xfrm>
-            <a:off x="4188414" y="671671"/>
-            <a:ext cx="3815171" cy="5514658"/>
+            <a:off x="2094207" y="2226113"/>
+            <a:ext cx="8003586" cy="11568823"/>
           </a:xfrm>
           <a:prstGeom prst="rect">
             <a:avLst/>
           </a:prstGeom>
         </p:spPr>
       </p:pic>
-      <p:sp>
-        <p:nvSpPr>
-          <p:cNvPr id="5" name="標題 1">
-            <a:extLst>
-              <a:ext uri="{FF2B5EF4-FFF2-40B4-BE49-F238E27FC236}">
-                <a16:creationId xmlns:a16="http://schemas.microsoft.com/office/drawing/2014/main" id="{9652146E-7C8E-4ECD-A3D8-287A223FB683}"/>
-              </a:ext>
-            </a:extLst>
-          </p:cNvPr>
-          <p:cNvSpPr>
-            <a:spLocks noGrp="1"/>
-          </p:cNvSpPr>
-          <p:nvPr>
-            <p:ph type="title"/>
-          </p:nvPr>
-        </p:nvSpPr>
-        <p:spPr>
-          <a:xfrm>
-            <a:off x="762000" y="762000"/>
-            <a:ext cx="10668000" cy="1524000"/>
-          </a:xfrm>
-        </p:spPr>
-        <p:txBody>
-          <a:bodyPr/>
-          <a:lstStyle/>
-          <a:p>
-            <a:r>
-              <a:rPr lang="zh-TW" altLang="en-US" dirty="0"/>
-              <a:t>完整結構</a:t>
-            </a:r>
-          </a:p>
-        </p:txBody>
-      </p:sp>
     </p:spTree>
     <p:extLst>
       <p:ext uri="{BB962C8B-B14F-4D97-AF65-F5344CB8AC3E}">
-        <p14:creationId xmlns:p14="http://schemas.microsoft.com/office/powerpoint/2010/main" val="438711242"/>
+        <p14:creationId xmlns:p14="http://schemas.microsoft.com/office/powerpoint/2010/main" val="641128474"/>
       </p:ext>
     </p:extLst>
   </p:cSld>
   <p:clrMapOvr>
     <a:masterClrMapping/>
   </p:clrMapOvr>
-  <mc:AlternateContent xmlns:mc="http://schemas.openxmlformats.org/markup-compatibility/2006">
-    <mc:Choice xmlns:p159="http://schemas.microsoft.com/office/powerpoint/2015/09/main" Requires="p159">
+  <mc:AlternateContent xmlns:mc="http://schemas.openxmlformats.org/markup-compatibility/2006" xmlns:p159="http://schemas.microsoft.com/office/powerpoint/2015/09/main">
+    <mc:Choice Requires="p159">
       <p:transition xmlns:p14="http://schemas.microsoft.com/office/powerpoint/2010/main" spd="slow" p14:dur="2000">
         <p159:morph option="byObject"/>
       </p:transition>
     </mc:Choice>
-    <mc:Fallback>
+    <mc:Fallback xmlns="">
       <p:transition spd="slow">
         <p:fade/>
       </p:transition>
@@ -4640,7 +4608,7 @@
         </p:blipFill>
         <p:spPr>
           <a:xfrm>
-            <a:off x="2094207" y="2226113"/>
+            <a:off x="2094207" y="-2355412"/>
             <a:ext cx="8003586" cy="11568823"/>
           </a:xfrm>
           <a:prstGeom prst="rect">
@@ -4651,20 +4619,20 @@
     </p:spTree>
     <p:extLst>
       <p:ext uri="{BB962C8B-B14F-4D97-AF65-F5344CB8AC3E}">
-        <p14:creationId xmlns:p14="http://schemas.microsoft.com/office/powerpoint/2010/main" val="641128474"/>
+        <p14:creationId xmlns:p14="http://schemas.microsoft.com/office/powerpoint/2010/main" val="596906625"/>
       </p:ext>
     </p:extLst>
   </p:cSld>
   <p:clrMapOvr>
     <a:masterClrMapping/>
   </p:clrMapOvr>
-  <mc:AlternateContent xmlns:mc="http://schemas.openxmlformats.org/markup-compatibility/2006">
-    <mc:Choice xmlns:p159="http://schemas.microsoft.com/office/powerpoint/2015/09/main" Requires="p159">
+  <mc:AlternateContent xmlns:mc="http://schemas.openxmlformats.org/markup-compatibility/2006" xmlns:p159="http://schemas.microsoft.com/office/powerpoint/2015/09/main">
+    <mc:Choice Requires="p159">
       <p:transition xmlns:p14="http://schemas.microsoft.com/office/powerpoint/2010/main" spd="slow" p14:dur="2000">
         <p159:morph option="byObject"/>
       </p:transition>
     </mc:Choice>
-    <mc:Fallback>
+    <mc:Fallback xmlns="">
       <p:transition spd="slow">
         <p:fade/>
       </p:transition>
@@ -4721,87 +4689,6 @@
         </p:blipFill>
         <p:spPr>
           <a:xfrm>
-            <a:off x="2094207" y="-2355412"/>
-            <a:ext cx="8003586" cy="11568823"/>
-          </a:xfrm>
-          <a:prstGeom prst="rect">
-            <a:avLst/>
-          </a:prstGeom>
-        </p:spPr>
-      </p:pic>
-    </p:spTree>
-    <p:extLst>
-      <p:ext uri="{BB962C8B-B14F-4D97-AF65-F5344CB8AC3E}">
-        <p14:creationId xmlns:p14="http://schemas.microsoft.com/office/powerpoint/2010/main" val="596906625"/>
-      </p:ext>
-    </p:extLst>
-  </p:cSld>
-  <p:clrMapOvr>
-    <a:masterClrMapping/>
-  </p:clrMapOvr>
-  <mc:AlternateContent xmlns:mc="http://schemas.openxmlformats.org/markup-compatibility/2006">
-    <mc:Choice xmlns:p159="http://schemas.microsoft.com/office/powerpoint/2015/09/main" Requires="p159">
-      <p:transition xmlns:p14="http://schemas.microsoft.com/office/powerpoint/2010/main" spd="slow" p14:dur="2000">
-        <p159:morph option="byObject"/>
-      </p:transition>
-    </mc:Choice>
-    <mc:Fallback>
-      <p:transition spd="slow">
-        <p:fade/>
-      </p:transition>
-    </mc:Fallback>
-  </mc:AlternateContent>
-</p:sld>
-</file>
-
-<file path=ppt/slides/slide13.xml><?xml version="1.0" encoding="utf-8"?>
-<p:sld xmlns:a="http://schemas.openxmlformats.org/drawingml/2006/main" xmlns:r="http://schemas.openxmlformats.org/officeDocument/2006/relationships" xmlns:p="http://schemas.openxmlformats.org/presentationml/2006/main">
-  <p:cSld>
-    <p:spTree>
-      <p:nvGrpSpPr>
-        <p:cNvPr id="1" name=""/>
-        <p:cNvGrpSpPr/>
-        <p:nvPr/>
-      </p:nvGrpSpPr>
-      <p:grpSpPr>
-        <a:xfrm>
-          <a:off x="0" y="0"/>
-          <a:ext cx="0" cy="0"/>
-          <a:chOff x="0" y="0"/>
-          <a:chExt cx="0" cy="0"/>
-        </a:xfrm>
-      </p:grpSpPr>
-      <p:pic>
-        <p:nvPicPr>
-          <p:cNvPr id="4" name="內容版面配置區 4">
-            <a:extLst>
-              <a:ext uri="{FF2B5EF4-FFF2-40B4-BE49-F238E27FC236}">
-                <a16:creationId xmlns:a16="http://schemas.microsoft.com/office/drawing/2014/main" id="{E6B2C970-A965-45A4-BA18-AFE056C74662}"/>
-              </a:ext>
-            </a:extLst>
-          </p:cNvPr>
-          <p:cNvPicPr>
-            <a:picLocks noChangeAspect="1"/>
-          </p:cNvPicPr>
-          <p:nvPr/>
-        </p:nvPicPr>
-        <p:blipFill>
-          <a:blip r:embed="rId2">
-            <a:extLst>
-              <a:ext uri="{28A0092B-C50C-407E-A947-70E740481C1C}">
-                <a14:useLocalDpi xmlns:a14="http://schemas.microsoft.com/office/drawing/2010/main" val="0"/>
-              </a:ext>
-              <a:ext uri="{96DAC541-7B7A-43D3-8B79-37D633B846F1}">
-                <asvg:svgBlip xmlns:asvg="http://schemas.microsoft.com/office/drawing/2016/SVG/main" r:embed="rId3"/>
-              </a:ext>
-            </a:extLst>
-          </a:blip>
-          <a:stretch>
-            <a:fillRect/>
-          </a:stretch>
-        </p:blipFill>
-        <p:spPr>
-          <a:xfrm>
             <a:off x="2094207" y="-6517837"/>
             <a:ext cx="8003586" cy="11568823"/>
           </a:xfrm>
@@ -4820,13 +4707,13 @@
   <p:clrMapOvr>
     <a:masterClrMapping/>
   </p:clrMapOvr>
-  <mc:AlternateContent xmlns:mc="http://schemas.openxmlformats.org/markup-compatibility/2006">
-    <mc:Choice xmlns:p159="http://schemas.microsoft.com/office/powerpoint/2015/09/main" Requires="p159">
+  <mc:AlternateContent xmlns:mc="http://schemas.openxmlformats.org/markup-compatibility/2006" xmlns:p159="http://schemas.microsoft.com/office/powerpoint/2015/09/main">
+    <mc:Choice Requires="p159">
       <p:transition xmlns:p14="http://schemas.microsoft.com/office/powerpoint/2010/main" spd="slow" p14:dur="2000">
         <p159:morph option="byObject"/>
       </p:transition>
     </mc:Choice>
-    <mc:Fallback>
+    <mc:Fallback xmlns="">
       <p:transition spd="slow">
         <p:fade/>
       </p:transition>
@@ -4835,7 +4722,7 @@
 </p:sld>
 </file>
 
-<file path=ppt/slides/slide14.xml><?xml version="1.0" encoding="utf-8"?>
+<file path=ppt/slides/slide13.xml><?xml version="1.0" encoding="utf-8"?>
 <p:sld xmlns:a="http://schemas.openxmlformats.org/drawingml/2006/main" xmlns:r="http://schemas.openxmlformats.org/officeDocument/2006/relationships" xmlns:p="http://schemas.openxmlformats.org/presentationml/2006/main">
   <p:cSld>
     <p:bg>
@@ -5283,42 +5170,6 @@
       </p:sp>
       <p:sp>
         <p:nvSpPr>
-          <p:cNvPr id="3" name="內容版面配置區 2">
-            <a:extLst>
-              <a:ext uri="{FF2B5EF4-FFF2-40B4-BE49-F238E27FC236}">
-                <a16:creationId xmlns:a16="http://schemas.microsoft.com/office/drawing/2014/main" id="{3BB98E28-B2BF-4E1B-98B7-3BCA10888C92}"/>
-              </a:ext>
-            </a:extLst>
-          </p:cNvPr>
-          <p:cNvSpPr>
-            <a:spLocks noGrp="1"/>
-          </p:cNvSpPr>
-          <p:nvPr>
-            <p:ph idx="1"/>
-          </p:nvPr>
-        </p:nvSpPr>
-        <p:spPr>
-          <a:xfrm>
-            <a:off x="762000" y="2286000"/>
-            <a:ext cx="5334000" cy="3810001"/>
-          </a:xfrm>
-        </p:spPr>
-        <p:txBody>
-          <a:bodyPr>
-            <a:normAutofit/>
-          </a:bodyPr>
-          <a:lstStyle/>
-          <a:p>
-            <a:r>
-              <a:rPr lang="en-US" altLang="zh-TW" sz="2400" dirty="0" err="1"/>
-              <a:t>UnitConversion</a:t>
-            </a:r>
-            <a:endParaRPr lang="zh-TW" altLang="en-US" sz="2400" dirty="0"/>
-          </a:p>
-        </p:txBody>
-      </p:sp>
-      <p:sp>
-        <p:nvSpPr>
           <p:cNvPr id="2" name="標題 1">
             <a:extLst>
               <a:ext uri="{FF2B5EF4-FFF2-40B4-BE49-F238E27FC236}">
@@ -5346,10 +5197,729 @@
           <a:lstStyle/>
           <a:p>
             <a:r>
-              <a:rPr lang="en-US" altLang="zh-TW" sz="3200" dirty="0" err="1"/>
+              <a:rPr lang="zh-TW" altLang="en-US" sz="3200" dirty="0"/>
+              <a:t>單位換算邏輯適配器</a:t>
+            </a:r>
+          </a:p>
+        </p:txBody>
+      </p:sp>
+      <p:sp>
+        <p:nvSpPr>
+          <p:cNvPr id="11" name="文字方塊 10">
+            <a:extLst>
+              <a:ext uri="{FF2B5EF4-FFF2-40B4-BE49-F238E27FC236}">
+                <a16:creationId xmlns:a16="http://schemas.microsoft.com/office/drawing/2014/main" id="{1CEC4344-2926-4A24-8752-2BCAC1FEF866}"/>
+              </a:ext>
+            </a:extLst>
+          </p:cNvPr>
+          <p:cNvSpPr txBox="1"/>
+          <p:nvPr/>
+        </p:nvSpPr>
+        <p:spPr>
+          <a:xfrm>
+            <a:off x="762000" y="1872651"/>
+            <a:ext cx="9595692" cy="4708981"/>
+          </a:xfrm>
+          <a:prstGeom prst="rect">
+            <a:avLst/>
+          </a:prstGeom>
+          <a:noFill/>
+        </p:spPr>
+        <p:txBody>
+          <a:bodyPr wrap="square">
+            <a:spAutoFit/>
+          </a:bodyPr>
+          <a:lstStyle/>
+          <a:p>
+            <a:r>
+              <a:rPr lang="en-US" altLang="zh-TW" sz="2000" dirty="0">
+                <a:solidFill>
+                  <a:srgbClr val="E0E2E4"/>
+                </a:solidFill>
+                <a:latin typeface="Courier New" panose="02070309020205020404" pitchFamily="49" charset="0"/>
+              </a:rPr>
+              <a:t>bot </a:t>
+            </a:r>
+            <a:r>
+              <a:rPr lang="en-US" altLang="zh-TW" sz="2000" dirty="0">
+                <a:solidFill>
+                  <a:srgbClr val="E8E2B7"/>
+                </a:solidFill>
+                <a:latin typeface="Courier New" panose="02070309020205020404" pitchFamily="49" charset="0"/>
+              </a:rPr>
+              <a:t>=</a:t>
+            </a:r>
+            <a:r>
+              <a:rPr lang="en-US" altLang="zh-TW" sz="2000" dirty="0">
+                <a:solidFill>
+                  <a:srgbClr val="E0E2E4"/>
+                </a:solidFill>
+                <a:latin typeface="Courier New" panose="02070309020205020404" pitchFamily="49" charset="0"/>
+              </a:rPr>
+              <a:t> </a:t>
+            </a:r>
+            <a:r>
+              <a:rPr lang="en-US" altLang="zh-TW" sz="2000" dirty="0" err="1">
+                <a:solidFill>
+                  <a:srgbClr val="E0E2E4"/>
+                </a:solidFill>
+                <a:latin typeface="Courier New" panose="02070309020205020404" pitchFamily="49" charset="0"/>
+              </a:rPr>
+              <a:t>ChatBot</a:t>
+            </a:r>
+            <a:r>
+              <a:rPr lang="en-US" altLang="zh-TW" sz="2000" dirty="0">
+                <a:solidFill>
+                  <a:srgbClr val="E8E2B7"/>
+                </a:solidFill>
+                <a:latin typeface="Courier New" panose="02070309020205020404" pitchFamily="49" charset="0"/>
+              </a:rPr>
+              <a:t>(</a:t>
+            </a:r>
+            <a:r>
+              <a:rPr lang="en-US" altLang="zh-TW" sz="2000" dirty="0">
+                <a:solidFill>
+                  <a:srgbClr val="FF8409"/>
+                </a:solidFill>
+                <a:latin typeface="Courier New" panose="02070309020205020404" pitchFamily="49" charset="0"/>
+              </a:rPr>
+              <a:t>'Unit Converter'</a:t>
+            </a:r>
+            <a:r>
+              <a:rPr lang="en-US" altLang="zh-TW" sz="2000" dirty="0">
+                <a:solidFill>
+                  <a:srgbClr val="E8E2B7"/>
+                </a:solidFill>
+                <a:latin typeface="Courier New" panose="02070309020205020404" pitchFamily="49" charset="0"/>
+              </a:rPr>
+              <a:t>,</a:t>
+            </a:r>
+            <a:endParaRPr lang="en-US" altLang="zh-TW" sz="2000" dirty="0">
+              <a:solidFill>
+                <a:srgbClr val="E0E2E4"/>
+              </a:solidFill>
+              <a:latin typeface="Courier New" panose="02070309020205020404" pitchFamily="49" charset="0"/>
+            </a:endParaRPr>
+          </a:p>
+          <a:p>
+            <a:r>
+              <a:rPr lang="en-US" altLang="zh-TW" sz="2000" dirty="0">
+                <a:solidFill>
+                  <a:srgbClr val="E0E2E4"/>
+                </a:solidFill>
+                <a:latin typeface="Courier New" panose="02070309020205020404" pitchFamily="49" charset="0"/>
+              </a:rPr>
+              <a:t>      </a:t>
+            </a:r>
+            <a:r>
+              <a:rPr lang="en-US" altLang="zh-TW" sz="2000" dirty="0" err="1">
+                <a:solidFill>
+                  <a:srgbClr val="E0E2E4"/>
+                </a:solidFill>
+                <a:latin typeface="Courier New" panose="02070309020205020404" pitchFamily="49" charset="0"/>
+              </a:rPr>
               <a:t>logic_adapters</a:t>
             </a:r>
-            <a:endParaRPr lang="zh-TW" altLang="en-US" sz="3200" dirty="0"/>
+            <a:r>
+              <a:rPr lang="en-US" altLang="zh-TW" sz="2000" dirty="0">
+                <a:solidFill>
+                  <a:srgbClr val="E8E2B7"/>
+                </a:solidFill>
+                <a:latin typeface="Courier New" panose="02070309020205020404" pitchFamily="49" charset="0"/>
+              </a:rPr>
+              <a:t>=[</a:t>
+            </a:r>
+            <a:r>
+              <a:rPr lang="en-US" altLang="zh-TW" sz="2000" dirty="0">
+                <a:solidFill>
+                  <a:srgbClr val="FF8409"/>
+                </a:solidFill>
+                <a:latin typeface="Courier New" panose="02070309020205020404" pitchFamily="49" charset="0"/>
+              </a:rPr>
+              <a:t>'</a:t>
+            </a:r>
+            <a:r>
+              <a:rPr lang="en-US" altLang="zh-TW" sz="2000" dirty="0" err="1">
+                <a:solidFill>
+                  <a:srgbClr val="FF8409"/>
+                </a:solidFill>
+                <a:latin typeface="Courier New" panose="02070309020205020404" pitchFamily="49" charset="0"/>
+              </a:rPr>
+              <a:t>chatterbot.logic.UnitConversion</a:t>
+            </a:r>
+            <a:r>
+              <a:rPr lang="en-US" altLang="zh-TW" sz="2000" dirty="0">
+                <a:solidFill>
+                  <a:srgbClr val="FF8409"/>
+                </a:solidFill>
+                <a:latin typeface="Courier New" panose="02070309020205020404" pitchFamily="49" charset="0"/>
+              </a:rPr>
+              <a:t>'</a:t>
+            </a:r>
+            <a:r>
+              <a:rPr lang="en-US" altLang="zh-TW" sz="2000" dirty="0">
+                <a:solidFill>
+                  <a:srgbClr val="E8E2B7"/>
+                </a:solidFill>
+                <a:latin typeface="Courier New" panose="02070309020205020404" pitchFamily="49" charset="0"/>
+              </a:rPr>
+              <a:t>,]</a:t>
+            </a:r>
+            <a:endParaRPr lang="en-US" altLang="zh-TW" sz="2000" dirty="0">
+              <a:solidFill>
+                <a:srgbClr val="E0E2E4"/>
+              </a:solidFill>
+              <a:latin typeface="Courier New" panose="02070309020205020404" pitchFamily="49" charset="0"/>
+            </a:endParaRPr>
+          </a:p>
+          <a:p>
+            <a:r>
+              <a:rPr lang="zh-TW" altLang="en-US" sz="2000" dirty="0">
+                <a:solidFill>
+                  <a:srgbClr val="E0E2E4"/>
+                </a:solidFill>
+                <a:latin typeface="Courier New" panose="02070309020205020404" pitchFamily="49" charset="0"/>
+              </a:rPr>
+              <a:t>             </a:t>
+            </a:r>
+            <a:r>
+              <a:rPr lang="en-US" altLang="zh-TW" sz="2000" dirty="0">
+                <a:solidFill>
+                  <a:srgbClr val="E8E2B7"/>
+                </a:solidFill>
+                <a:latin typeface="Courier New" panose="02070309020205020404" pitchFamily="49" charset="0"/>
+              </a:rPr>
+              <a:t>)</a:t>
+            </a:r>
+            <a:endParaRPr lang="zh-TW" altLang="en-US" sz="2000" dirty="0">
+              <a:solidFill>
+                <a:srgbClr val="E0E2E4"/>
+              </a:solidFill>
+              <a:latin typeface="Courier New" panose="02070309020205020404" pitchFamily="49" charset="0"/>
+            </a:endParaRPr>
+          </a:p>
+          <a:p>
+            <a:endParaRPr lang="zh-TW" altLang="en-US" sz="2000" dirty="0">
+              <a:solidFill>
+                <a:srgbClr val="E0E2E4"/>
+              </a:solidFill>
+              <a:latin typeface="Courier New" panose="02070309020205020404" pitchFamily="49" charset="0"/>
+            </a:endParaRPr>
+          </a:p>
+          <a:p>
+            <a:r>
+              <a:rPr lang="en-US" altLang="zh-TW" sz="2000" dirty="0">
+                <a:solidFill>
+                  <a:srgbClr val="E0E2E4"/>
+                </a:solidFill>
+                <a:latin typeface="Courier New" panose="02070309020205020404" pitchFamily="49" charset="0"/>
+              </a:rPr>
+              <a:t>questions </a:t>
+            </a:r>
+            <a:r>
+              <a:rPr lang="en-US" altLang="zh-TW" sz="2000" dirty="0">
+                <a:solidFill>
+                  <a:srgbClr val="E8E2B7"/>
+                </a:solidFill>
+                <a:latin typeface="Courier New" panose="02070309020205020404" pitchFamily="49" charset="0"/>
+              </a:rPr>
+              <a:t>=</a:t>
+            </a:r>
+            <a:r>
+              <a:rPr lang="en-US" altLang="zh-TW" sz="2000" dirty="0">
+                <a:solidFill>
+                  <a:srgbClr val="E0E2E4"/>
+                </a:solidFill>
+                <a:latin typeface="Courier New" panose="02070309020205020404" pitchFamily="49" charset="0"/>
+              </a:rPr>
+              <a:t> </a:t>
+            </a:r>
+            <a:r>
+              <a:rPr lang="en-US" altLang="zh-TW" sz="2000" dirty="0">
+                <a:solidFill>
+                  <a:srgbClr val="E8E2B7"/>
+                </a:solidFill>
+                <a:latin typeface="Courier New" panose="02070309020205020404" pitchFamily="49" charset="0"/>
+              </a:rPr>
+              <a:t>[</a:t>
+            </a:r>
+            <a:endParaRPr lang="en-US" altLang="zh-TW" sz="2000" dirty="0">
+              <a:solidFill>
+                <a:srgbClr val="E0E2E4"/>
+              </a:solidFill>
+              <a:latin typeface="Courier New" panose="02070309020205020404" pitchFamily="49" charset="0"/>
+            </a:endParaRPr>
+          </a:p>
+          <a:p>
+            <a:r>
+              <a:rPr lang="en-US" altLang="zh-TW" sz="2000" dirty="0">
+                <a:solidFill>
+                  <a:srgbClr val="E0E2E4"/>
+                </a:solidFill>
+                <a:latin typeface="Courier New" panose="02070309020205020404" pitchFamily="49" charset="0"/>
+              </a:rPr>
+              <a:t>    </a:t>
+            </a:r>
+            <a:r>
+              <a:rPr lang="en-US" altLang="zh-TW" sz="2000" dirty="0">
+                <a:solidFill>
+                  <a:srgbClr val="FF8409"/>
+                </a:solidFill>
+                <a:latin typeface="Courier New" panose="02070309020205020404" pitchFamily="49" charset="0"/>
+              </a:rPr>
+              <a:t>'How many meters are in a kilometer?'</a:t>
+            </a:r>
+            <a:r>
+              <a:rPr lang="en-US" altLang="zh-TW" sz="2000" dirty="0">
+                <a:solidFill>
+                  <a:srgbClr val="E8E2B7"/>
+                </a:solidFill>
+                <a:latin typeface="Courier New" panose="02070309020205020404" pitchFamily="49" charset="0"/>
+              </a:rPr>
+              <a:t>,</a:t>
+            </a:r>
+            <a:endParaRPr lang="en-US" altLang="zh-TW" sz="2000" dirty="0">
+              <a:solidFill>
+                <a:srgbClr val="E0E2E4"/>
+              </a:solidFill>
+              <a:latin typeface="Courier New" panose="02070309020205020404" pitchFamily="49" charset="0"/>
+            </a:endParaRPr>
+          </a:p>
+          <a:p>
+            <a:r>
+              <a:rPr lang="en-US" altLang="zh-TW" sz="2000" dirty="0">
+                <a:solidFill>
+                  <a:srgbClr val="E0E2E4"/>
+                </a:solidFill>
+                <a:latin typeface="Courier New" panose="02070309020205020404" pitchFamily="49" charset="0"/>
+              </a:rPr>
+              <a:t>    </a:t>
+            </a:r>
+            <a:r>
+              <a:rPr lang="en-US" altLang="zh-TW" sz="2000" dirty="0">
+                <a:solidFill>
+                  <a:srgbClr val="FF8409"/>
+                </a:solidFill>
+                <a:latin typeface="Courier New" panose="02070309020205020404" pitchFamily="49" charset="0"/>
+              </a:rPr>
+              <a:t>'How many meters are in one inch?'</a:t>
+            </a:r>
+            <a:r>
+              <a:rPr lang="en-US" altLang="zh-TW" sz="2000" dirty="0">
+                <a:solidFill>
+                  <a:srgbClr val="E8E2B7"/>
+                </a:solidFill>
+                <a:latin typeface="Courier New" panose="02070309020205020404" pitchFamily="49" charset="0"/>
+              </a:rPr>
+              <a:t>,</a:t>
+            </a:r>
+            <a:endParaRPr lang="en-US" altLang="zh-TW" sz="2000" dirty="0">
+              <a:solidFill>
+                <a:srgbClr val="E0E2E4"/>
+              </a:solidFill>
+              <a:latin typeface="Courier New" panose="02070309020205020404" pitchFamily="49" charset="0"/>
+            </a:endParaRPr>
+          </a:p>
+          <a:p>
+            <a:r>
+              <a:rPr lang="en-US" altLang="zh-TW" sz="2000" dirty="0">
+                <a:solidFill>
+                  <a:srgbClr val="E0E2E4"/>
+                </a:solidFill>
+                <a:latin typeface="Courier New" panose="02070309020205020404" pitchFamily="49" charset="0"/>
+              </a:rPr>
+              <a:t>    </a:t>
+            </a:r>
+            <a:r>
+              <a:rPr lang="en-US" altLang="zh-TW" sz="2000" dirty="0">
+                <a:solidFill>
+                  <a:srgbClr val="FF8409"/>
+                </a:solidFill>
+                <a:latin typeface="Courier New" panose="02070309020205020404" pitchFamily="49" charset="0"/>
+              </a:rPr>
+              <a:t>'0 </a:t>
+            </a:r>
+            <a:r>
+              <a:rPr lang="en-US" altLang="zh-TW" sz="2000" dirty="0" err="1">
+                <a:solidFill>
+                  <a:srgbClr val="FF8409"/>
+                </a:solidFill>
+                <a:latin typeface="Courier New" panose="02070309020205020404" pitchFamily="49" charset="0"/>
+              </a:rPr>
+              <a:t>celsius</a:t>
+            </a:r>
+            <a:r>
+              <a:rPr lang="en-US" altLang="zh-TW" sz="2000" dirty="0">
+                <a:solidFill>
+                  <a:srgbClr val="FF8409"/>
+                </a:solidFill>
+                <a:latin typeface="Courier New" panose="02070309020205020404" pitchFamily="49" charset="0"/>
+              </a:rPr>
+              <a:t> to </a:t>
+            </a:r>
+            <a:r>
+              <a:rPr lang="en-US" altLang="zh-TW" sz="2000" dirty="0" err="1">
+                <a:solidFill>
+                  <a:srgbClr val="FF8409"/>
+                </a:solidFill>
+                <a:latin typeface="Courier New" panose="02070309020205020404" pitchFamily="49" charset="0"/>
+              </a:rPr>
+              <a:t>fahrenheit</a:t>
+            </a:r>
+            <a:r>
+              <a:rPr lang="en-US" altLang="zh-TW" sz="2000" dirty="0">
+                <a:solidFill>
+                  <a:srgbClr val="FF8409"/>
+                </a:solidFill>
+                <a:latin typeface="Courier New" panose="02070309020205020404" pitchFamily="49" charset="0"/>
+              </a:rPr>
+              <a:t>'</a:t>
+            </a:r>
+            <a:r>
+              <a:rPr lang="en-US" altLang="zh-TW" sz="2000" dirty="0">
+                <a:solidFill>
+                  <a:srgbClr val="E8E2B7"/>
+                </a:solidFill>
+                <a:latin typeface="Courier New" panose="02070309020205020404" pitchFamily="49" charset="0"/>
+              </a:rPr>
+              <a:t>,</a:t>
+            </a:r>
+            <a:endParaRPr lang="en-US" altLang="zh-TW" sz="2000" dirty="0">
+              <a:solidFill>
+                <a:srgbClr val="E0E2E4"/>
+              </a:solidFill>
+              <a:latin typeface="Courier New" panose="02070309020205020404" pitchFamily="49" charset="0"/>
+            </a:endParaRPr>
+          </a:p>
+          <a:p>
+            <a:r>
+              <a:rPr lang="en-US" altLang="zh-TW" sz="2000" dirty="0">
+                <a:solidFill>
+                  <a:srgbClr val="E0E2E4"/>
+                </a:solidFill>
+                <a:latin typeface="Courier New" panose="02070309020205020404" pitchFamily="49" charset="0"/>
+              </a:rPr>
+              <a:t>    </a:t>
+            </a:r>
+            <a:r>
+              <a:rPr lang="en-US" altLang="zh-TW" sz="2000" dirty="0">
+                <a:solidFill>
+                  <a:srgbClr val="FF8409"/>
+                </a:solidFill>
+                <a:latin typeface="Courier New" panose="02070309020205020404" pitchFamily="49" charset="0"/>
+              </a:rPr>
+              <a:t>'one hour is how many minutes ?'</a:t>
+            </a:r>
+            <a:endParaRPr lang="en-US" altLang="zh-TW" sz="2000" dirty="0">
+              <a:solidFill>
+                <a:srgbClr val="E0E2E4"/>
+              </a:solidFill>
+              <a:latin typeface="Courier New" panose="02070309020205020404" pitchFamily="49" charset="0"/>
+            </a:endParaRPr>
+          </a:p>
+          <a:p>
+            <a:r>
+              <a:rPr lang="en-US" altLang="zh-TW" sz="2000" dirty="0">
+                <a:solidFill>
+                  <a:srgbClr val="E8E2B7"/>
+                </a:solidFill>
+                <a:latin typeface="Courier New" panose="02070309020205020404" pitchFamily="49" charset="0"/>
+              </a:rPr>
+              <a:t>]</a:t>
+            </a:r>
+            <a:endParaRPr lang="zh-TW" altLang="en-US" sz="2000" dirty="0">
+              <a:solidFill>
+                <a:srgbClr val="E0E2E4"/>
+              </a:solidFill>
+              <a:latin typeface="Courier New" panose="02070309020205020404" pitchFamily="49" charset="0"/>
+            </a:endParaRPr>
+          </a:p>
+          <a:p>
+            <a:endParaRPr lang="zh-TW" altLang="en-US" sz="2000" dirty="0">
+              <a:solidFill>
+                <a:srgbClr val="E0E2E4"/>
+              </a:solidFill>
+              <a:latin typeface="Courier New" panose="02070309020205020404" pitchFamily="49" charset="0"/>
+            </a:endParaRPr>
+          </a:p>
+          <a:p>
+            <a:r>
+              <a:rPr lang="en-US" altLang="zh-TW" sz="2000" dirty="0">
+                <a:solidFill>
+                  <a:srgbClr val="66747B"/>
+                </a:solidFill>
+                <a:latin typeface="Courier New" panose="02070309020205020404" pitchFamily="49" charset="0"/>
+              </a:rPr>
+              <a:t># Prints the </a:t>
+            </a:r>
+            <a:r>
+              <a:rPr lang="en-US" altLang="zh-TW" sz="2000" dirty="0" err="1">
+                <a:solidFill>
+                  <a:srgbClr val="66747B"/>
+                </a:solidFill>
+                <a:latin typeface="Courier New" panose="02070309020205020404" pitchFamily="49" charset="0"/>
+              </a:rPr>
+              <a:t>convertion</a:t>
+            </a:r>
+            <a:r>
+              <a:rPr lang="en-US" altLang="zh-TW" sz="2000" dirty="0">
+                <a:solidFill>
+                  <a:srgbClr val="66747B"/>
+                </a:solidFill>
+                <a:latin typeface="Courier New" panose="02070309020205020404" pitchFamily="49" charset="0"/>
+              </a:rPr>
+              <a:t> given the specific question</a:t>
+            </a:r>
+            <a:endParaRPr lang="en-US" altLang="zh-TW" sz="2000" dirty="0">
+              <a:solidFill>
+                <a:srgbClr val="E0E2E4"/>
+              </a:solidFill>
+              <a:latin typeface="Courier New" panose="02070309020205020404" pitchFamily="49" charset="0"/>
+            </a:endParaRPr>
+          </a:p>
+          <a:p>
+            <a:r>
+              <a:rPr lang="en-US" altLang="zh-TW" sz="2000" b="1" dirty="0">
+                <a:solidFill>
+                  <a:srgbClr val="93C763"/>
+                </a:solidFill>
+                <a:latin typeface="Courier New" panose="02070309020205020404" pitchFamily="49" charset="0"/>
+              </a:rPr>
+              <a:t>for</a:t>
+            </a:r>
+            <a:r>
+              <a:rPr lang="en-US" altLang="zh-TW" sz="2000" b="0" dirty="0">
+                <a:solidFill>
+                  <a:srgbClr val="E0E2E4"/>
+                </a:solidFill>
+                <a:latin typeface="Courier New" panose="02070309020205020404" pitchFamily="49" charset="0"/>
+              </a:rPr>
+              <a:t> question </a:t>
+            </a:r>
+            <a:r>
+              <a:rPr lang="en-US" altLang="zh-TW" sz="2000" b="1" dirty="0">
+                <a:solidFill>
+                  <a:srgbClr val="93C763"/>
+                </a:solidFill>
+                <a:latin typeface="Courier New" panose="02070309020205020404" pitchFamily="49" charset="0"/>
+              </a:rPr>
+              <a:t>in</a:t>
+            </a:r>
+            <a:r>
+              <a:rPr lang="en-US" altLang="zh-TW" sz="2000" b="0" dirty="0">
+                <a:solidFill>
+                  <a:srgbClr val="E0E2E4"/>
+                </a:solidFill>
+                <a:latin typeface="Courier New" panose="02070309020205020404" pitchFamily="49" charset="0"/>
+              </a:rPr>
+              <a:t> questions</a:t>
+            </a:r>
+            <a:r>
+              <a:rPr lang="en-US" altLang="zh-TW" sz="2000" b="0" dirty="0">
+                <a:solidFill>
+                  <a:srgbClr val="E8E2B7"/>
+                </a:solidFill>
+                <a:latin typeface="Courier New" panose="02070309020205020404" pitchFamily="49" charset="0"/>
+              </a:rPr>
+              <a:t>:</a:t>
+            </a:r>
+            <a:endParaRPr lang="en-US" altLang="zh-TW" sz="2000" b="0" dirty="0">
+              <a:solidFill>
+                <a:srgbClr val="E0E2E4"/>
+              </a:solidFill>
+              <a:latin typeface="Courier New" panose="02070309020205020404" pitchFamily="49" charset="0"/>
+            </a:endParaRPr>
+          </a:p>
+          <a:p>
+            <a:r>
+              <a:rPr lang="fr-FR" altLang="zh-TW" sz="2000" b="0" dirty="0">
+                <a:solidFill>
+                  <a:srgbClr val="E0E2E4"/>
+                </a:solidFill>
+                <a:latin typeface="Courier New" panose="02070309020205020404" pitchFamily="49" charset="0"/>
+              </a:rPr>
+              <a:t>    response </a:t>
+            </a:r>
+            <a:r>
+              <a:rPr lang="fr-FR" altLang="zh-TW" sz="2000" b="0" dirty="0">
+                <a:solidFill>
+                  <a:srgbClr val="E8E2B7"/>
+                </a:solidFill>
+                <a:latin typeface="Courier New" panose="02070309020205020404" pitchFamily="49" charset="0"/>
+              </a:rPr>
+              <a:t>=</a:t>
+            </a:r>
+            <a:r>
+              <a:rPr lang="fr-FR" altLang="zh-TW" sz="2000" b="0" dirty="0">
+                <a:solidFill>
+                  <a:srgbClr val="E0E2E4"/>
+                </a:solidFill>
+                <a:latin typeface="Courier New" panose="02070309020205020404" pitchFamily="49" charset="0"/>
+              </a:rPr>
+              <a:t> bot</a:t>
+            </a:r>
+            <a:r>
+              <a:rPr lang="fr-FR" altLang="zh-TW" sz="2000" b="0" dirty="0">
+                <a:solidFill>
+                  <a:srgbClr val="E8E2B7"/>
+                </a:solidFill>
+                <a:latin typeface="Courier New" panose="02070309020205020404" pitchFamily="49" charset="0"/>
+              </a:rPr>
+              <a:t>.</a:t>
+            </a:r>
+            <a:r>
+              <a:rPr lang="fr-FR" altLang="zh-TW" sz="2000" b="0" dirty="0">
+                <a:solidFill>
+                  <a:srgbClr val="E0E2E4"/>
+                </a:solidFill>
+                <a:latin typeface="Courier New" panose="02070309020205020404" pitchFamily="49" charset="0"/>
+              </a:rPr>
+              <a:t>get_response</a:t>
+            </a:r>
+            <a:r>
+              <a:rPr lang="fr-FR" altLang="zh-TW" sz="2000" b="0" dirty="0">
+                <a:solidFill>
+                  <a:srgbClr val="E8E2B7"/>
+                </a:solidFill>
+                <a:latin typeface="Courier New" panose="02070309020205020404" pitchFamily="49" charset="0"/>
+              </a:rPr>
+              <a:t>(</a:t>
+            </a:r>
+            <a:r>
+              <a:rPr lang="fr-FR" altLang="zh-TW" sz="2000" b="0" dirty="0">
+                <a:solidFill>
+                  <a:srgbClr val="E0E2E4"/>
+                </a:solidFill>
+                <a:latin typeface="Courier New" panose="02070309020205020404" pitchFamily="49" charset="0"/>
+              </a:rPr>
+              <a:t>question</a:t>
+            </a:r>
+            <a:r>
+              <a:rPr lang="fr-FR" altLang="zh-TW" sz="2000" b="0" dirty="0">
+                <a:solidFill>
+                  <a:srgbClr val="E8E2B7"/>
+                </a:solidFill>
+                <a:latin typeface="Courier New" panose="02070309020205020404" pitchFamily="49" charset="0"/>
+              </a:rPr>
+              <a:t>)</a:t>
+            </a:r>
+            <a:endParaRPr lang="fr-FR" altLang="zh-TW" sz="2000" b="0" dirty="0">
+              <a:solidFill>
+                <a:srgbClr val="E0E2E4"/>
+              </a:solidFill>
+              <a:latin typeface="Courier New" panose="02070309020205020404" pitchFamily="49" charset="0"/>
+            </a:endParaRPr>
+          </a:p>
+          <a:p>
+            <a:r>
+              <a:rPr lang="fr-FR" altLang="zh-TW" sz="2000" b="0" dirty="0">
+                <a:solidFill>
+                  <a:srgbClr val="E0E2E4"/>
+                </a:solidFill>
+                <a:latin typeface="Courier New" panose="02070309020205020404" pitchFamily="49" charset="0"/>
+              </a:rPr>
+              <a:t>    print</a:t>
+            </a:r>
+            <a:r>
+              <a:rPr lang="fr-FR" altLang="zh-TW" sz="2000" b="0" dirty="0">
+                <a:solidFill>
+                  <a:srgbClr val="E8E2B7"/>
+                </a:solidFill>
+                <a:latin typeface="Courier New" panose="02070309020205020404" pitchFamily="49" charset="0"/>
+              </a:rPr>
+              <a:t>(</a:t>
+            </a:r>
+            <a:r>
+              <a:rPr lang="fr-FR" altLang="zh-TW" sz="2000" b="0" dirty="0">
+                <a:solidFill>
+                  <a:srgbClr val="E0E2E4"/>
+                </a:solidFill>
+                <a:latin typeface="Courier New" panose="02070309020205020404" pitchFamily="49" charset="0"/>
+              </a:rPr>
+              <a:t>question </a:t>
+            </a:r>
+            <a:r>
+              <a:rPr lang="fr-FR" altLang="zh-TW" sz="2000" b="0" dirty="0">
+                <a:solidFill>
+                  <a:srgbClr val="E8E2B7"/>
+                </a:solidFill>
+                <a:latin typeface="Courier New" panose="02070309020205020404" pitchFamily="49" charset="0"/>
+              </a:rPr>
+              <a:t>+</a:t>
+            </a:r>
+            <a:r>
+              <a:rPr lang="fr-FR" altLang="zh-TW" sz="2000" b="0" dirty="0">
+                <a:solidFill>
+                  <a:srgbClr val="E0E2E4"/>
+                </a:solidFill>
+                <a:latin typeface="Courier New" panose="02070309020205020404" pitchFamily="49" charset="0"/>
+              </a:rPr>
+              <a:t> </a:t>
+            </a:r>
+            <a:r>
+              <a:rPr lang="fr-FR" altLang="zh-TW" sz="2000" b="0" dirty="0">
+                <a:solidFill>
+                  <a:srgbClr val="FF8409"/>
+                </a:solidFill>
+                <a:latin typeface="Courier New" panose="02070309020205020404" pitchFamily="49" charset="0"/>
+              </a:rPr>
+              <a:t>' -  Response: '</a:t>
+            </a:r>
+            <a:r>
+              <a:rPr lang="fr-FR" altLang="zh-TW" sz="2000" b="0" dirty="0">
+                <a:solidFill>
+                  <a:srgbClr val="E0E2E4"/>
+                </a:solidFill>
+                <a:latin typeface="Courier New" panose="02070309020205020404" pitchFamily="49" charset="0"/>
+              </a:rPr>
+              <a:t> </a:t>
+            </a:r>
+            <a:r>
+              <a:rPr lang="fr-FR" altLang="zh-TW" sz="2000" b="0" dirty="0">
+                <a:solidFill>
+                  <a:srgbClr val="E8E2B7"/>
+                </a:solidFill>
+                <a:latin typeface="Courier New" panose="02070309020205020404" pitchFamily="49" charset="0"/>
+              </a:rPr>
+              <a:t>+</a:t>
+            </a:r>
+            <a:r>
+              <a:rPr lang="fr-FR" altLang="zh-TW" sz="2000" b="0" dirty="0">
+                <a:solidFill>
+                  <a:srgbClr val="E0E2E4"/>
+                </a:solidFill>
+                <a:latin typeface="Courier New" panose="02070309020205020404" pitchFamily="49" charset="0"/>
+              </a:rPr>
+              <a:t> response</a:t>
+            </a:r>
+            <a:r>
+              <a:rPr lang="fr-FR" altLang="zh-TW" sz="2000" b="0" dirty="0">
+                <a:solidFill>
+                  <a:srgbClr val="E8E2B7"/>
+                </a:solidFill>
+                <a:latin typeface="Courier New" panose="02070309020205020404" pitchFamily="49" charset="0"/>
+              </a:rPr>
+              <a:t>.</a:t>
+            </a:r>
+            <a:r>
+              <a:rPr lang="fr-FR" altLang="zh-TW" sz="2000" b="0" dirty="0">
+                <a:solidFill>
+                  <a:srgbClr val="E0E2E4"/>
+                </a:solidFill>
+                <a:latin typeface="Courier New" panose="02070309020205020404" pitchFamily="49" charset="0"/>
+              </a:rPr>
+              <a:t>text</a:t>
+            </a:r>
+            <a:r>
+              <a:rPr lang="fr-FR" altLang="zh-TW" sz="2000" b="0" dirty="0">
+                <a:solidFill>
+                  <a:srgbClr val="E8E2B7"/>
+                </a:solidFill>
+                <a:latin typeface="Courier New" panose="02070309020205020404" pitchFamily="49" charset="0"/>
+              </a:rPr>
+              <a:t>)</a:t>
+            </a:r>
+            <a:endParaRPr lang="zh-TW" altLang="en-US" sz="2000" dirty="0"/>
           </a:p>
         </p:txBody>
       </p:sp>
@@ -5363,13 +5933,13 @@
   <p:clrMapOvr>
     <a:masterClrMapping/>
   </p:clrMapOvr>
-  <mc:AlternateContent xmlns:mc="http://schemas.openxmlformats.org/markup-compatibility/2006">
-    <mc:Choice xmlns:p159="http://schemas.microsoft.com/office/powerpoint/2015/09/main" Requires="p159">
+  <mc:AlternateContent xmlns:mc="http://schemas.openxmlformats.org/markup-compatibility/2006" xmlns:p159="http://schemas.microsoft.com/office/powerpoint/2015/09/main">
+    <mc:Choice Requires="p159">
       <p:transition xmlns:p14="http://schemas.microsoft.com/office/powerpoint/2010/main" spd="slow" p14:dur="2000">
         <p159:morph option="byObject"/>
       </p:transition>
     </mc:Choice>
-    <mc:Fallback>
+    <mc:Fallback xmlns="">
       <p:transition spd="slow">
         <p:fade/>
       </p:transition>
@@ -5378,7 +5948,7 @@
 </p:sld>
 </file>
 
-<file path=ppt/slides/slide15.xml><?xml version="1.0" encoding="utf-8"?>
+<file path=ppt/slides/slide14.xml><?xml version="1.0" encoding="utf-8"?>
 <p:sld xmlns:a="http://schemas.openxmlformats.org/drawingml/2006/main" xmlns:r="http://schemas.openxmlformats.org/officeDocument/2006/relationships" xmlns:p="http://schemas.openxmlformats.org/presentationml/2006/main">
   <p:cSld>
     <p:bg>
@@ -5826,42 +6396,6 @@
       </p:sp>
       <p:sp>
         <p:nvSpPr>
-          <p:cNvPr id="3" name="內容版面配置區 2">
-            <a:extLst>
-              <a:ext uri="{FF2B5EF4-FFF2-40B4-BE49-F238E27FC236}">
-                <a16:creationId xmlns:a16="http://schemas.microsoft.com/office/drawing/2014/main" id="{3BB98E28-B2BF-4E1B-98B7-3BCA10888C92}"/>
-              </a:ext>
-            </a:extLst>
-          </p:cNvPr>
-          <p:cNvSpPr>
-            <a:spLocks noGrp="1"/>
-          </p:cNvSpPr>
-          <p:nvPr>
-            <p:ph idx="1"/>
-          </p:nvPr>
-        </p:nvSpPr>
-        <p:spPr>
-          <a:xfrm>
-            <a:off x="762000" y="2286000"/>
-            <a:ext cx="5334000" cy="3810001"/>
-          </a:xfrm>
-        </p:spPr>
-        <p:txBody>
-          <a:bodyPr>
-            <a:normAutofit/>
-          </a:bodyPr>
-          <a:lstStyle/>
-          <a:p>
-            <a:r>
-              <a:rPr lang="en-US" altLang="zh-TW" sz="2400" dirty="0" err="1"/>
-              <a:t>BestMatch</a:t>
-            </a:r>
-            <a:endParaRPr lang="zh-TW" altLang="en-US" sz="2400" dirty="0"/>
-          </a:p>
-        </p:txBody>
-      </p:sp>
-      <p:sp>
-        <p:nvSpPr>
           <p:cNvPr id="2" name="標題 1">
             <a:extLst>
               <a:ext uri="{FF2B5EF4-FFF2-40B4-BE49-F238E27FC236}">
@@ -5878,8 +6412,8 @@
         </p:nvSpPr>
         <p:spPr>
           <a:xfrm>
-            <a:off x="762000" y="762000"/>
-            <a:ext cx="5334000" cy="1524000"/>
+            <a:off x="761999" y="762000"/>
+            <a:ext cx="6189643" cy="1524000"/>
           </a:xfrm>
         </p:spPr>
         <p:txBody>
@@ -5889,10 +6423,694 @@
           <a:lstStyle/>
           <a:p>
             <a:r>
-              <a:rPr lang="en-US" altLang="zh-TW" sz="3200" dirty="0" err="1"/>
+              <a:rPr lang="zh-TW" altLang="en-US" sz="3200" dirty="0"/>
+              <a:t>最佳匹配邏輯適配器</a:t>
+            </a:r>
+            <a:r>
+              <a:rPr lang="en-US" altLang="zh-TW" sz="3200" dirty="0"/>
+              <a:t>(</a:t>
+            </a:r>
+            <a:r>
+              <a:rPr lang="zh-TW" altLang="en-US" sz="3200" dirty="0"/>
+              <a:t>預設回應</a:t>
+            </a:r>
+            <a:r>
+              <a:rPr lang="en-US" altLang="zh-TW" sz="3200" dirty="0"/>
+              <a:t>)</a:t>
+            </a:r>
+            <a:endParaRPr lang="zh-TW" altLang="en-US" sz="3200" dirty="0"/>
+          </a:p>
+        </p:txBody>
+      </p:sp>
+      <p:sp>
+        <p:nvSpPr>
+          <p:cNvPr id="9" name="文字方塊 8">
+            <a:extLst>
+              <a:ext uri="{FF2B5EF4-FFF2-40B4-BE49-F238E27FC236}">
+                <a16:creationId xmlns:a16="http://schemas.microsoft.com/office/drawing/2014/main" id="{882DCD18-86C5-4E86-AA0A-423CB2AE445C}"/>
+              </a:ext>
+            </a:extLst>
+          </p:cNvPr>
+          <p:cNvSpPr txBox="1"/>
+          <p:nvPr/>
+        </p:nvSpPr>
+        <p:spPr>
+          <a:xfrm>
+            <a:off x="762000" y="1976971"/>
+            <a:ext cx="10992998" cy="4401205"/>
+          </a:xfrm>
+          <a:prstGeom prst="rect">
+            <a:avLst/>
+          </a:prstGeom>
+          <a:noFill/>
+        </p:spPr>
+        <p:txBody>
+          <a:bodyPr wrap="square">
+            <a:spAutoFit/>
+          </a:bodyPr>
+          <a:lstStyle/>
+          <a:p>
+            <a:r>
+              <a:rPr lang="en-US" altLang="zh-TW" sz="2000" dirty="0">
+                <a:solidFill>
+                  <a:srgbClr val="66747B"/>
+                </a:solidFill>
+                <a:latin typeface="Courier New" panose="02070309020205020404" pitchFamily="49" charset="0"/>
+              </a:rPr>
+              <a:t># Create a new instance of a </a:t>
+            </a:r>
+            <a:r>
+              <a:rPr lang="en-US" altLang="zh-TW" sz="2000" dirty="0" err="1">
+                <a:solidFill>
+                  <a:srgbClr val="66747B"/>
+                </a:solidFill>
+                <a:latin typeface="Courier New" panose="02070309020205020404" pitchFamily="49" charset="0"/>
+              </a:rPr>
+              <a:t>ChatBot</a:t>
+            </a:r>
+            <a:endParaRPr lang="en-US" altLang="zh-TW" sz="2000" dirty="0">
+              <a:solidFill>
+                <a:srgbClr val="E0E2E4"/>
+              </a:solidFill>
+              <a:latin typeface="Courier New" panose="02070309020205020404" pitchFamily="49" charset="0"/>
+            </a:endParaRPr>
+          </a:p>
+          <a:p>
+            <a:r>
+              <a:rPr lang="en-US" altLang="zh-TW" sz="2000" dirty="0">
+                <a:solidFill>
+                  <a:srgbClr val="E0E2E4"/>
+                </a:solidFill>
+                <a:latin typeface="Courier New" panose="02070309020205020404" pitchFamily="49" charset="0"/>
+              </a:rPr>
+              <a:t>bot </a:t>
+            </a:r>
+            <a:r>
+              <a:rPr lang="en-US" altLang="zh-TW" sz="2000" dirty="0">
+                <a:solidFill>
+                  <a:srgbClr val="E8E2B7"/>
+                </a:solidFill>
+                <a:latin typeface="Courier New" panose="02070309020205020404" pitchFamily="49" charset="0"/>
+              </a:rPr>
+              <a:t>=</a:t>
+            </a:r>
+            <a:r>
+              <a:rPr lang="en-US" altLang="zh-TW" sz="2000" dirty="0">
+                <a:solidFill>
+                  <a:srgbClr val="E0E2E4"/>
+                </a:solidFill>
+                <a:latin typeface="Courier New" panose="02070309020205020404" pitchFamily="49" charset="0"/>
+              </a:rPr>
+              <a:t> </a:t>
+            </a:r>
+            <a:r>
+              <a:rPr lang="en-US" altLang="zh-TW" sz="2000" dirty="0" err="1">
+                <a:solidFill>
+                  <a:srgbClr val="E0E2E4"/>
+                </a:solidFill>
+                <a:latin typeface="Courier New" panose="02070309020205020404" pitchFamily="49" charset="0"/>
+              </a:rPr>
+              <a:t>ChatBot</a:t>
+            </a:r>
+            <a:r>
+              <a:rPr lang="en-US" altLang="zh-TW" sz="2000" dirty="0">
+                <a:solidFill>
+                  <a:srgbClr val="E8E2B7"/>
+                </a:solidFill>
+                <a:latin typeface="Courier New" panose="02070309020205020404" pitchFamily="49" charset="0"/>
+              </a:rPr>
+              <a:t>(</a:t>
+            </a:r>
+            <a:endParaRPr lang="en-US" altLang="zh-TW" sz="2000" dirty="0">
+              <a:solidFill>
+                <a:srgbClr val="E0E2E4"/>
+              </a:solidFill>
+              <a:latin typeface="Courier New" panose="02070309020205020404" pitchFamily="49" charset="0"/>
+            </a:endParaRPr>
+          </a:p>
+          <a:p>
+            <a:r>
+              <a:rPr lang="en-US" altLang="zh-TW" sz="2000" dirty="0">
+                <a:solidFill>
+                  <a:srgbClr val="E0E2E4"/>
+                </a:solidFill>
+                <a:latin typeface="Courier New" panose="02070309020205020404" pitchFamily="49" charset="0"/>
+              </a:rPr>
+              <a:t>    </a:t>
+            </a:r>
+            <a:r>
+              <a:rPr lang="en-US" altLang="zh-TW" sz="2000" dirty="0">
+                <a:solidFill>
+                  <a:srgbClr val="FF8409"/>
+                </a:solidFill>
+                <a:latin typeface="Courier New" panose="02070309020205020404" pitchFamily="49" charset="0"/>
+              </a:rPr>
+              <a:t>'Example Bot'</a:t>
+            </a:r>
+            <a:r>
+              <a:rPr lang="en-US" altLang="zh-TW" sz="2000" dirty="0">
+                <a:solidFill>
+                  <a:srgbClr val="E8E2B7"/>
+                </a:solidFill>
+                <a:latin typeface="Courier New" panose="02070309020205020404" pitchFamily="49" charset="0"/>
+              </a:rPr>
+              <a:t>,</a:t>
+            </a:r>
+            <a:endParaRPr lang="en-US" altLang="zh-TW" sz="2000" dirty="0">
+              <a:solidFill>
+                <a:srgbClr val="E0E2E4"/>
+              </a:solidFill>
+              <a:latin typeface="Courier New" panose="02070309020205020404" pitchFamily="49" charset="0"/>
+            </a:endParaRPr>
+          </a:p>
+          <a:p>
+            <a:r>
+              <a:rPr lang="en-US" altLang="zh-TW" sz="2000" dirty="0">
+                <a:solidFill>
+                  <a:srgbClr val="E0E2E4"/>
+                </a:solidFill>
+                <a:latin typeface="Courier New" panose="02070309020205020404" pitchFamily="49" charset="0"/>
+              </a:rPr>
+              <a:t>    </a:t>
+            </a:r>
+            <a:r>
+              <a:rPr lang="en-US" altLang="zh-TW" sz="2000" dirty="0" err="1">
+                <a:solidFill>
+                  <a:srgbClr val="E0E2E4"/>
+                </a:solidFill>
+                <a:latin typeface="Courier New" panose="02070309020205020404" pitchFamily="49" charset="0"/>
+              </a:rPr>
+              <a:t>storage_adapter</a:t>
+            </a:r>
+            <a:r>
+              <a:rPr lang="en-US" altLang="zh-TW" sz="2000" dirty="0">
+                <a:solidFill>
+                  <a:srgbClr val="E8E2B7"/>
+                </a:solidFill>
+                <a:latin typeface="Courier New" panose="02070309020205020404" pitchFamily="49" charset="0"/>
+              </a:rPr>
+              <a:t>=</a:t>
+            </a:r>
+            <a:r>
+              <a:rPr lang="en-US" altLang="zh-TW" sz="2000" dirty="0">
+                <a:solidFill>
+                  <a:srgbClr val="FF8409"/>
+                </a:solidFill>
+                <a:latin typeface="Courier New" panose="02070309020205020404" pitchFamily="49" charset="0"/>
+              </a:rPr>
+              <a:t>'</a:t>
+            </a:r>
+            <a:r>
+              <a:rPr lang="en-US" altLang="zh-TW" sz="2000" dirty="0" err="1">
+                <a:solidFill>
+                  <a:srgbClr val="FF8409"/>
+                </a:solidFill>
+                <a:latin typeface="Courier New" panose="02070309020205020404" pitchFamily="49" charset="0"/>
+              </a:rPr>
+              <a:t>chatterbot.storage.SQLStorageAdapter</a:t>
+            </a:r>
+            <a:r>
+              <a:rPr lang="en-US" altLang="zh-TW" sz="2000" dirty="0">
+                <a:solidFill>
+                  <a:srgbClr val="FF8409"/>
+                </a:solidFill>
+                <a:latin typeface="Courier New" panose="02070309020205020404" pitchFamily="49" charset="0"/>
+              </a:rPr>
+              <a:t>'</a:t>
+            </a:r>
+            <a:r>
+              <a:rPr lang="en-US" altLang="zh-TW" sz="2000" dirty="0">
+                <a:solidFill>
+                  <a:srgbClr val="E8E2B7"/>
+                </a:solidFill>
+                <a:latin typeface="Courier New" panose="02070309020205020404" pitchFamily="49" charset="0"/>
+              </a:rPr>
+              <a:t>,</a:t>
+            </a:r>
+            <a:endParaRPr lang="en-US" altLang="zh-TW" sz="2000" dirty="0">
+              <a:solidFill>
+                <a:srgbClr val="E0E2E4"/>
+              </a:solidFill>
+              <a:latin typeface="Courier New" panose="02070309020205020404" pitchFamily="49" charset="0"/>
+            </a:endParaRPr>
+          </a:p>
+          <a:p>
+            <a:r>
+              <a:rPr lang="en-US" altLang="zh-TW" sz="2000" dirty="0">
+                <a:solidFill>
+                  <a:srgbClr val="E0E2E4"/>
+                </a:solidFill>
+                <a:latin typeface="Courier New" panose="02070309020205020404" pitchFamily="49" charset="0"/>
+              </a:rPr>
+              <a:t>    </a:t>
+            </a:r>
+            <a:r>
+              <a:rPr lang="en-US" altLang="zh-TW" sz="2000" dirty="0" err="1">
+                <a:solidFill>
+                  <a:srgbClr val="E0E2E4"/>
+                </a:solidFill>
+                <a:latin typeface="Courier New" panose="02070309020205020404" pitchFamily="49" charset="0"/>
+              </a:rPr>
               <a:t>logic_adapters</a:t>
             </a:r>
-            <a:endParaRPr lang="zh-TW" altLang="en-US" sz="3200" dirty="0"/>
+            <a:r>
+              <a:rPr lang="en-US" altLang="zh-TW" sz="2000" dirty="0">
+                <a:solidFill>
+                  <a:srgbClr val="E8E2B7"/>
+                </a:solidFill>
+                <a:latin typeface="Courier New" panose="02070309020205020404" pitchFamily="49" charset="0"/>
+              </a:rPr>
+              <a:t>=[</a:t>
+            </a:r>
+            <a:endParaRPr lang="en-US" altLang="zh-TW" sz="2000" dirty="0">
+              <a:solidFill>
+                <a:srgbClr val="E0E2E4"/>
+              </a:solidFill>
+              <a:latin typeface="Courier New" panose="02070309020205020404" pitchFamily="49" charset="0"/>
+            </a:endParaRPr>
+          </a:p>
+          <a:p>
+            <a:r>
+              <a:rPr lang="zh-TW" altLang="en-US" sz="2000" dirty="0">
+                <a:solidFill>
+                  <a:srgbClr val="E0E2E4"/>
+                </a:solidFill>
+                <a:latin typeface="Courier New" panose="02070309020205020404" pitchFamily="49" charset="0"/>
+              </a:rPr>
+              <a:t>        </a:t>
+            </a:r>
+            <a:r>
+              <a:rPr lang="en-US" altLang="zh-TW" sz="2000" dirty="0">
+                <a:solidFill>
+                  <a:srgbClr val="E8E2B7"/>
+                </a:solidFill>
+                <a:latin typeface="Courier New" panose="02070309020205020404" pitchFamily="49" charset="0"/>
+              </a:rPr>
+              <a:t>{</a:t>
+            </a:r>
+            <a:endParaRPr lang="zh-TW" altLang="en-US" sz="2000" dirty="0">
+              <a:solidFill>
+                <a:srgbClr val="E0E2E4"/>
+              </a:solidFill>
+              <a:latin typeface="Courier New" panose="02070309020205020404" pitchFamily="49" charset="0"/>
+            </a:endParaRPr>
+          </a:p>
+          <a:p>
+            <a:r>
+              <a:rPr lang="en-US" altLang="zh-TW" sz="2000" dirty="0">
+                <a:solidFill>
+                  <a:srgbClr val="E0E2E4"/>
+                </a:solidFill>
+                <a:latin typeface="Courier New" panose="02070309020205020404" pitchFamily="49" charset="0"/>
+              </a:rPr>
+              <a:t>            </a:t>
+            </a:r>
+            <a:r>
+              <a:rPr lang="en-US" altLang="zh-TW" sz="2000" dirty="0">
+                <a:solidFill>
+                  <a:srgbClr val="FF8409"/>
+                </a:solidFill>
+                <a:latin typeface="Courier New" panose="02070309020205020404" pitchFamily="49" charset="0"/>
+              </a:rPr>
+              <a:t>'</a:t>
+            </a:r>
+            <a:r>
+              <a:rPr lang="en-US" altLang="zh-TW" sz="2000" dirty="0" err="1">
+                <a:solidFill>
+                  <a:srgbClr val="FF8409"/>
+                </a:solidFill>
+                <a:latin typeface="Courier New" panose="02070309020205020404" pitchFamily="49" charset="0"/>
+              </a:rPr>
+              <a:t>import_path</a:t>
+            </a:r>
+            <a:r>
+              <a:rPr lang="en-US" altLang="zh-TW" sz="2000" dirty="0">
+                <a:solidFill>
+                  <a:srgbClr val="FF8409"/>
+                </a:solidFill>
+                <a:latin typeface="Courier New" panose="02070309020205020404" pitchFamily="49" charset="0"/>
+              </a:rPr>
+              <a:t>'</a:t>
+            </a:r>
+            <a:r>
+              <a:rPr lang="en-US" altLang="zh-TW" sz="2000" dirty="0">
+                <a:solidFill>
+                  <a:srgbClr val="E8E2B7"/>
+                </a:solidFill>
+                <a:latin typeface="Courier New" panose="02070309020205020404" pitchFamily="49" charset="0"/>
+              </a:rPr>
+              <a:t>:</a:t>
+            </a:r>
+            <a:r>
+              <a:rPr lang="en-US" altLang="zh-TW" sz="2000" dirty="0">
+                <a:solidFill>
+                  <a:srgbClr val="E0E2E4"/>
+                </a:solidFill>
+                <a:latin typeface="Courier New" panose="02070309020205020404" pitchFamily="49" charset="0"/>
+              </a:rPr>
+              <a:t> </a:t>
+            </a:r>
+            <a:r>
+              <a:rPr lang="en-US" altLang="zh-TW" sz="2000" dirty="0">
+                <a:solidFill>
+                  <a:srgbClr val="FF8409"/>
+                </a:solidFill>
+                <a:latin typeface="Courier New" panose="02070309020205020404" pitchFamily="49" charset="0"/>
+              </a:rPr>
+              <a:t>'</a:t>
+            </a:r>
+            <a:r>
+              <a:rPr lang="en-US" altLang="zh-TW" sz="2000" dirty="0" err="1">
+                <a:solidFill>
+                  <a:srgbClr val="FF8409"/>
+                </a:solidFill>
+                <a:latin typeface="Courier New" panose="02070309020205020404" pitchFamily="49" charset="0"/>
+              </a:rPr>
+              <a:t>chatterbot.logic.BestMatch</a:t>
+            </a:r>
+            <a:r>
+              <a:rPr lang="en-US" altLang="zh-TW" sz="2000" dirty="0">
+                <a:solidFill>
+                  <a:srgbClr val="FF8409"/>
+                </a:solidFill>
+                <a:latin typeface="Courier New" panose="02070309020205020404" pitchFamily="49" charset="0"/>
+              </a:rPr>
+              <a:t>'</a:t>
+            </a:r>
+            <a:r>
+              <a:rPr lang="en-US" altLang="zh-TW" sz="2000" dirty="0">
+                <a:solidFill>
+                  <a:srgbClr val="E8E2B7"/>
+                </a:solidFill>
+                <a:latin typeface="Courier New" panose="02070309020205020404" pitchFamily="49" charset="0"/>
+              </a:rPr>
+              <a:t>,</a:t>
+            </a:r>
+            <a:endParaRPr lang="en-US" altLang="zh-TW" sz="2000" dirty="0">
+              <a:solidFill>
+                <a:srgbClr val="E0E2E4"/>
+              </a:solidFill>
+              <a:latin typeface="Courier New" panose="02070309020205020404" pitchFamily="49" charset="0"/>
+            </a:endParaRPr>
+          </a:p>
+          <a:p>
+            <a:r>
+              <a:rPr lang="en-US" altLang="zh-TW" sz="2000" dirty="0">
+                <a:solidFill>
+                  <a:srgbClr val="E0E2E4"/>
+                </a:solidFill>
+                <a:latin typeface="Courier New" panose="02070309020205020404" pitchFamily="49" charset="0"/>
+              </a:rPr>
+              <a:t>            </a:t>
+            </a:r>
+            <a:r>
+              <a:rPr lang="en-US" altLang="zh-TW" sz="2000" dirty="0">
+                <a:solidFill>
+                  <a:srgbClr val="FF8409"/>
+                </a:solidFill>
+                <a:latin typeface="Courier New" panose="02070309020205020404" pitchFamily="49" charset="0"/>
+              </a:rPr>
+              <a:t>'</a:t>
+            </a:r>
+            <a:r>
+              <a:rPr lang="en-US" altLang="zh-TW" sz="2000" dirty="0" err="1">
+                <a:solidFill>
+                  <a:srgbClr val="FF8409"/>
+                </a:solidFill>
+                <a:latin typeface="Courier New" panose="02070309020205020404" pitchFamily="49" charset="0"/>
+              </a:rPr>
+              <a:t>default_response</a:t>
+            </a:r>
+            <a:r>
+              <a:rPr lang="en-US" altLang="zh-TW" sz="2000" dirty="0">
+                <a:solidFill>
+                  <a:srgbClr val="FF8409"/>
+                </a:solidFill>
+                <a:latin typeface="Courier New" panose="02070309020205020404" pitchFamily="49" charset="0"/>
+              </a:rPr>
+              <a:t>'</a:t>
+            </a:r>
+            <a:r>
+              <a:rPr lang="en-US" altLang="zh-TW" sz="2000" dirty="0">
+                <a:solidFill>
+                  <a:srgbClr val="E8E2B7"/>
+                </a:solidFill>
+                <a:latin typeface="Courier New" panose="02070309020205020404" pitchFamily="49" charset="0"/>
+              </a:rPr>
+              <a:t>:</a:t>
+            </a:r>
+            <a:r>
+              <a:rPr lang="en-US" altLang="zh-TW" sz="2000" dirty="0">
+                <a:solidFill>
+                  <a:srgbClr val="E0E2E4"/>
+                </a:solidFill>
+                <a:latin typeface="Courier New" panose="02070309020205020404" pitchFamily="49" charset="0"/>
+              </a:rPr>
+              <a:t> </a:t>
+            </a:r>
+            <a:r>
+              <a:rPr lang="en-US" altLang="zh-TW" sz="2000" dirty="0">
+                <a:solidFill>
+                  <a:srgbClr val="FF8409"/>
+                </a:solidFill>
+                <a:latin typeface="Courier New" panose="02070309020205020404" pitchFamily="49" charset="0"/>
+              </a:rPr>
+              <a:t>'I am sorry, but I do not understand.'</a:t>
+            </a:r>
+            <a:r>
+              <a:rPr lang="en-US" altLang="zh-TW" sz="2000" dirty="0">
+                <a:solidFill>
+                  <a:srgbClr val="E8E2B7"/>
+                </a:solidFill>
+                <a:latin typeface="Courier New" panose="02070309020205020404" pitchFamily="49" charset="0"/>
+              </a:rPr>
+              <a:t>,</a:t>
+            </a:r>
+            <a:endParaRPr lang="en-US" altLang="zh-TW" sz="2000" dirty="0">
+              <a:solidFill>
+                <a:srgbClr val="E0E2E4"/>
+              </a:solidFill>
+              <a:latin typeface="Courier New" panose="02070309020205020404" pitchFamily="49" charset="0"/>
+            </a:endParaRPr>
+          </a:p>
+          <a:p>
+            <a:r>
+              <a:rPr lang="en-US" altLang="zh-TW" sz="2000" dirty="0">
+                <a:solidFill>
+                  <a:srgbClr val="E0E2E4"/>
+                </a:solidFill>
+                <a:latin typeface="Courier New" panose="02070309020205020404" pitchFamily="49" charset="0"/>
+              </a:rPr>
+              <a:t>            </a:t>
+            </a:r>
+            <a:r>
+              <a:rPr lang="en-US" altLang="zh-TW" sz="2000" dirty="0">
+                <a:solidFill>
+                  <a:srgbClr val="FF8409"/>
+                </a:solidFill>
+                <a:latin typeface="Courier New" panose="02070309020205020404" pitchFamily="49" charset="0"/>
+              </a:rPr>
+              <a:t>'</a:t>
+            </a:r>
+            <a:r>
+              <a:rPr lang="en-US" altLang="zh-TW" sz="2000" dirty="0" err="1">
+                <a:solidFill>
+                  <a:srgbClr val="FF8409"/>
+                </a:solidFill>
+                <a:latin typeface="Courier New" panose="02070309020205020404" pitchFamily="49" charset="0"/>
+              </a:rPr>
+              <a:t>maximum_similarity_threshold</a:t>
+            </a:r>
+            <a:r>
+              <a:rPr lang="en-US" altLang="zh-TW" sz="2000" dirty="0">
+                <a:solidFill>
+                  <a:srgbClr val="FF8409"/>
+                </a:solidFill>
+                <a:latin typeface="Courier New" panose="02070309020205020404" pitchFamily="49" charset="0"/>
+              </a:rPr>
+              <a:t>'</a:t>
+            </a:r>
+            <a:r>
+              <a:rPr lang="en-US" altLang="zh-TW" sz="2000" dirty="0">
+                <a:solidFill>
+                  <a:srgbClr val="E8E2B7"/>
+                </a:solidFill>
+                <a:latin typeface="Courier New" panose="02070309020205020404" pitchFamily="49" charset="0"/>
+              </a:rPr>
+              <a:t>:</a:t>
+            </a:r>
+            <a:r>
+              <a:rPr lang="en-US" altLang="zh-TW" sz="2000" dirty="0">
+                <a:solidFill>
+                  <a:srgbClr val="E0E2E4"/>
+                </a:solidFill>
+                <a:latin typeface="Courier New" panose="02070309020205020404" pitchFamily="49" charset="0"/>
+              </a:rPr>
+              <a:t> </a:t>
+            </a:r>
+            <a:r>
+              <a:rPr lang="en-US" altLang="zh-TW" sz="2000" dirty="0">
+                <a:solidFill>
+                  <a:srgbClr val="FFCD22"/>
+                </a:solidFill>
+                <a:latin typeface="Courier New" panose="02070309020205020404" pitchFamily="49" charset="0"/>
+              </a:rPr>
+              <a:t>0.90</a:t>
+            </a:r>
+            <a:endParaRPr lang="en-US" altLang="zh-TW" sz="2000" dirty="0">
+              <a:solidFill>
+                <a:srgbClr val="E0E2E4"/>
+              </a:solidFill>
+              <a:latin typeface="Courier New" panose="02070309020205020404" pitchFamily="49" charset="0"/>
+            </a:endParaRPr>
+          </a:p>
+          <a:p>
+            <a:r>
+              <a:rPr lang="zh-TW" altLang="en-US" sz="2000" dirty="0">
+                <a:solidFill>
+                  <a:srgbClr val="E0E2E4"/>
+                </a:solidFill>
+                <a:latin typeface="Courier New" panose="02070309020205020404" pitchFamily="49" charset="0"/>
+              </a:rPr>
+              <a:t>        </a:t>
+            </a:r>
+            <a:r>
+              <a:rPr lang="en-US" altLang="zh-TW" sz="2000" dirty="0">
+                <a:solidFill>
+                  <a:srgbClr val="E8E2B7"/>
+                </a:solidFill>
+                <a:latin typeface="Courier New" panose="02070309020205020404" pitchFamily="49" charset="0"/>
+              </a:rPr>
+              <a:t>}</a:t>
+            </a:r>
+            <a:endParaRPr lang="zh-TW" altLang="en-US" sz="2000" dirty="0">
+              <a:solidFill>
+                <a:srgbClr val="E0E2E4"/>
+              </a:solidFill>
+              <a:latin typeface="Courier New" panose="02070309020205020404" pitchFamily="49" charset="0"/>
+            </a:endParaRPr>
+          </a:p>
+          <a:p>
+            <a:r>
+              <a:rPr lang="zh-TW" altLang="en-US" sz="2000" dirty="0">
+                <a:solidFill>
+                  <a:srgbClr val="E0E2E4"/>
+                </a:solidFill>
+                <a:latin typeface="Courier New" panose="02070309020205020404" pitchFamily="49" charset="0"/>
+              </a:rPr>
+              <a:t>    </a:t>
+            </a:r>
+            <a:r>
+              <a:rPr lang="en-US" altLang="zh-TW" sz="2000" dirty="0">
+                <a:solidFill>
+                  <a:srgbClr val="E8E2B7"/>
+                </a:solidFill>
+                <a:latin typeface="Courier New" panose="02070309020205020404" pitchFamily="49" charset="0"/>
+              </a:rPr>
+              <a:t>]</a:t>
+            </a:r>
+            <a:endParaRPr lang="zh-TW" altLang="en-US" sz="2000" dirty="0">
+              <a:solidFill>
+                <a:srgbClr val="E0E2E4"/>
+              </a:solidFill>
+              <a:latin typeface="Courier New" panose="02070309020205020404" pitchFamily="49" charset="0"/>
+            </a:endParaRPr>
+          </a:p>
+          <a:p>
+            <a:r>
+              <a:rPr lang="en-US" altLang="zh-TW" sz="2000" dirty="0">
+                <a:solidFill>
+                  <a:srgbClr val="E8E2B7"/>
+                </a:solidFill>
+                <a:latin typeface="Courier New" panose="02070309020205020404" pitchFamily="49" charset="0"/>
+              </a:rPr>
+              <a:t>)</a:t>
+            </a:r>
+            <a:endParaRPr lang="zh-TW" altLang="en-US" sz="2000" dirty="0">
+              <a:solidFill>
+                <a:srgbClr val="E0E2E4"/>
+              </a:solidFill>
+              <a:latin typeface="Courier New" panose="02070309020205020404" pitchFamily="49" charset="0"/>
+            </a:endParaRPr>
+          </a:p>
+          <a:p>
+            <a:endParaRPr lang="zh-TW" altLang="en-US" sz="2000" dirty="0">
+              <a:solidFill>
+                <a:srgbClr val="E0E2E4"/>
+              </a:solidFill>
+              <a:latin typeface="Courier New" panose="02070309020205020404" pitchFamily="49" charset="0"/>
+            </a:endParaRPr>
+          </a:p>
+          <a:p>
+            <a:r>
+              <a:rPr lang="en-US" altLang="zh-TW" sz="2000" dirty="0">
+                <a:solidFill>
+                  <a:srgbClr val="E0E2E4"/>
+                </a:solidFill>
+                <a:latin typeface="Courier New" panose="02070309020205020404" pitchFamily="49" charset="0"/>
+              </a:rPr>
+              <a:t>trainer </a:t>
+            </a:r>
+            <a:r>
+              <a:rPr lang="en-US" altLang="zh-TW" sz="2000" dirty="0">
+                <a:solidFill>
+                  <a:srgbClr val="E8E2B7"/>
+                </a:solidFill>
+                <a:latin typeface="Courier New" panose="02070309020205020404" pitchFamily="49" charset="0"/>
+              </a:rPr>
+              <a:t>=</a:t>
+            </a:r>
+            <a:r>
+              <a:rPr lang="en-US" altLang="zh-TW" sz="2000" dirty="0">
+                <a:solidFill>
+                  <a:srgbClr val="E0E2E4"/>
+                </a:solidFill>
+                <a:latin typeface="Courier New" panose="02070309020205020404" pitchFamily="49" charset="0"/>
+              </a:rPr>
+              <a:t> </a:t>
+            </a:r>
+            <a:r>
+              <a:rPr lang="en-US" altLang="zh-TW" sz="2000" dirty="0" err="1">
+                <a:solidFill>
+                  <a:srgbClr val="E0E2E4"/>
+                </a:solidFill>
+                <a:latin typeface="Courier New" panose="02070309020205020404" pitchFamily="49" charset="0"/>
+              </a:rPr>
+              <a:t>ListTrainer</a:t>
+            </a:r>
+            <a:r>
+              <a:rPr lang="en-US" altLang="zh-TW" sz="2000" dirty="0">
+                <a:solidFill>
+                  <a:srgbClr val="E8E2B7"/>
+                </a:solidFill>
+                <a:latin typeface="Courier New" panose="02070309020205020404" pitchFamily="49" charset="0"/>
+              </a:rPr>
+              <a:t>(</a:t>
+            </a:r>
+            <a:r>
+              <a:rPr lang="en-US" altLang="zh-TW" sz="2000" dirty="0">
+                <a:solidFill>
+                  <a:srgbClr val="E0E2E4"/>
+                </a:solidFill>
+                <a:latin typeface="Courier New" panose="02070309020205020404" pitchFamily="49" charset="0"/>
+              </a:rPr>
+              <a:t>bot</a:t>
+            </a:r>
+            <a:r>
+              <a:rPr lang="en-US" altLang="zh-TW" sz="2000" dirty="0">
+                <a:solidFill>
+                  <a:srgbClr val="E8E2B7"/>
+                </a:solidFill>
+                <a:latin typeface="Courier New" panose="02070309020205020404" pitchFamily="49" charset="0"/>
+              </a:rPr>
+              <a:t>)</a:t>
+            </a:r>
+            <a:endParaRPr lang="en-US" altLang="zh-TW" sz="2000" dirty="0">
+              <a:solidFill>
+                <a:srgbClr val="E0E2E4"/>
+              </a:solidFill>
+              <a:latin typeface="Courier New" panose="02070309020205020404" pitchFamily="49" charset="0"/>
+            </a:endParaRPr>
           </a:p>
         </p:txBody>
       </p:sp>
@@ -5906,13 +7124,13 @@
   <p:clrMapOvr>
     <a:masterClrMapping/>
   </p:clrMapOvr>
-  <mc:AlternateContent xmlns:mc="http://schemas.openxmlformats.org/markup-compatibility/2006">
-    <mc:Choice xmlns:p159="http://schemas.microsoft.com/office/powerpoint/2015/09/main" Requires="p159">
+  <mc:AlternateContent xmlns:mc="http://schemas.openxmlformats.org/markup-compatibility/2006" xmlns:p159="http://schemas.microsoft.com/office/powerpoint/2015/09/main">
+    <mc:Choice Requires="p159">
       <p:transition xmlns:p14="http://schemas.microsoft.com/office/powerpoint/2010/main" spd="slow" p14:dur="2000">
         <p159:morph option="byObject"/>
       </p:transition>
     </mc:Choice>
-    <mc:Fallback>
+    <mc:Fallback xmlns="">
       <p:transition spd="slow">
         <p:fade/>
       </p:transition>
@@ -5921,7 +7139,7 @@
 </p:sld>
 </file>
 
-<file path=ppt/slides/slide16.xml><?xml version="1.0" encoding="utf-8"?>
+<file path=ppt/slides/slide15.xml><?xml version="1.0" encoding="utf-8"?>
 <p:sld xmlns:a="http://schemas.openxmlformats.org/drawingml/2006/main" xmlns:r="http://schemas.openxmlformats.org/officeDocument/2006/relationships" xmlns:p="http://schemas.openxmlformats.org/presentationml/2006/main">
   <p:cSld>
     <p:bg>
@@ -6369,49 +7587,6 @@
       </p:sp>
       <p:sp>
         <p:nvSpPr>
-          <p:cNvPr id="3" name="內容版面配置區 2">
-            <a:extLst>
-              <a:ext uri="{FF2B5EF4-FFF2-40B4-BE49-F238E27FC236}">
-                <a16:creationId xmlns:a16="http://schemas.microsoft.com/office/drawing/2014/main" id="{3BB98E28-B2BF-4E1B-98B7-3BCA10888C92}"/>
-              </a:ext>
-            </a:extLst>
-          </p:cNvPr>
-          <p:cNvSpPr>
-            <a:spLocks noGrp="1"/>
-          </p:cNvSpPr>
-          <p:nvPr>
-            <p:ph idx="1"/>
-          </p:nvPr>
-        </p:nvSpPr>
-        <p:spPr>
-          <a:xfrm>
-            <a:off x="762000" y="2286000"/>
-            <a:ext cx="5334000" cy="3810001"/>
-          </a:xfrm>
-        </p:spPr>
-        <p:txBody>
-          <a:bodyPr>
-            <a:normAutofit/>
-          </a:bodyPr>
-          <a:lstStyle/>
-          <a:p>
-            <a:r>
-              <a:rPr lang="en-US" altLang="zh-TW" sz="2400" dirty="0" err="1"/>
-              <a:t>MathematicalEvaluation</a:t>
-            </a:r>
-            <a:endParaRPr lang="en-US" altLang="zh-TW" sz="2400" dirty="0"/>
-          </a:p>
-          <a:p>
-            <a:r>
-              <a:rPr lang="en-US" altLang="zh-TW" sz="2400" dirty="0" err="1"/>
-              <a:t>TimeLogicAdapter</a:t>
-            </a:r>
-            <a:endParaRPr lang="zh-TW" altLang="en-US" sz="2400" dirty="0"/>
-          </a:p>
-        </p:txBody>
-      </p:sp>
-      <p:sp>
-        <p:nvSpPr>
           <p:cNvPr id="2" name="標題 1">
             <a:extLst>
               <a:ext uri="{FF2B5EF4-FFF2-40B4-BE49-F238E27FC236}">
@@ -6428,8 +7603,8 @@
         </p:nvSpPr>
         <p:spPr>
           <a:xfrm>
-            <a:off x="762000" y="762000"/>
-            <a:ext cx="5334000" cy="1524000"/>
+            <a:off x="761999" y="762000"/>
+            <a:ext cx="7445567" cy="1524000"/>
           </a:xfrm>
         </p:spPr>
         <p:txBody>
@@ -6439,17 +7614,478 @@
           <a:lstStyle/>
           <a:p>
             <a:r>
-              <a:rPr lang="en-US" altLang="zh-TW" sz="3200" dirty="0" err="1"/>
-              <a:t>logic_adapters</a:t>
+              <a:rPr lang="zh-TW" altLang="en-US" sz="3200" dirty="0"/>
+              <a:t>最佳匹配邏輯適配器</a:t>
+            </a:r>
+            <a:r>
+              <a:rPr lang="en-US" altLang="zh-TW" sz="3200" dirty="0"/>
+              <a:t>(</a:t>
+            </a:r>
+            <a:r>
+              <a:rPr lang="zh-TW" altLang="en-US" sz="3200" dirty="0"/>
+              <a:t>預設回應</a:t>
+            </a:r>
+            <a:r>
+              <a:rPr lang="en-US" altLang="zh-TW" sz="3200" dirty="0"/>
+              <a:t>) (cont.)</a:t>
             </a:r>
             <a:endParaRPr lang="zh-TW" altLang="en-US" sz="3200" dirty="0"/>
+          </a:p>
+        </p:txBody>
+      </p:sp>
+      <p:sp>
+        <p:nvSpPr>
+          <p:cNvPr id="9" name="文字方塊 8">
+            <a:extLst>
+              <a:ext uri="{FF2B5EF4-FFF2-40B4-BE49-F238E27FC236}">
+                <a16:creationId xmlns:a16="http://schemas.microsoft.com/office/drawing/2014/main" id="{882DCD18-86C5-4E86-AA0A-423CB2AE445C}"/>
+              </a:ext>
+            </a:extLst>
+          </p:cNvPr>
+          <p:cNvSpPr txBox="1"/>
+          <p:nvPr/>
+        </p:nvSpPr>
+        <p:spPr>
+          <a:xfrm>
+            <a:off x="761999" y="2125103"/>
+            <a:ext cx="10992998" cy="4093428"/>
+          </a:xfrm>
+          <a:prstGeom prst="rect">
+            <a:avLst/>
+          </a:prstGeom>
+          <a:noFill/>
+        </p:spPr>
+        <p:txBody>
+          <a:bodyPr wrap="square">
+            <a:spAutoFit/>
+          </a:bodyPr>
+          <a:lstStyle/>
+          <a:p>
+            <a:r>
+              <a:rPr lang="en-US" altLang="zh-TW" sz="2000" dirty="0">
+                <a:solidFill>
+                  <a:srgbClr val="66747B"/>
+                </a:solidFill>
+                <a:latin typeface="Courier New" panose="02070309020205020404" pitchFamily="49" charset="0"/>
+              </a:rPr>
+              <a:t># Train the chat bot with a few responses</a:t>
+            </a:r>
+            <a:endParaRPr lang="en-US" altLang="zh-TW" sz="2000" dirty="0">
+              <a:solidFill>
+                <a:srgbClr val="E0E2E4"/>
+              </a:solidFill>
+              <a:latin typeface="Courier New" panose="02070309020205020404" pitchFamily="49" charset="0"/>
+            </a:endParaRPr>
+          </a:p>
+          <a:p>
+            <a:r>
+              <a:rPr lang="en-US" altLang="zh-TW" sz="2000" dirty="0" err="1">
+                <a:solidFill>
+                  <a:srgbClr val="E0E2E4"/>
+                </a:solidFill>
+                <a:latin typeface="Courier New" panose="02070309020205020404" pitchFamily="49" charset="0"/>
+              </a:rPr>
+              <a:t>trainer</a:t>
+            </a:r>
+            <a:r>
+              <a:rPr lang="en-US" altLang="zh-TW" sz="2000" dirty="0" err="1">
+                <a:solidFill>
+                  <a:srgbClr val="E8E2B7"/>
+                </a:solidFill>
+                <a:latin typeface="Courier New" panose="02070309020205020404" pitchFamily="49" charset="0"/>
+              </a:rPr>
+              <a:t>.</a:t>
+            </a:r>
+            <a:r>
+              <a:rPr lang="en-US" altLang="zh-TW" sz="2000" dirty="0" err="1">
+                <a:solidFill>
+                  <a:srgbClr val="E0E2E4"/>
+                </a:solidFill>
+                <a:latin typeface="Courier New" panose="02070309020205020404" pitchFamily="49" charset="0"/>
+              </a:rPr>
+              <a:t>train</a:t>
+            </a:r>
+            <a:r>
+              <a:rPr lang="en-US" altLang="zh-TW" sz="2000" dirty="0">
+                <a:solidFill>
+                  <a:srgbClr val="E8E2B7"/>
+                </a:solidFill>
+                <a:latin typeface="Courier New" panose="02070309020205020404" pitchFamily="49" charset="0"/>
+              </a:rPr>
+              <a:t>([</a:t>
+            </a:r>
+            <a:endParaRPr lang="en-US" altLang="zh-TW" sz="2000" dirty="0">
+              <a:solidFill>
+                <a:srgbClr val="E0E2E4"/>
+              </a:solidFill>
+              <a:latin typeface="Courier New" panose="02070309020205020404" pitchFamily="49" charset="0"/>
+            </a:endParaRPr>
+          </a:p>
+          <a:p>
+            <a:r>
+              <a:rPr lang="en-US" altLang="zh-TW" sz="2000" dirty="0">
+                <a:solidFill>
+                  <a:srgbClr val="E0E2E4"/>
+                </a:solidFill>
+                <a:latin typeface="Courier New" panose="02070309020205020404" pitchFamily="49" charset="0"/>
+              </a:rPr>
+              <a:t>    </a:t>
+            </a:r>
+            <a:r>
+              <a:rPr lang="en-US" altLang="zh-TW" sz="2000" dirty="0">
+                <a:solidFill>
+                  <a:srgbClr val="FF8409"/>
+                </a:solidFill>
+                <a:latin typeface="Courier New" panose="02070309020205020404" pitchFamily="49" charset="0"/>
+              </a:rPr>
+              <a:t>'How can I help you?'</a:t>
+            </a:r>
+            <a:r>
+              <a:rPr lang="en-US" altLang="zh-TW" sz="2000" dirty="0">
+                <a:solidFill>
+                  <a:srgbClr val="E8E2B7"/>
+                </a:solidFill>
+                <a:latin typeface="Courier New" panose="02070309020205020404" pitchFamily="49" charset="0"/>
+              </a:rPr>
+              <a:t>,</a:t>
+            </a:r>
+            <a:endParaRPr lang="en-US" altLang="zh-TW" sz="2000" dirty="0">
+              <a:solidFill>
+                <a:srgbClr val="E0E2E4"/>
+              </a:solidFill>
+              <a:latin typeface="Courier New" panose="02070309020205020404" pitchFamily="49" charset="0"/>
+            </a:endParaRPr>
+          </a:p>
+          <a:p>
+            <a:r>
+              <a:rPr lang="en-US" altLang="zh-TW" sz="2000" dirty="0">
+                <a:solidFill>
+                  <a:srgbClr val="E0E2E4"/>
+                </a:solidFill>
+                <a:latin typeface="Courier New" panose="02070309020205020404" pitchFamily="49" charset="0"/>
+              </a:rPr>
+              <a:t>    </a:t>
+            </a:r>
+            <a:r>
+              <a:rPr lang="en-US" altLang="zh-TW" sz="2000" dirty="0">
+                <a:solidFill>
+                  <a:srgbClr val="FF8409"/>
+                </a:solidFill>
+                <a:latin typeface="Courier New" panose="02070309020205020404" pitchFamily="49" charset="0"/>
+              </a:rPr>
+              <a:t>'I want to create a chat bot'</a:t>
+            </a:r>
+            <a:r>
+              <a:rPr lang="en-US" altLang="zh-TW" sz="2000" dirty="0">
+                <a:solidFill>
+                  <a:srgbClr val="E8E2B7"/>
+                </a:solidFill>
+                <a:latin typeface="Courier New" panose="02070309020205020404" pitchFamily="49" charset="0"/>
+              </a:rPr>
+              <a:t>,</a:t>
+            </a:r>
+            <a:endParaRPr lang="en-US" altLang="zh-TW" sz="2000" dirty="0">
+              <a:solidFill>
+                <a:srgbClr val="E0E2E4"/>
+              </a:solidFill>
+              <a:latin typeface="Courier New" panose="02070309020205020404" pitchFamily="49" charset="0"/>
+            </a:endParaRPr>
+          </a:p>
+          <a:p>
+            <a:r>
+              <a:rPr lang="en-US" altLang="zh-TW" sz="2000" dirty="0">
+                <a:solidFill>
+                  <a:srgbClr val="E0E2E4"/>
+                </a:solidFill>
+                <a:latin typeface="Courier New" panose="02070309020205020404" pitchFamily="49" charset="0"/>
+              </a:rPr>
+              <a:t>    </a:t>
+            </a:r>
+            <a:r>
+              <a:rPr lang="en-US" altLang="zh-TW" sz="2000" dirty="0">
+                <a:solidFill>
+                  <a:srgbClr val="FF8409"/>
+                </a:solidFill>
+                <a:latin typeface="Courier New" panose="02070309020205020404" pitchFamily="49" charset="0"/>
+              </a:rPr>
+              <a:t>'Have you read the documentation?'</a:t>
+            </a:r>
+            <a:r>
+              <a:rPr lang="en-US" altLang="zh-TW" sz="2000" dirty="0">
+                <a:solidFill>
+                  <a:srgbClr val="E8E2B7"/>
+                </a:solidFill>
+                <a:latin typeface="Courier New" panose="02070309020205020404" pitchFamily="49" charset="0"/>
+              </a:rPr>
+              <a:t>,</a:t>
+            </a:r>
+            <a:endParaRPr lang="en-US" altLang="zh-TW" sz="2000" dirty="0">
+              <a:solidFill>
+                <a:srgbClr val="E0E2E4"/>
+              </a:solidFill>
+              <a:latin typeface="Courier New" panose="02070309020205020404" pitchFamily="49" charset="0"/>
+            </a:endParaRPr>
+          </a:p>
+          <a:p>
+            <a:r>
+              <a:rPr lang="en-US" altLang="zh-TW" sz="2000" dirty="0">
+                <a:solidFill>
+                  <a:srgbClr val="E0E2E4"/>
+                </a:solidFill>
+                <a:latin typeface="Courier New" panose="02070309020205020404" pitchFamily="49" charset="0"/>
+              </a:rPr>
+              <a:t>    </a:t>
+            </a:r>
+            <a:r>
+              <a:rPr lang="en-US" altLang="zh-TW" sz="2000" dirty="0">
+                <a:solidFill>
+                  <a:srgbClr val="FF8409"/>
+                </a:solidFill>
+                <a:latin typeface="Courier New" panose="02070309020205020404" pitchFamily="49" charset="0"/>
+              </a:rPr>
+              <a:t>'No, I have not'</a:t>
+            </a:r>
+            <a:r>
+              <a:rPr lang="en-US" altLang="zh-TW" sz="2000" dirty="0">
+                <a:solidFill>
+                  <a:srgbClr val="E8E2B7"/>
+                </a:solidFill>
+                <a:latin typeface="Courier New" panose="02070309020205020404" pitchFamily="49" charset="0"/>
+              </a:rPr>
+              <a:t>,</a:t>
+            </a:r>
+            <a:endParaRPr lang="en-US" altLang="zh-TW" sz="2000" dirty="0">
+              <a:solidFill>
+                <a:srgbClr val="E0E2E4"/>
+              </a:solidFill>
+              <a:latin typeface="Courier New" panose="02070309020205020404" pitchFamily="49" charset="0"/>
+            </a:endParaRPr>
+          </a:p>
+          <a:p>
+            <a:r>
+              <a:rPr lang="en-US" altLang="zh-TW" sz="2000" dirty="0">
+                <a:solidFill>
+                  <a:srgbClr val="E0E2E4"/>
+                </a:solidFill>
+                <a:latin typeface="Courier New" panose="02070309020205020404" pitchFamily="49" charset="0"/>
+              </a:rPr>
+              <a:t>    </a:t>
+            </a:r>
+            <a:r>
+              <a:rPr lang="en-US" altLang="zh-TW" sz="2000" dirty="0">
+                <a:solidFill>
+                  <a:srgbClr val="FF8409"/>
+                </a:solidFill>
+                <a:latin typeface="Courier New" panose="02070309020205020404" pitchFamily="49" charset="0"/>
+              </a:rPr>
+              <a:t>'This should help get you started: http://chatterbot.rtfd.org/en/latest/quickstart.html'</a:t>
+            </a:r>
+            <a:endParaRPr lang="en-US" altLang="zh-TW" sz="2000" dirty="0">
+              <a:solidFill>
+                <a:srgbClr val="E0E2E4"/>
+              </a:solidFill>
+              <a:latin typeface="Courier New" panose="02070309020205020404" pitchFamily="49" charset="0"/>
+            </a:endParaRPr>
+          </a:p>
+          <a:p>
+            <a:r>
+              <a:rPr lang="en-US" altLang="zh-TW" sz="2000" dirty="0">
+                <a:solidFill>
+                  <a:srgbClr val="E8E2B7"/>
+                </a:solidFill>
+                <a:latin typeface="Courier New" panose="02070309020205020404" pitchFamily="49" charset="0"/>
+              </a:rPr>
+              <a:t>])</a:t>
+            </a:r>
+            <a:endParaRPr lang="zh-TW" altLang="en-US" sz="2000" dirty="0">
+              <a:solidFill>
+                <a:srgbClr val="E0E2E4"/>
+              </a:solidFill>
+              <a:latin typeface="Courier New" panose="02070309020205020404" pitchFamily="49" charset="0"/>
+            </a:endParaRPr>
+          </a:p>
+          <a:p>
+            <a:endParaRPr lang="zh-TW" altLang="en-US" sz="2000" dirty="0">
+              <a:solidFill>
+                <a:srgbClr val="E0E2E4"/>
+              </a:solidFill>
+              <a:latin typeface="Courier New" panose="02070309020205020404" pitchFamily="49" charset="0"/>
+            </a:endParaRPr>
+          </a:p>
+          <a:p>
+            <a:r>
+              <a:rPr lang="en-US" altLang="zh-TW" sz="2000" dirty="0">
+                <a:solidFill>
+                  <a:srgbClr val="66747B"/>
+                </a:solidFill>
+                <a:latin typeface="Courier New" panose="02070309020205020404" pitchFamily="49" charset="0"/>
+              </a:rPr>
+              <a:t># Get a response for some unexpected input</a:t>
+            </a:r>
+            <a:endParaRPr lang="en-US" altLang="zh-TW" sz="2000" dirty="0">
+              <a:solidFill>
+                <a:srgbClr val="E0E2E4"/>
+              </a:solidFill>
+              <a:latin typeface="Courier New" panose="02070309020205020404" pitchFamily="49" charset="0"/>
+            </a:endParaRPr>
+          </a:p>
+          <a:p>
+            <a:r>
+              <a:rPr lang="en-US" altLang="zh-TW" sz="2000" dirty="0">
+                <a:solidFill>
+                  <a:srgbClr val="E0E2E4"/>
+                </a:solidFill>
+                <a:latin typeface="Courier New" panose="02070309020205020404" pitchFamily="49" charset="0"/>
+              </a:rPr>
+              <a:t>response </a:t>
+            </a:r>
+            <a:r>
+              <a:rPr lang="en-US" altLang="zh-TW" sz="2000" dirty="0">
+                <a:solidFill>
+                  <a:srgbClr val="E8E2B7"/>
+                </a:solidFill>
+                <a:latin typeface="Courier New" panose="02070309020205020404" pitchFamily="49" charset="0"/>
+              </a:rPr>
+              <a:t>=</a:t>
+            </a:r>
+            <a:r>
+              <a:rPr lang="en-US" altLang="zh-TW" sz="2000" dirty="0">
+                <a:solidFill>
+                  <a:srgbClr val="E0E2E4"/>
+                </a:solidFill>
+                <a:latin typeface="Courier New" panose="02070309020205020404" pitchFamily="49" charset="0"/>
+              </a:rPr>
+              <a:t> </a:t>
+            </a:r>
+            <a:r>
+              <a:rPr lang="en-US" altLang="zh-TW" sz="2000" dirty="0" err="1">
+                <a:solidFill>
+                  <a:srgbClr val="E0E2E4"/>
+                </a:solidFill>
+                <a:latin typeface="Courier New" panose="02070309020205020404" pitchFamily="49" charset="0"/>
+              </a:rPr>
+              <a:t>bot</a:t>
+            </a:r>
+            <a:r>
+              <a:rPr lang="en-US" altLang="zh-TW" sz="2000" dirty="0" err="1">
+                <a:solidFill>
+                  <a:srgbClr val="E8E2B7"/>
+                </a:solidFill>
+                <a:latin typeface="Courier New" panose="02070309020205020404" pitchFamily="49" charset="0"/>
+              </a:rPr>
+              <a:t>.</a:t>
+            </a:r>
+            <a:r>
+              <a:rPr lang="en-US" altLang="zh-TW" sz="2000" dirty="0" err="1">
+                <a:solidFill>
+                  <a:srgbClr val="E0E2E4"/>
+                </a:solidFill>
+                <a:latin typeface="Courier New" panose="02070309020205020404" pitchFamily="49" charset="0"/>
+              </a:rPr>
+              <a:t>get_response</a:t>
+            </a:r>
+            <a:r>
+              <a:rPr lang="en-US" altLang="zh-TW" sz="2000" dirty="0">
+                <a:solidFill>
+                  <a:srgbClr val="E8E2B7"/>
+                </a:solidFill>
+                <a:latin typeface="Courier New" panose="02070309020205020404" pitchFamily="49" charset="0"/>
+              </a:rPr>
+              <a:t>(</a:t>
+            </a:r>
+            <a:r>
+              <a:rPr lang="en-US" altLang="zh-TW" sz="2000" dirty="0">
+                <a:solidFill>
+                  <a:srgbClr val="FF8409"/>
+                </a:solidFill>
+                <a:latin typeface="Courier New" panose="02070309020205020404" pitchFamily="49" charset="0"/>
+              </a:rPr>
+              <a:t>'How do I make an </a:t>
+            </a:r>
+            <a:r>
+              <a:rPr lang="en-US" altLang="zh-TW" sz="2000" dirty="0" err="1">
+                <a:solidFill>
+                  <a:srgbClr val="FF8409"/>
+                </a:solidFill>
+                <a:latin typeface="Courier New" panose="02070309020205020404" pitchFamily="49" charset="0"/>
+              </a:rPr>
+              <a:t>omelette</a:t>
+            </a:r>
+            <a:r>
+              <a:rPr lang="en-US" altLang="zh-TW" sz="2000" dirty="0">
+                <a:solidFill>
+                  <a:srgbClr val="FF8409"/>
+                </a:solidFill>
+                <a:latin typeface="Courier New" panose="02070309020205020404" pitchFamily="49" charset="0"/>
+              </a:rPr>
+              <a:t>?'</a:t>
+            </a:r>
+            <a:r>
+              <a:rPr lang="en-US" altLang="zh-TW" sz="2000" dirty="0">
+                <a:solidFill>
+                  <a:srgbClr val="E8E2B7"/>
+                </a:solidFill>
+                <a:latin typeface="Courier New" panose="02070309020205020404" pitchFamily="49" charset="0"/>
+              </a:rPr>
+              <a:t>)</a:t>
+            </a:r>
+            <a:endParaRPr lang="en-US" altLang="zh-TW" sz="2000" dirty="0">
+              <a:solidFill>
+                <a:srgbClr val="E0E2E4"/>
+              </a:solidFill>
+              <a:latin typeface="Courier New" panose="02070309020205020404" pitchFamily="49" charset="0"/>
+            </a:endParaRPr>
+          </a:p>
+          <a:p>
+            <a:r>
+              <a:rPr lang="en-US" altLang="zh-TW" sz="2000" dirty="0">
+                <a:solidFill>
+                  <a:srgbClr val="E0E2E4"/>
+                </a:solidFill>
+                <a:latin typeface="Courier New" panose="02070309020205020404" pitchFamily="49" charset="0"/>
+              </a:rPr>
+              <a:t>print</a:t>
+            </a:r>
+            <a:r>
+              <a:rPr lang="en-US" altLang="zh-TW" sz="2000" dirty="0">
+                <a:solidFill>
+                  <a:srgbClr val="E8E2B7"/>
+                </a:solidFill>
+                <a:latin typeface="Courier New" panose="02070309020205020404" pitchFamily="49" charset="0"/>
+              </a:rPr>
+              <a:t>(</a:t>
+            </a:r>
+            <a:r>
+              <a:rPr lang="en-US" altLang="zh-TW" sz="2000" dirty="0">
+                <a:solidFill>
+                  <a:srgbClr val="E0E2E4"/>
+                </a:solidFill>
+                <a:latin typeface="Courier New" panose="02070309020205020404" pitchFamily="49" charset="0"/>
+              </a:rPr>
+              <a:t>response</a:t>
+            </a:r>
+            <a:r>
+              <a:rPr lang="en-US" altLang="zh-TW" sz="2000" dirty="0">
+                <a:solidFill>
+                  <a:srgbClr val="E8E2B7"/>
+                </a:solidFill>
+                <a:latin typeface="Courier New" panose="02070309020205020404" pitchFamily="49" charset="0"/>
+              </a:rPr>
+              <a:t>)</a:t>
+            </a:r>
+            <a:endParaRPr lang="en-US" altLang="zh-TW" sz="2400" dirty="0">
+              <a:solidFill>
+                <a:srgbClr val="E0E2E4"/>
+              </a:solidFill>
+              <a:latin typeface="Courier New" panose="02070309020205020404" pitchFamily="49" charset="0"/>
+            </a:endParaRPr>
           </a:p>
         </p:txBody>
       </p:sp>
     </p:spTree>
     <p:extLst>
       <p:ext uri="{BB962C8B-B14F-4D97-AF65-F5344CB8AC3E}">
-        <p14:creationId xmlns:p14="http://schemas.microsoft.com/office/powerpoint/2010/main" val="2578605447"/>
+        <p14:creationId xmlns:p14="http://schemas.microsoft.com/office/powerpoint/2010/main" val="2008296791"/>
       </p:ext>
     </p:extLst>
   </p:cSld>
@@ -6471,7 +8107,7 @@
 </p:sld>
 </file>
 
-<file path=ppt/slides/slide17.xml><?xml version="1.0" encoding="utf-8"?>
+<file path=ppt/slides/slide16.xml><?xml version="1.0" encoding="utf-8"?>
 <p:sld xmlns:a="http://schemas.openxmlformats.org/drawingml/2006/main" xmlns:r="http://schemas.openxmlformats.org/officeDocument/2006/relationships" xmlns:p="http://schemas.openxmlformats.org/presentationml/2006/main">
   <p:cSld>
     <p:bg>
@@ -6919,42 +8555,6 @@
       </p:sp>
       <p:sp>
         <p:nvSpPr>
-          <p:cNvPr id="3" name="內容版面配置區 2">
-            <a:extLst>
-              <a:ext uri="{FF2B5EF4-FFF2-40B4-BE49-F238E27FC236}">
-                <a16:creationId xmlns:a16="http://schemas.microsoft.com/office/drawing/2014/main" id="{3BB98E28-B2BF-4E1B-98B7-3BCA10888C92}"/>
-              </a:ext>
-            </a:extLst>
-          </p:cNvPr>
-          <p:cNvSpPr>
-            <a:spLocks noGrp="1"/>
-          </p:cNvSpPr>
-          <p:nvPr>
-            <p:ph idx="1"/>
-          </p:nvPr>
-        </p:nvSpPr>
-        <p:spPr>
-          <a:xfrm>
-            <a:off x="762000" y="2286000"/>
-            <a:ext cx="5334000" cy="3810001"/>
-          </a:xfrm>
-        </p:spPr>
-        <p:txBody>
-          <a:bodyPr>
-            <a:normAutofit/>
-          </a:bodyPr>
-          <a:lstStyle/>
-          <a:p>
-            <a:r>
-              <a:rPr lang="en-US" altLang="zh-TW" sz="2400" dirty="0" err="1"/>
-              <a:t>SpecificResponseAdapter</a:t>
-            </a:r>
-            <a:endParaRPr lang="zh-TW" altLang="en-US" sz="2400" dirty="0"/>
-          </a:p>
-        </p:txBody>
-      </p:sp>
-      <p:sp>
-        <p:nvSpPr>
           <p:cNvPr id="2" name="標題 1">
             <a:extLst>
               <a:ext uri="{FF2B5EF4-FFF2-40B4-BE49-F238E27FC236}">
@@ -6982,30 +8582,624 @@
           <a:lstStyle/>
           <a:p>
             <a:r>
-              <a:rPr lang="en-US" altLang="zh-TW" sz="3200" dirty="0" err="1"/>
+              <a:rPr lang="zh-TW" altLang="en-US" sz="3200" dirty="0"/>
+              <a:t>數學及時間邏輯適配器</a:t>
+            </a:r>
+          </a:p>
+        </p:txBody>
+      </p:sp>
+      <p:sp>
+        <p:nvSpPr>
+          <p:cNvPr id="11" name="文字方塊 10">
+            <a:extLst>
+              <a:ext uri="{FF2B5EF4-FFF2-40B4-BE49-F238E27FC236}">
+                <a16:creationId xmlns:a16="http://schemas.microsoft.com/office/drawing/2014/main" id="{889920BA-DDB1-480B-B555-01C85C3EC42A}"/>
+              </a:ext>
+            </a:extLst>
+          </p:cNvPr>
+          <p:cNvSpPr txBox="1"/>
+          <p:nvPr/>
+        </p:nvSpPr>
+        <p:spPr>
+          <a:xfrm>
+            <a:off x="762000" y="2008051"/>
+            <a:ext cx="10080434" cy="4401205"/>
+          </a:xfrm>
+          <a:prstGeom prst="rect">
+            <a:avLst/>
+          </a:prstGeom>
+          <a:noFill/>
+        </p:spPr>
+        <p:txBody>
+          <a:bodyPr wrap="square">
+            <a:spAutoFit/>
+          </a:bodyPr>
+          <a:lstStyle/>
+          <a:p>
+            <a:r>
+              <a:rPr lang="en-US" altLang="zh-TW" sz="2000" dirty="0">
+                <a:solidFill>
+                  <a:srgbClr val="E0E2E4"/>
+                </a:solidFill>
+                <a:latin typeface="Courier New" panose="02070309020205020404" pitchFamily="49" charset="0"/>
+              </a:rPr>
+              <a:t>bot </a:t>
+            </a:r>
+            <a:r>
+              <a:rPr lang="en-US" altLang="zh-TW" sz="2000" dirty="0">
+                <a:solidFill>
+                  <a:srgbClr val="E8E2B7"/>
+                </a:solidFill>
+                <a:latin typeface="Courier New" panose="02070309020205020404" pitchFamily="49" charset="0"/>
+              </a:rPr>
+              <a:t>=</a:t>
+            </a:r>
+            <a:r>
+              <a:rPr lang="en-US" altLang="zh-TW" sz="2000" dirty="0">
+                <a:solidFill>
+                  <a:srgbClr val="E0E2E4"/>
+                </a:solidFill>
+                <a:latin typeface="Courier New" panose="02070309020205020404" pitchFamily="49" charset="0"/>
+              </a:rPr>
+              <a:t> </a:t>
+            </a:r>
+            <a:r>
+              <a:rPr lang="en-US" altLang="zh-TW" sz="2000" dirty="0" err="1">
+                <a:solidFill>
+                  <a:srgbClr val="E0E2E4"/>
+                </a:solidFill>
+                <a:latin typeface="Courier New" panose="02070309020205020404" pitchFamily="49" charset="0"/>
+              </a:rPr>
+              <a:t>ChatBot</a:t>
+            </a:r>
+            <a:r>
+              <a:rPr lang="en-US" altLang="zh-TW" sz="2000" dirty="0">
+                <a:solidFill>
+                  <a:srgbClr val="E8E2B7"/>
+                </a:solidFill>
+                <a:latin typeface="Courier New" panose="02070309020205020404" pitchFamily="49" charset="0"/>
+              </a:rPr>
+              <a:t>(</a:t>
+            </a:r>
+            <a:endParaRPr lang="en-US" altLang="zh-TW" sz="2000" dirty="0">
+              <a:solidFill>
+                <a:srgbClr val="E0E2E4"/>
+              </a:solidFill>
+              <a:latin typeface="Courier New" panose="02070309020205020404" pitchFamily="49" charset="0"/>
+            </a:endParaRPr>
+          </a:p>
+          <a:p>
+            <a:r>
+              <a:rPr lang="en-US" altLang="zh-TW" sz="2000" dirty="0">
+                <a:solidFill>
+                  <a:srgbClr val="E0E2E4"/>
+                </a:solidFill>
+                <a:latin typeface="Courier New" panose="02070309020205020404" pitchFamily="49" charset="0"/>
+              </a:rPr>
+              <a:t>    </a:t>
+            </a:r>
+            <a:r>
+              <a:rPr lang="en-US" altLang="zh-TW" sz="2000" dirty="0">
+                <a:solidFill>
+                  <a:srgbClr val="FF8409"/>
+                </a:solidFill>
+                <a:latin typeface="Courier New" panose="02070309020205020404" pitchFamily="49" charset="0"/>
+              </a:rPr>
+              <a:t>'Math &amp; Time Bot'</a:t>
+            </a:r>
+            <a:r>
+              <a:rPr lang="en-US" altLang="zh-TW" sz="2000" dirty="0">
+                <a:solidFill>
+                  <a:srgbClr val="E8E2B7"/>
+                </a:solidFill>
+                <a:latin typeface="Courier New" panose="02070309020205020404" pitchFamily="49" charset="0"/>
+              </a:rPr>
+              <a:t>,</a:t>
+            </a:r>
+            <a:endParaRPr lang="en-US" altLang="zh-TW" sz="2000" dirty="0">
+              <a:solidFill>
+                <a:srgbClr val="E0E2E4"/>
+              </a:solidFill>
+              <a:latin typeface="Courier New" panose="02070309020205020404" pitchFamily="49" charset="0"/>
+            </a:endParaRPr>
+          </a:p>
+          <a:p>
+            <a:r>
+              <a:rPr lang="en-US" altLang="zh-TW" sz="2000" dirty="0">
+                <a:solidFill>
+                  <a:srgbClr val="E0E2E4"/>
+                </a:solidFill>
+                <a:latin typeface="Courier New" panose="02070309020205020404" pitchFamily="49" charset="0"/>
+              </a:rPr>
+              <a:t>    </a:t>
+            </a:r>
+            <a:r>
+              <a:rPr lang="en-US" altLang="zh-TW" sz="2000" dirty="0" err="1">
+                <a:solidFill>
+                  <a:srgbClr val="E0E2E4"/>
+                </a:solidFill>
+                <a:latin typeface="Courier New" panose="02070309020205020404" pitchFamily="49" charset="0"/>
+              </a:rPr>
               <a:t>logic_adapters</a:t>
             </a:r>
-            <a:endParaRPr lang="zh-TW" altLang="en-US" sz="3200" dirty="0"/>
+            <a:r>
+              <a:rPr lang="en-US" altLang="zh-TW" sz="2000" dirty="0">
+                <a:solidFill>
+                  <a:srgbClr val="E8E2B7"/>
+                </a:solidFill>
+                <a:latin typeface="Courier New" panose="02070309020205020404" pitchFamily="49" charset="0"/>
+              </a:rPr>
+              <a:t>=[</a:t>
+            </a:r>
+            <a:endParaRPr lang="en-US" altLang="zh-TW" sz="2000" dirty="0">
+              <a:solidFill>
+                <a:srgbClr val="E0E2E4"/>
+              </a:solidFill>
+              <a:latin typeface="Courier New" panose="02070309020205020404" pitchFamily="49" charset="0"/>
+            </a:endParaRPr>
+          </a:p>
+          <a:p>
+            <a:r>
+              <a:rPr lang="en-US" altLang="zh-TW" sz="2000" dirty="0">
+                <a:solidFill>
+                  <a:srgbClr val="E0E2E4"/>
+                </a:solidFill>
+                <a:latin typeface="Courier New" panose="02070309020205020404" pitchFamily="49" charset="0"/>
+              </a:rPr>
+              <a:t>        </a:t>
+            </a:r>
+            <a:r>
+              <a:rPr lang="en-US" altLang="zh-TW" sz="2000" dirty="0">
+                <a:solidFill>
+                  <a:srgbClr val="FF8409"/>
+                </a:solidFill>
+                <a:latin typeface="Courier New" panose="02070309020205020404" pitchFamily="49" charset="0"/>
+              </a:rPr>
+              <a:t>'</a:t>
+            </a:r>
+            <a:r>
+              <a:rPr lang="en-US" altLang="zh-TW" sz="2000" dirty="0" err="1">
+                <a:solidFill>
+                  <a:srgbClr val="FF8409"/>
+                </a:solidFill>
+                <a:latin typeface="Courier New" panose="02070309020205020404" pitchFamily="49" charset="0"/>
+              </a:rPr>
+              <a:t>chatterbot.logic.MathematicalEvaluation</a:t>
+            </a:r>
+            <a:r>
+              <a:rPr lang="en-US" altLang="zh-TW" sz="2000" dirty="0">
+                <a:solidFill>
+                  <a:srgbClr val="FF8409"/>
+                </a:solidFill>
+                <a:latin typeface="Courier New" panose="02070309020205020404" pitchFamily="49" charset="0"/>
+              </a:rPr>
+              <a:t>'</a:t>
+            </a:r>
+            <a:r>
+              <a:rPr lang="en-US" altLang="zh-TW" sz="2000" dirty="0">
+                <a:solidFill>
+                  <a:srgbClr val="E8E2B7"/>
+                </a:solidFill>
+                <a:latin typeface="Courier New" panose="02070309020205020404" pitchFamily="49" charset="0"/>
+              </a:rPr>
+              <a:t>,</a:t>
+            </a:r>
+            <a:endParaRPr lang="en-US" altLang="zh-TW" sz="2000" dirty="0">
+              <a:solidFill>
+                <a:srgbClr val="E0E2E4"/>
+              </a:solidFill>
+              <a:latin typeface="Courier New" panose="02070309020205020404" pitchFamily="49" charset="0"/>
+            </a:endParaRPr>
+          </a:p>
+          <a:p>
+            <a:r>
+              <a:rPr lang="en-US" altLang="zh-TW" sz="2000" dirty="0">
+                <a:solidFill>
+                  <a:srgbClr val="E0E2E4"/>
+                </a:solidFill>
+                <a:latin typeface="Courier New" panose="02070309020205020404" pitchFamily="49" charset="0"/>
+              </a:rPr>
+              <a:t>        </a:t>
+            </a:r>
+            <a:r>
+              <a:rPr lang="en-US" altLang="zh-TW" sz="2000" dirty="0">
+                <a:solidFill>
+                  <a:srgbClr val="FF8409"/>
+                </a:solidFill>
+                <a:latin typeface="Courier New" panose="02070309020205020404" pitchFamily="49" charset="0"/>
+              </a:rPr>
+              <a:t>'</a:t>
+            </a:r>
+            <a:r>
+              <a:rPr lang="en-US" altLang="zh-TW" sz="2000" dirty="0" err="1">
+                <a:solidFill>
+                  <a:srgbClr val="FF8409"/>
+                </a:solidFill>
+                <a:latin typeface="Courier New" panose="02070309020205020404" pitchFamily="49" charset="0"/>
+              </a:rPr>
+              <a:t>chatterbot.logic.TimeLogicAdapter</a:t>
+            </a:r>
+            <a:r>
+              <a:rPr lang="en-US" altLang="zh-TW" sz="2000" dirty="0">
+                <a:solidFill>
+                  <a:srgbClr val="FF8409"/>
+                </a:solidFill>
+                <a:latin typeface="Courier New" panose="02070309020205020404" pitchFamily="49" charset="0"/>
+              </a:rPr>
+              <a:t>'</a:t>
+            </a:r>
+            <a:endParaRPr lang="en-US" altLang="zh-TW" sz="2000" dirty="0">
+              <a:solidFill>
+                <a:srgbClr val="E0E2E4"/>
+              </a:solidFill>
+              <a:latin typeface="Courier New" panose="02070309020205020404" pitchFamily="49" charset="0"/>
+            </a:endParaRPr>
+          </a:p>
+          <a:p>
+            <a:r>
+              <a:rPr lang="zh-TW" altLang="en-US" sz="2000" dirty="0">
+                <a:solidFill>
+                  <a:srgbClr val="E0E2E4"/>
+                </a:solidFill>
+                <a:latin typeface="Courier New" panose="02070309020205020404" pitchFamily="49" charset="0"/>
+              </a:rPr>
+              <a:t>    </a:t>
+            </a:r>
+            <a:r>
+              <a:rPr lang="en-US" altLang="zh-TW" sz="2000" dirty="0">
+                <a:solidFill>
+                  <a:srgbClr val="E8E2B7"/>
+                </a:solidFill>
+                <a:latin typeface="Courier New" panose="02070309020205020404" pitchFamily="49" charset="0"/>
+              </a:rPr>
+              <a:t>]</a:t>
+            </a:r>
+            <a:endParaRPr lang="zh-TW" altLang="en-US" sz="2000" dirty="0">
+              <a:solidFill>
+                <a:srgbClr val="E0E2E4"/>
+              </a:solidFill>
+              <a:latin typeface="Courier New" panose="02070309020205020404" pitchFamily="49" charset="0"/>
+            </a:endParaRPr>
+          </a:p>
+          <a:p>
+            <a:r>
+              <a:rPr lang="en-US" altLang="zh-TW" sz="2000" dirty="0">
+                <a:solidFill>
+                  <a:srgbClr val="E8E2B7"/>
+                </a:solidFill>
+                <a:latin typeface="Courier New" panose="02070309020205020404" pitchFamily="49" charset="0"/>
+              </a:rPr>
+              <a:t>)</a:t>
+            </a:r>
+            <a:endParaRPr lang="zh-TW" altLang="en-US" sz="2000" dirty="0">
+              <a:solidFill>
+                <a:srgbClr val="E0E2E4"/>
+              </a:solidFill>
+              <a:latin typeface="Courier New" panose="02070309020205020404" pitchFamily="49" charset="0"/>
+            </a:endParaRPr>
+          </a:p>
+          <a:p>
+            <a:r>
+              <a:rPr lang="en-US" altLang="zh-TW" sz="2000" dirty="0">
+                <a:solidFill>
+                  <a:srgbClr val="66747B"/>
+                </a:solidFill>
+                <a:latin typeface="Courier New" panose="02070309020205020404" pitchFamily="49" charset="0"/>
+              </a:rPr>
+              <a:t># Print an example of getting one math based response</a:t>
+            </a:r>
+            <a:endParaRPr lang="en-US" altLang="zh-TW" sz="2000" dirty="0">
+              <a:solidFill>
+                <a:srgbClr val="E0E2E4"/>
+              </a:solidFill>
+              <a:latin typeface="Courier New" panose="02070309020205020404" pitchFamily="49" charset="0"/>
+            </a:endParaRPr>
+          </a:p>
+          <a:p>
+            <a:r>
+              <a:rPr lang="en-US" altLang="zh-TW" sz="2000" dirty="0">
+                <a:solidFill>
+                  <a:srgbClr val="E0E2E4"/>
+                </a:solidFill>
+                <a:latin typeface="Courier New" panose="02070309020205020404" pitchFamily="49" charset="0"/>
+              </a:rPr>
+              <a:t>response </a:t>
+            </a:r>
+            <a:r>
+              <a:rPr lang="en-US" altLang="zh-TW" sz="2000" dirty="0">
+                <a:solidFill>
+                  <a:srgbClr val="E8E2B7"/>
+                </a:solidFill>
+                <a:latin typeface="Courier New" panose="02070309020205020404" pitchFamily="49" charset="0"/>
+              </a:rPr>
+              <a:t>=</a:t>
+            </a:r>
+            <a:r>
+              <a:rPr lang="en-US" altLang="zh-TW" sz="2000" dirty="0">
+                <a:solidFill>
+                  <a:srgbClr val="E0E2E4"/>
+                </a:solidFill>
+                <a:latin typeface="Courier New" panose="02070309020205020404" pitchFamily="49" charset="0"/>
+              </a:rPr>
+              <a:t> </a:t>
+            </a:r>
+            <a:r>
+              <a:rPr lang="en-US" altLang="zh-TW" sz="2000" dirty="0" err="1">
+                <a:solidFill>
+                  <a:srgbClr val="E0E2E4"/>
+                </a:solidFill>
+                <a:latin typeface="Courier New" panose="02070309020205020404" pitchFamily="49" charset="0"/>
+              </a:rPr>
+              <a:t>bot</a:t>
+            </a:r>
+            <a:r>
+              <a:rPr lang="en-US" altLang="zh-TW" sz="2000" dirty="0" err="1">
+                <a:solidFill>
+                  <a:srgbClr val="E8E2B7"/>
+                </a:solidFill>
+                <a:latin typeface="Courier New" panose="02070309020205020404" pitchFamily="49" charset="0"/>
+              </a:rPr>
+              <a:t>.</a:t>
+            </a:r>
+            <a:r>
+              <a:rPr lang="en-US" altLang="zh-TW" sz="2000" dirty="0" err="1">
+                <a:solidFill>
+                  <a:srgbClr val="E0E2E4"/>
+                </a:solidFill>
+                <a:latin typeface="Courier New" panose="02070309020205020404" pitchFamily="49" charset="0"/>
+              </a:rPr>
+              <a:t>get_response</a:t>
+            </a:r>
+            <a:r>
+              <a:rPr lang="en-US" altLang="zh-TW" sz="2000" dirty="0">
+                <a:solidFill>
+                  <a:srgbClr val="E8E2B7"/>
+                </a:solidFill>
+                <a:latin typeface="Courier New" panose="02070309020205020404" pitchFamily="49" charset="0"/>
+              </a:rPr>
+              <a:t>(</a:t>
+            </a:r>
+            <a:r>
+              <a:rPr lang="en-US" altLang="zh-TW" sz="2000" dirty="0">
+                <a:solidFill>
+                  <a:srgbClr val="FF8409"/>
+                </a:solidFill>
+                <a:latin typeface="Courier New" panose="02070309020205020404" pitchFamily="49" charset="0"/>
+              </a:rPr>
+              <a:t>'What is 4 + 9?'</a:t>
+            </a:r>
+            <a:r>
+              <a:rPr lang="en-US" altLang="zh-TW" sz="2000" dirty="0">
+                <a:solidFill>
+                  <a:srgbClr val="E8E2B7"/>
+                </a:solidFill>
+                <a:latin typeface="Courier New" panose="02070309020205020404" pitchFamily="49" charset="0"/>
+              </a:rPr>
+              <a:t>)</a:t>
+            </a:r>
+            <a:endParaRPr lang="en-US" altLang="zh-TW" sz="2000" dirty="0">
+              <a:solidFill>
+                <a:srgbClr val="E0E2E4"/>
+              </a:solidFill>
+              <a:latin typeface="Courier New" panose="02070309020205020404" pitchFamily="49" charset="0"/>
+            </a:endParaRPr>
+          </a:p>
+          <a:p>
+            <a:r>
+              <a:rPr lang="en-US" altLang="zh-TW" sz="2000" dirty="0">
+                <a:solidFill>
+                  <a:srgbClr val="E0E2E4"/>
+                </a:solidFill>
+                <a:latin typeface="Courier New" panose="02070309020205020404" pitchFamily="49" charset="0"/>
+              </a:rPr>
+              <a:t>print</a:t>
+            </a:r>
+            <a:r>
+              <a:rPr lang="en-US" altLang="zh-TW" sz="2000" dirty="0">
+                <a:solidFill>
+                  <a:srgbClr val="E8E2B7"/>
+                </a:solidFill>
+                <a:latin typeface="Courier New" panose="02070309020205020404" pitchFamily="49" charset="0"/>
+              </a:rPr>
+              <a:t>(</a:t>
+            </a:r>
+            <a:r>
+              <a:rPr lang="en-US" altLang="zh-TW" sz="2000" dirty="0">
+                <a:solidFill>
+                  <a:srgbClr val="E0E2E4"/>
+                </a:solidFill>
+                <a:latin typeface="Courier New" panose="02070309020205020404" pitchFamily="49" charset="0"/>
+              </a:rPr>
+              <a:t>response</a:t>
+            </a:r>
+            <a:r>
+              <a:rPr lang="en-US" altLang="zh-TW" sz="2000" dirty="0">
+                <a:solidFill>
+                  <a:srgbClr val="E8E2B7"/>
+                </a:solidFill>
+                <a:latin typeface="Courier New" panose="02070309020205020404" pitchFamily="49" charset="0"/>
+              </a:rPr>
+              <a:t>)</a:t>
+            </a:r>
+            <a:endParaRPr lang="en-US" altLang="zh-TW" sz="2000" dirty="0">
+              <a:solidFill>
+                <a:srgbClr val="E0E2E4"/>
+              </a:solidFill>
+              <a:latin typeface="Courier New" panose="02070309020205020404" pitchFamily="49" charset="0"/>
+            </a:endParaRPr>
+          </a:p>
+          <a:p>
+            <a:endParaRPr lang="zh-TW" altLang="en-US" sz="2000" dirty="0">
+              <a:solidFill>
+                <a:srgbClr val="E0E2E4"/>
+              </a:solidFill>
+              <a:latin typeface="Courier New" panose="02070309020205020404" pitchFamily="49" charset="0"/>
+            </a:endParaRPr>
+          </a:p>
+          <a:p>
+            <a:r>
+              <a:rPr lang="en-US" altLang="zh-TW" sz="2000" dirty="0">
+                <a:solidFill>
+                  <a:srgbClr val="66747B"/>
+                </a:solidFill>
+                <a:latin typeface="Courier New" panose="02070309020205020404" pitchFamily="49" charset="0"/>
+              </a:rPr>
+              <a:t># Print an example of getting one time based response</a:t>
+            </a:r>
+            <a:endParaRPr lang="en-US" altLang="zh-TW" sz="2000" dirty="0">
+              <a:solidFill>
+                <a:srgbClr val="E0E2E4"/>
+              </a:solidFill>
+              <a:latin typeface="Courier New" panose="02070309020205020404" pitchFamily="49" charset="0"/>
+            </a:endParaRPr>
+          </a:p>
+          <a:p>
+            <a:r>
+              <a:rPr lang="en-US" altLang="zh-TW" sz="2000" dirty="0">
+                <a:solidFill>
+                  <a:srgbClr val="E0E2E4"/>
+                </a:solidFill>
+                <a:latin typeface="Courier New" panose="02070309020205020404" pitchFamily="49" charset="0"/>
+              </a:rPr>
+              <a:t>response </a:t>
+            </a:r>
+            <a:r>
+              <a:rPr lang="en-US" altLang="zh-TW" sz="2000" dirty="0">
+                <a:solidFill>
+                  <a:srgbClr val="E8E2B7"/>
+                </a:solidFill>
+                <a:latin typeface="Courier New" panose="02070309020205020404" pitchFamily="49" charset="0"/>
+              </a:rPr>
+              <a:t>=</a:t>
+            </a:r>
+            <a:r>
+              <a:rPr lang="en-US" altLang="zh-TW" sz="2000" dirty="0">
+                <a:solidFill>
+                  <a:srgbClr val="E0E2E4"/>
+                </a:solidFill>
+                <a:latin typeface="Courier New" panose="02070309020205020404" pitchFamily="49" charset="0"/>
+              </a:rPr>
+              <a:t> </a:t>
+            </a:r>
+            <a:r>
+              <a:rPr lang="en-US" altLang="zh-TW" sz="2000" dirty="0" err="1">
+                <a:solidFill>
+                  <a:srgbClr val="E0E2E4"/>
+                </a:solidFill>
+                <a:latin typeface="Courier New" panose="02070309020205020404" pitchFamily="49" charset="0"/>
+              </a:rPr>
+              <a:t>bot</a:t>
+            </a:r>
+            <a:r>
+              <a:rPr lang="en-US" altLang="zh-TW" sz="2000" dirty="0" err="1">
+                <a:solidFill>
+                  <a:srgbClr val="E8E2B7"/>
+                </a:solidFill>
+                <a:latin typeface="Courier New" panose="02070309020205020404" pitchFamily="49" charset="0"/>
+              </a:rPr>
+              <a:t>.</a:t>
+            </a:r>
+            <a:r>
+              <a:rPr lang="en-US" altLang="zh-TW" sz="2000" dirty="0" err="1">
+                <a:solidFill>
+                  <a:srgbClr val="E0E2E4"/>
+                </a:solidFill>
+                <a:latin typeface="Courier New" panose="02070309020205020404" pitchFamily="49" charset="0"/>
+              </a:rPr>
+              <a:t>get_response</a:t>
+            </a:r>
+            <a:r>
+              <a:rPr lang="en-US" altLang="zh-TW" sz="2000" dirty="0">
+                <a:solidFill>
+                  <a:srgbClr val="E8E2B7"/>
+                </a:solidFill>
+                <a:latin typeface="Courier New" panose="02070309020205020404" pitchFamily="49" charset="0"/>
+              </a:rPr>
+              <a:t>(</a:t>
+            </a:r>
+            <a:r>
+              <a:rPr lang="en-US" altLang="zh-TW" sz="2000" dirty="0">
+                <a:solidFill>
+                  <a:srgbClr val="FF8409"/>
+                </a:solidFill>
+                <a:latin typeface="Courier New" panose="02070309020205020404" pitchFamily="49" charset="0"/>
+              </a:rPr>
+              <a:t>'What time is it?'</a:t>
+            </a:r>
+            <a:r>
+              <a:rPr lang="en-US" altLang="zh-TW" sz="2000" dirty="0">
+                <a:solidFill>
+                  <a:srgbClr val="E8E2B7"/>
+                </a:solidFill>
+                <a:latin typeface="Courier New" panose="02070309020205020404" pitchFamily="49" charset="0"/>
+              </a:rPr>
+              <a:t>)</a:t>
+            </a:r>
+            <a:endParaRPr lang="en-US" altLang="zh-TW" sz="2000" dirty="0">
+              <a:solidFill>
+                <a:srgbClr val="E0E2E4"/>
+              </a:solidFill>
+              <a:latin typeface="Courier New" panose="02070309020205020404" pitchFamily="49" charset="0"/>
+            </a:endParaRPr>
+          </a:p>
+          <a:p>
+            <a:r>
+              <a:rPr lang="en-US" altLang="zh-TW" sz="2000" dirty="0">
+                <a:solidFill>
+                  <a:srgbClr val="E0E2E4"/>
+                </a:solidFill>
+                <a:latin typeface="Courier New" panose="02070309020205020404" pitchFamily="49" charset="0"/>
+              </a:rPr>
+              <a:t>print</a:t>
+            </a:r>
+            <a:r>
+              <a:rPr lang="en-US" altLang="zh-TW" sz="2000" dirty="0">
+                <a:solidFill>
+                  <a:srgbClr val="E8E2B7"/>
+                </a:solidFill>
+                <a:latin typeface="Courier New" panose="02070309020205020404" pitchFamily="49" charset="0"/>
+              </a:rPr>
+              <a:t>(</a:t>
+            </a:r>
+            <a:r>
+              <a:rPr lang="en-US" altLang="zh-TW" sz="2000" dirty="0">
+                <a:solidFill>
+                  <a:srgbClr val="E0E2E4"/>
+                </a:solidFill>
+                <a:latin typeface="Courier New" panose="02070309020205020404" pitchFamily="49" charset="0"/>
+              </a:rPr>
+              <a:t>response</a:t>
+            </a:r>
+            <a:r>
+              <a:rPr lang="en-US" altLang="zh-TW" sz="2000" dirty="0">
+                <a:solidFill>
+                  <a:srgbClr val="E8E2B7"/>
+                </a:solidFill>
+                <a:latin typeface="Courier New" panose="02070309020205020404" pitchFamily="49" charset="0"/>
+              </a:rPr>
+              <a:t>)</a:t>
+            </a:r>
+            <a:endParaRPr lang="zh-TW" altLang="en-US" sz="2000" dirty="0"/>
           </a:p>
         </p:txBody>
       </p:sp>
     </p:spTree>
     <p:extLst>
       <p:ext uri="{BB962C8B-B14F-4D97-AF65-F5344CB8AC3E}">
-        <p14:creationId xmlns:p14="http://schemas.microsoft.com/office/powerpoint/2010/main" val="1679050948"/>
+        <p14:creationId xmlns:p14="http://schemas.microsoft.com/office/powerpoint/2010/main" val="2578605447"/>
       </p:ext>
     </p:extLst>
   </p:cSld>
   <p:clrMapOvr>
     <a:masterClrMapping/>
   </p:clrMapOvr>
-  <mc:AlternateContent xmlns:mc="http://schemas.openxmlformats.org/markup-compatibility/2006">
-    <mc:Choice xmlns:p159="http://schemas.microsoft.com/office/powerpoint/2015/09/main" Requires="p159">
+  <mc:AlternateContent xmlns:mc="http://schemas.openxmlformats.org/markup-compatibility/2006" xmlns:p159="http://schemas.microsoft.com/office/powerpoint/2015/09/main">
+    <mc:Choice Requires="p159">
       <p:transition xmlns:p14="http://schemas.microsoft.com/office/powerpoint/2010/main" spd="slow" p14:dur="2000">
         <p159:morph option="byObject"/>
       </p:transition>
     </mc:Choice>
-    <mc:Fallback>
+    <mc:Fallback xmlns="">
       <p:transition spd="slow">
         <p:fade/>
       </p:transition>
@@ -7014,7 +9208,7 @@
 </p:sld>
 </file>
 
-<file path=ppt/slides/slide18.xml><?xml version="1.0" encoding="utf-8"?>
+<file path=ppt/slides/slide17.xml><?xml version="1.0" encoding="utf-8"?>
 <p:sld xmlns:a="http://schemas.openxmlformats.org/drawingml/2006/main" xmlns:r="http://schemas.openxmlformats.org/officeDocument/2006/relationships" xmlns:p="http://schemas.openxmlformats.org/presentationml/2006/main">
   <p:cSld>
     <p:bg>
@@ -7462,38 +9656,6 @@
       </p:sp>
       <p:sp>
         <p:nvSpPr>
-          <p:cNvPr id="3" name="內容版面配置區 2">
-            <a:extLst>
-              <a:ext uri="{FF2B5EF4-FFF2-40B4-BE49-F238E27FC236}">
-                <a16:creationId xmlns:a16="http://schemas.microsoft.com/office/drawing/2014/main" id="{3BB98E28-B2BF-4E1B-98B7-3BCA10888C92}"/>
-              </a:ext>
-            </a:extLst>
-          </p:cNvPr>
-          <p:cNvSpPr>
-            <a:spLocks noGrp="1"/>
-          </p:cNvSpPr>
-          <p:nvPr>
-            <p:ph idx="1"/>
-          </p:nvPr>
-        </p:nvSpPr>
-        <p:spPr>
-          <a:xfrm>
-            <a:off x="762000" y="2286000"/>
-            <a:ext cx="5334000" cy="3810001"/>
-          </a:xfrm>
-        </p:spPr>
-        <p:txBody>
-          <a:bodyPr>
-            <a:normAutofit/>
-          </a:bodyPr>
-          <a:lstStyle/>
-          <a:p>
-            <a:endParaRPr lang="zh-TW" altLang="en-US" sz="2400"/>
-          </a:p>
-        </p:txBody>
-      </p:sp>
-      <p:sp>
-        <p:nvSpPr>
           <p:cNvPr id="2" name="標題 1">
             <a:extLst>
               <a:ext uri="{FF2B5EF4-FFF2-40B4-BE49-F238E27FC236}">
@@ -7521,30 +9683,840 @@
           <a:lstStyle/>
           <a:p>
             <a:r>
-              <a:rPr lang="en-US" altLang="zh-TW" sz="3200" dirty="0" err="1"/>
+              <a:rPr lang="zh-TW" altLang="en-US" sz="3200" dirty="0"/>
+              <a:t>特定回答邏輯適配器</a:t>
+            </a:r>
+          </a:p>
+        </p:txBody>
+      </p:sp>
+      <p:sp>
+        <p:nvSpPr>
+          <p:cNvPr id="11" name="文字方塊 10">
+            <a:extLst>
+              <a:ext uri="{FF2B5EF4-FFF2-40B4-BE49-F238E27FC236}">
+                <a16:creationId xmlns:a16="http://schemas.microsoft.com/office/drawing/2014/main" id="{E73AB6E2-FDFE-4EA1-9037-7478EA8BD903}"/>
+              </a:ext>
+            </a:extLst>
+          </p:cNvPr>
+          <p:cNvSpPr txBox="1"/>
+          <p:nvPr/>
+        </p:nvSpPr>
+        <p:spPr>
+          <a:xfrm>
+            <a:off x="762000" y="2008051"/>
+            <a:ext cx="12480274" cy="4401205"/>
+          </a:xfrm>
+          <a:prstGeom prst="rect">
+            <a:avLst/>
+          </a:prstGeom>
+          <a:noFill/>
+        </p:spPr>
+        <p:txBody>
+          <a:bodyPr wrap="square">
+            <a:spAutoFit/>
+          </a:bodyPr>
+          <a:lstStyle/>
+          <a:p>
+            <a:r>
+              <a:rPr lang="en-US" altLang="zh-TW" sz="2000" dirty="0">
+                <a:solidFill>
+                  <a:srgbClr val="66747B"/>
+                </a:solidFill>
+                <a:latin typeface="Courier New" panose="02070309020205020404" pitchFamily="49" charset="0"/>
+              </a:rPr>
+              <a:t># Create a new instance of a </a:t>
+            </a:r>
+            <a:r>
+              <a:rPr lang="en-US" altLang="zh-TW" sz="2000" dirty="0" err="1">
+                <a:solidFill>
+                  <a:srgbClr val="66747B"/>
+                </a:solidFill>
+                <a:latin typeface="Courier New" panose="02070309020205020404" pitchFamily="49" charset="0"/>
+              </a:rPr>
+              <a:t>ChatBot</a:t>
+            </a:r>
+            <a:endParaRPr lang="en-US" altLang="zh-TW" sz="2000" dirty="0">
+              <a:solidFill>
+                <a:srgbClr val="E0E2E4"/>
+              </a:solidFill>
+              <a:latin typeface="Courier New" panose="02070309020205020404" pitchFamily="49" charset="0"/>
+            </a:endParaRPr>
+          </a:p>
+          <a:p>
+            <a:r>
+              <a:rPr lang="en-US" altLang="zh-TW" sz="2000" dirty="0">
+                <a:solidFill>
+                  <a:srgbClr val="E0E2E4"/>
+                </a:solidFill>
+                <a:latin typeface="Courier New" panose="02070309020205020404" pitchFamily="49" charset="0"/>
+              </a:rPr>
+              <a:t>bot </a:t>
+            </a:r>
+            <a:r>
+              <a:rPr lang="en-US" altLang="zh-TW" sz="2000" dirty="0">
+                <a:solidFill>
+                  <a:srgbClr val="E8E2B7"/>
+                </a:solidFill>
+                <a:latin typeface="Courier New" panose="02070309020205020404" pitchFamily="49" charset="0"/>
+              </a:rPr>
+              <a:t>=</a:t>
+            </a:r>
+            <a:r>
+              <a:rPr lang="en-US" altLang="zh-TW" sz="2000" dirty="0">
+                <a:solidFill>
+                  <a:srgbClr val="E0E2E4"/>
+                </a:solidFill>
+                <a:latin typeface="Courier New" panose="02070309020205020404" pitchFamily="49" charset="0"/>
+              </a:rPr>
+              <a:t> </a:t>
+            </a:r>
+            <a:r>
+              <a:rPr lang="en-US" altLang="zh-TW" sz="2000" dirty="0" err="1">
+                <a:solidFill>
+                  <a:srgbClr val="E0E2E4"/>
+                </a:solidFill>
+                <a:latin typeface="Courier New" panose="02070309020205020404" pitchFamily="49" charset="0"/>
+              </a:rPr>
+              <a:t>ChatBot</a:t>
+            </a:r>
+            <a:r>
+              <a:rPr lang="en-US" altLang="zh-TW" sz="2000" dirty="0">
+                <a:solidFill>
+                  <a:srgbClr val="E8E2B7"/>
+                </a:solidFill>
+                <a:latin typeface="Courier New" panose="02070309020205020404" pitchFamily="49" charset="0"/>
+              </a:rPr>
+              <a:t>(</a:t>
+            </a:r>
+            <a:endParaRPr lang="en-US" altLang="zh-TW" sz="2000" dirty="0">
+              <a:solidFill>
+                <a:srgbClr val="E0E2E4"/>
+              </a:solidFill>
+              <a:latin typeface="Courier New" panose="02070309020205020404" pitchFamily="49" charset="0"/>
+            </a:endParaRPr>
+          </a:p>
+          <a:p>
+            <a:r>
+              <a:rPr lang="en-US" altLang="zh-TW" sz="2000" dirty="0">
+                <a:solidFill>
+                  <a:srgbClr val="E0E2E4"/>
+                </a:solidFill>
+                <a:latin typeface="Courier New" panose="02070309020205020404" pitchFamily="49" charset="0"/>
+              </a:rPr>
+              <a:t>    </a:t>
+            </a:r>
+            <a:r>
+              <a:rPr lang="en-US" altLang="zh-TW" sz="2000" dirty="0">
+                <a:solidFill>
+                  <a:srgbClr val="FF8409"/>
+                </a:solidFill>
+                <a:latin typeface="Courier New" panose="02070309020205020404" pitchFamily="49" charset="0"/>
+              </a:rPr>
+              <a:t>'Exact Response Example Bot'</a:t>
+            </a:r>
+            <a:r>
+              <a:rPr lang="en-US" altLang="zh-TW" sz="2000" dirty="0">
+                <a:solidFill>
+                  <a:srgbClr val="E8E2B7"/>
+                </a:solidFill>
+                <a:latin typeface="Courier New" panose="02070309020205020404" pitchFamily="49" charset="0"/>
+              </a:rPr>
+              <a:t>,</a:t>
+            </a:r>
+            <a:endParaRPr lang="en-US" altLang="zh-TW" sz="2000" dirty="0">
+              <a:solidFill>
+                <a:srgbClr val="E0E2E4"/>
+              </a:solidFill>
+              <a:latin typeface="Courier New" panose="02070309020205020404" pitchFamily="49" charset="0"/>
+            </a:endParaRPr>
+          </a:p>
+          <a:p>
+            <a:r>
+              <a:rPr lang="en-US" altLang="zh-TW" sz="2000" dirty="0">
+                <a:solidFill>
+                  <a:srgbClr val="E0E2E4"/>
+                </a:solidFill>
+                <a:latin typeface="Courier New" panose="02070309020205020404" pitchFamily="49" charset="0"/>
+              </a:rPr>
+              <a:t>    </a:t>
+            </a:r>
+            <a:r>
+              <a:rPr lang="en-US" altLang="zh-TW" sz="2000" dirty="0" err="1">
+                <a:solidFill>
+                  <a:srgbClr val="E0E2E4"/>
+                </a:solidFill>
+                <a:latin typeface="Courier New" panose="02070309020205020404" pitchFamily="49" charset="0"/>
+              </a:rPr>
               <a:t>storage_adapter</a:t>
             </a:r>
-            <a:endParaRPr lang="zh-TW" altLang="en-US" sz="3200" dirty="0"/>
+            <a:r>
+              <a:rPr lang="en-US" altLang="zh-TW" sz="2000" dirty="0">
+                <a:solidFill>
+                  <a:srgbClr val="E8E2B7"/>
+                </a:solidFill>
+                <a:latin typeface="Courier New" panose="02070309020205020404" pitchFamily="49" charset="0"/>
+              </a:rPr>
+              <a:t>=</a:t>
+            </a:r>
+            <a:r>
+              <a:rPr lang="en-US" altLang="zh-TW" sz="2000" dirty="0">
+                <a:solidFill>
+                  <a:srgbClr val="FF8409"/>
+                </a:solidFill>
+                <a:latin typeface="Courier New" panose="02070309020205020404" pitchFamily="49" charset="0"/>
+              </a:rPr>
+              <a:t>'</a:t>
+            </a:r>
+            <a:r>
+              <a:rPr lang="en-US" altLang="zh-TW" sz="2000" dirty="0" err="1">
+                <a:solidFill>
+                  <a:srgbClr val="FF8409"/>
+                </a:solidFill>
+                <a:latin typeface="Courier New" panose="02070309020205020404" pitchFamily="49" charset="0"/>
+              </a:rPr>
+              <a:t>chatterbot.storage.SQLStorageAdapter</a:t>
+            </a:r>
+            <a:r>
+              <a:rPr lang="en-US" altLang="zh-TW" sz="2000" dirty="0">
+                <a:solidFill>
+                  <a:srgbClr val="FF8409"/>
+                </a:solidFill>
+                <a:latin typeface="Courier New" panose="02070309020205020404" pitchFamily="49" charset="0"/>
+              </a:rPr>
+              <a:t>'</a:t>
+            </a:r>
+            <a:r>
+              <a:rPr lang="en-US" altLang="zh-TW" sz="2000" dirty="0">
+                <a:solidFill>
+                  <a:srgbClr val="E8E2B7"/>
+                </a:solidFill>
+                <a:latin typeface="Courier New" panose="02070309020205020404" pitchFamily="49" charset="0"/>
+              </a:rPr>
+              <a:t>,</a:t>
+            </a:r>
+            <a:endParaRPr lang="en-US" altLang="zh-TW" sz="2000" dirty="0">
+              <a:solidFill>
+                <a:srgbClr val="E0E2E4"/>
+              </a:solidFill>
+              <a:latin typeface="Courier New" panose="02070309020205020404" pitchFamily="49" charset="0"/>
+            </a:endParaRPr>
+          </a:p>
+          <a:p>
+            <a:r>
+              <a:rPr lang="en-US" altLang="zh-TW" sz="2000" dirty="0">
+                <a:solidFill>
+                  <a:srgbClr val="E0E2E4"/>
+                </a:solidFill>
+                <a:latin typeface="Courier New" panose="02070309020205020404" pitchFamily="49" charset="0"/>
+              </a:rPr>
+              <a:t>    </a:t>
+            </a:r>
+            <a:r>
+              <a:rPr lang="en-US" altLang="zh-TW" sz="2000" dirty="0" err="1">
+                <a:solidFill>
+                  <a:srgbClr val="E0E2E4"/>
+                </a:solidFill>
+                <a:latin typeface="Courier New" panose="02070309020205020404" pitchFamily="49" charset="0"/>
+              </a:rPr>
+              <a:t>logic_adapters</a:t>
+            </a:r>
+            <a:r>
+              <a:rPr lang="en-US" altLang="zh-TW" sz="2000" dirty="0">
+                <a:solidFill>
+                  <a:srgbClr val="E8E2B7"/>
+                </a:solidFill>
+                <a:latin typeface="Courier New" panose="02070309020205020404" pitchFamily="49" charset="0"/>
+              </a:rPr>
+              <a:t>=[</a:t>
+            </a:r>
+            <a:endParaRPr lang="en-US" altLang="zh-TW" sz="2000" dirty="0">
+              <a:solidFill>
+                <a:srgbClr val="E0E2E4"/>
+              </a:solidFill>
+              <a:latin typeface="Courier New" panose="02070309020205020404" pitchFamily="49" charset="0"/>
+            </a:endParaRPr>
+          </a:p>
+          <a:p>
+            <a:r>
+              <a:rPr lang="zh-TW" altLang="en-US" sz="2000" dirty="0">
+                <a:solidFill>
+                  <a:srgbClr val="E0E2E4"/>
+                </a:solidFill>
+                <a:latin typeface="Courier New" panose="02070309020205020404" pitchFamily="49" charset="0"/>
+              </a:rPr>
+              <a:t>        </a:t>
+            </a:r>
+            <a:r>
+              <a:rPr lang="en-US" altLang="zh-TW" sz="2000" dirty="0">
+                <a:solidFill>
+                  <a:srgbClr val="E8E2B7"/>
+                </a:solidFill>
+                <a:latin typeface="Courier New" panose="02070309020205020404" pitchFamily="49" charset="0"/>
+              </a:rPr>
+              <a:t>{</a:t>
+            </a:r>
+            <a:r>
+              <a:rPr lang="en-US" altLang="zh-TW" sz="2000" dirty="0">
+                <a:solidFill>
+                  <a:srgbClr val="FF8409"/>
+                </a:solidFill>
+                <a:latin typeface="Courier New" panose="02070309020205020404" pitchFamily="49" charset="0"/>
+              </a:rPr>
+              <a:t>'</a:t>
+            </a:r>
+            <a:r>
+              <a:rPr lang="en-US" altLang="zh-TW" sz="2000" dirty="0" err="1">
+                <a:solidFill>
+                  <a:srgbClr val="FF8409"/>
+                </a:solidFill>
+                <a:latin typeface="Courier New" panose="02070309020205020404" pitchFamily="49" charset="0"/>
+              </a:rPr>
+              <a:t>import_path</a:t>
+            </a:r>
+            <a:r>
+              <a:rPr lang="en-US" altLang="zh-TW" sz="2000" dirty="0">
+                <a:solidFill>
+                  <a:srgbClr val="FF8409"/>
+                </a:solidFill>
+                <a:latin typeface="Courier New" panose="02070309020205020404" pitchFamily="49" charset="0"/>
+              </a:rPr>
+              <a:t>'</a:t>
+            </a:r>
+            <a:r>
+              <a:rPr lang="en-US" altLang="zh-TW" sz="2000" dirty="0">
+                <a:solidFill>
+                  <a:srgbClr val="E8E2B7"/>
+                </a:solidFill>
+                <a:latin typeface="Courier New" panose="02070309020205020404" pitchFamily="49" charset="0"/>
+              </a:rPr>
+              <a:t>:</a:t>
+            </a:r>
+            <a:r>
+              <a:rPr lang="en-US" altLang="zh-TW" sz="2000" dirty="0">
+                <a:solidFill>
+                  <a:srgbClr val="E0E2E4"/>
+                </a:solidFill>
+                <a:latin typeface="Courier New" panose="02070309020205020404" pitchFamily="49" charset="0"/>
+              </a:rPr>
+              <a:t> </a:t>
+            </a:r>
+            <a:r>
+              <a:rPr lang="en-US" altLang="zh-TW" sz="2000" dirty="0">
+                <a:solidFill>
+                  <a:srgbClr val="FF8409"/>
+                </a:solidFill>
+                <a:latin typeface="Courier New" panose="02070309020205020404" pitchFamily="49" charset="0"/>
+              </a:rPr>
+              <a:t>'</a:t>
+            </a:r>
+            <a:r>
+              <a:rPr lang="en-US" altLang="zh-TW" sz="2000" dirty="0" err="1">
+                <a:solidFill>
+                  <a:srgbClr val="FF8409"/>
+                </a:solidFill>
+                <a:latin typeface="Courier New" panose="02070309020205020404" pitchFamily="49" charset="0"/>
+              </a:rPr>
+              <a:t>chatterbot.logic.BestMatch</a:t>
+            </a:r>
+            <a:r>
+              <a:rPr lang="en-US" altLang="zh-TW" sz="2000" dirty="0">
+                <a:solidFill>
+                  <a:srgbClr val="FF8409"/>
+                </a:solidFill>
+                <a:latin typeface="Courier New" panose="02070309020205020404" pitchFamily="49" charset="0"/>
+              </a:rPr>
+              <a:t>'</a:t>
+            </a:r>
+            <a:r>
+              <a:rPr lang="en-US" altLang="zh-TW" sz="2000" dirty="0">
+                <a:solidFill>
+                  <a:srgbClr val="E8E2B7"/>
+                </a:solidFill>
+                <a:latin typeface="Courier New" panose="02070309020205020404" pitchFamily="49" charset="0"/>
+              </a:rPr>
+              <a:t>},</a:t>
+            </a:r>
+            <a:endParaRPr lang="zh-TW" altLang="en-US" sz="2000" dirty="0">
+              <a:solidFill>
+                <a:srgbClr val="E0E2E4"/>
+              </a:solidFill>
+              <a:latin typeface="Courier New" panose="02070309020205020404" pitchFamily="49" charset="0"/>
+            </a:endParaRPr>
+          </a:p>
+          <a:p>
+            <a:r>
+              <a:rPr lang="zh-TW" altLang="en-US" sz="2000" dirty="0">
+                <a:solidFill>
+                  <a:srgbClr val="E0E2E4"/>
+                </a:solidFill>
+                <a:latin typeface="Courier New" panose="02070309020205020404" pitchFamily="49" charset="0"/>
+              </a:rPr>
+              <a:t>        </a:t>
+            </a:r>
+            <a:r>
+              <a:rPr lang="en-US" altLang="zh-TW" sz="2000" dirty="0">
+                <a:solidFill>
+                  <a:srgbClr val="E8E2B7"/>
+                </a:solidFill>
+                <a:latin typeface="Courier New" panose="02070309020205020404" pitchFamily="49" charset="0"/>
+              </a:rPr>
+              <a:t>{</a:t>
+            </a:r>
+            <a:r>
+              <a:rPr lang="en-US" altLang="zh-TW" sz="2000" dirty="0">
+                <a:solidFill>
+                  <a:srgbClr val="FF8409"/>
+                </a:solidFill>
+                <a:latin typeface="Courier New" panose="02070309020205020404" pitchFamily="49" charset="0"/>
+              </a:rPr>
+              <a:t>'</a:t>
+            </a:r>
+            <a:r>
+              <a:rPr lang="en-US" altLang="zh-TW" sz="2000" dirty="0" err="1">
+                <a:solidFill>
+                  <a:srgbClr val="FF8409"/>
+                </a:solidFill>
+                <a:latin typeface="Courier New" panose="02070309020205020404" pitchFamily="49" charset="0"/>
+              </a:rPr>
+              <a:t>import_path</a:t>
+            </a:r>
+            <a:r>
+              <a:rPr lang="en-US" altLang="zh-TW" sz="2000" dirty="0">
+                <a:solidFill>
+                  <a:srgbClr val="FF8409"/>
+                </a:solidFill>
+                <a:latin typeface="Courier New" panose="02070309020205020404" pitchFamily="49" charset="0"/>
+              </a:rPr>
+              <a:t>'</a:t>
+            </a:r>
+            <a:r>
+              <a:rPr lang="en-US" altLang="zh-TW" sz="2000" dirty="0">
+                <a:solidFill>
+                  <a:srgbClr val="E8E2B7"/>
+                </a:solidFill>
+                <a:latin typeface="Courier New" panose="02070309020205020404" pitchFamily="49" charset="0"/>
+              </a:rPr>
+              <a:t>:</a:t>
+            </a:r>
+            <a:r>
+              <a:rPr lang="en-US" altLang="zh-TW" sz="2000" dirty="0">
+                <a:solidFill>
+                  <a:srgbClr val="E0E2E4"/>
+                </a:solidFill>
+                <a:latin typeface="Courier New" panose="02070309020205020404" pitchFamily="49" charset="0"/>
+              </a:rPr>
+              <a:t> </a:t>
+            </a:r>
+            <a:r>
+              <a:rPr lang="en-US" altLang="zh-TW" sz="2000" dirty="0">
+                <a:solidFill>
+                  <a:srgbClr val="FF8409"/>
+                </a:solidFill>
+                <a:latin typeface="Courier New" panose="02070309020205020404" pitchFamily="49" charset="0"/>
+              </a:rPr>
+              <a:t>'</a:t>
+            </a:r>
+            <a:r>
+              <a:rPr lang="en-US" altLang="zh-TW" sz="2000" dirty="0" err="1">
+                <a:solidFill>
+                  <a:srgbClr val="FF8409"/>
+                </a:solidFill>
+                <a:latin typeface="Courier New" panose="02070309020205020404" pitchFamily="49" charset="0"/>
+              </a:rPr>
+              <a:t>chatterbot.logic.SpecificResponseAdapter</a:t>
+            </a:r>
+            <a:r>
+              <a:rPr lang="en-US" altLang="zh-TW" sz="2000" dirty="0">
+                <a:solidFill>
+                  <a:srgbClr val="FF8409"/>
+                </a:solidFill>
+                <a:latin typeface="Courier New" panose="02070309020205020404" pitchFamily="49" charset="0"/>
+              </a:rPr>
+              <a:t>'</a:t>
+            </a:r>
+            <a:r>
+              <a:rPr lang="en-US" altLang="zh-TW" sz="2000" dirty="0">
+                <a:solidFill>
+                  <a:srgbClr val="E8E2B7"/>
+                </a:solidFill>
+                <a:latin typeface="Courier New" panose="02070309020205020404" pitchFamily="49" charset="0"/>
+              </a:rPr>
+              <a:t>,</a:t>
+            </a:r>
+            <a:endParaRPr lang="en-US" altLang="zh-TW" sz="2000" dirty="0">
+              <a:solidFill>
+                <a:srgbClr val="E0E2E4"/>
+              </a:solidFill>
+              <a:latin typeface="Courier New" panose="02070309020205020404" pitchFamily="49" charset="0"/>
+            </a:endParaRPr>
+          </a:p>
+          <a:p>
+            <a:r>
+              <a:rPr lang="en-US" altLang="zh-TW" sz="2000" dirty="0">
+                <a:solidFill>
+                  <a:srgbClr val="E0E2E4"/>
+                </a:solidFill>
+                <a:latin typeface="Courier New" panose="02070309020205020404" pitchFamily="49" charset="0"/>
+              </a:rPr>
+              <a:t>         </a:t>
+            </a:r>
+            <a:r>
+              <a:rPr lang="en-US" altLang="zh-TW" sz="2000" dirty="0">
+                <a:solidFill>
+                  <a:srgbClr val="FF8409"/>
+                </a:solidFill>
+                <a:latin typeface="Courier New" panose="02070309020205020404" pitchFamily="49" charset="0"/>
+              </a:rPr>
+              <a:t>'</a:t>
+            </a:r>
+            <a:r>
+              <a:rPr lang="en-US" altLang="zh-TW" sz="2000" dirty="0" err="1">
+                <a:solidFill>
+                  <a:srgbClr val="FF8409"/>
+                </a:solidFill>
+                <a:latin typeface="Courier New" panose="02070309020205020404" pitchFamily="49" charset="0"/>
+              </a:rPr>
+              <a:t>input_text</a:t>
+            </a:r>
+            <a:r>
+              <a:rPr lang="en-US" altLang="zh-TW" sz="2000" dirty="0">
+                <a:solidFill>
+                  <a:srgbClr val="FF8409"/>
+                </a:solidFill>
+                <a:latin typeface="Courier New" panose="02070309020205020404" pitchFamily="49" charset="0"/>
+              </a:rPr>
+              <a:t>'</a:t>
+            </a:r>
+            <a:r>
+              <a:rPr lang="en-US" altLang="zh-TW" sz="2000" dirty="0">
+                <a:solidFill>
+                  <a:srgbClr val="E8E2B7"/>
+                </a:solidFill>
+                <a:latin typeface="Courier New" panose="02070309020205020404" pitchFamily="49" charset="0"/>
+              </a:rPr>
+              <a:t>:</a:t>
+            </a:r>
+            <a:r>
+              <a:rPr lang="en-US" altLang="zh-TW" sz="2000" dirty="0">
+                <a:solidFill>
+                  <a:srgbClr val="E0E2E4"/>
+                </a:solidFill>
+                <a:latin typeface="Courier New" panose="02070309020205020404" pitchFamily="49" charset="0"/>
+              </a:rPr>
+              <a:t> </a:t>
+            </a:r>
+            <a:r>
+              <a:rPr lang="en-US" altLang="zh-TW" sz="2000" dirty="0">
+                <a:solidFill>
+                  <a:srgbClr val="FF8409"/>
+                </a:solidFill>
+                <a:latin typeface="Courier New" panose="02070309020205020404" pitchFamily="49" charset="0"/>
+              </a:rPr>
+              <a:t>'Help me!'</a:t>
+            </a:r>
+            <a:r>
+              <a:rPr lang="en-US" altLang="zh-TW" sz="2000" dirty="0">
+                <a:solidFill>
+                  <a:srgbClr val="E8E2B7"/>
+                </a:solidFill>
+                <a:latin typeface="Courier New" panose="02070309020205020404" pitchFamily="49" charset="0"/>
+              </a:rPr>
+              <a:t>,</a:t>
+            </a:r>
+            <a:endParaRPr lang="en-US" altLang="zh-TW" sz="2000" dirty="0">
+              <a:solidFill>
+                <a:srgbClr val="E0E2E4"/>
+              </a:solidFill>
+              <a:latin typeface="Courier New" panose="02070309020205020404" pitchFamily="49" charset="0"/>
+            </a:endParaRPr>
+          </a:p>
+          <a:p>
+            <a:r>
+              <a:rPr lang="en-US" altLang="zh-TW" sz="2000" dirty="0">
+                <a:solidFill>
+                  <a:srgbClr val="E0E2E4"/>
+                </a:solidFill>
+                <a:latin typeface="Courier New" panose="02070309020205020404" pitchFamily="49" charset="0"/>
+              </a:rPr>
+              <a:t>         </a:t>
+            </a:r>
+            <a:r>
+              <a:rPr lang="en-US" altLang="zh-TW" sz="2000" dirty="0">
+                <a:solidFill>
+                  <a:srgbClr val="FF8409"/>
+                </a:solidFill>
+                <a:latin typeface="Courier New" panose="02070309020205020404" pitchFamily="49" charset="0"/>
+              </a:rPr>
+              <a:t>'</a:t>
+            </a:r>
+            <a:r>
+              <a:rPr lang="en-US" altLang="zh-TW" sz="2000" dirty="0" err="1">
+                <a:solidFill>
+                  <a:srgbClr val="FF8409"/>
+                </a:solidFill>
+                <a:latin typeface="Courier New" panose="02070309020205020404" pitchFamily="49" charset="0"/>
+              </a:rPr>
+              <a:t>output_text</a:t>
+            </a:r>
+            <a:r>
+              <a:rPr lang="en-US" altLang="zh-TW" sz="2000" dirty="0">
+                <a:solidFill>
+                  <a:srgbClr val="FF8409"/>
+                </a:solidFill>
+                <a:latin typeface="Courier New" panose="02070309020205020404" pitchFamily="49" charset="0"/>
+              </a:rPr>
+              <a:t>'</a:t>
+            </a:r>
+            <a:r>
+              <a:rPr lang="en-US" altLang="zh-TW" sz="2000" dirty="0">
+                <a:solidFill>
+                  <a:srgbClr val="E8E2B7"/>
+                </a:solidFill>
+                <a:latin typeface="Courier New" panose="02070309020205020404" pitchFamily="49" charset="0"/>
+              </a:rPr>
+              <a:t>:</a:t>
+            </a:r>
+            <a:r>
+              <a:rPr lang="en-US" altLang="zh-TW" sz="2000" dirty="0">
+                <a:solidFill>
+                  <a:srgbClr val="E0E2E4"/>
+                </a:solidFill>
+                <a:latin typeface="Courier New" panose="02070309020205020404" pitchFamily="49" charset="0"/>
+              </a:rPr>
+              <a:t> </a:t>
+            </a:r>
+            <a:r>
+              <a:rPr lang="en-US" altLang="zh-TW" sz="2000" dirty="0">
+                <a:solidFill>
+                  <a:srgbClr val="FF8409"/>
+                </a:solidFill>
+                <a:latin typeface="Courier New" panose="02070309020205020404" pitchFamily="49" charset="0"/>
+              </a:rPr>
+              <a:t>'Ok, here is a link: http://chatterbot.rtfd.org'</a:t>
+            </a:r>
+            <a:r>
+              <a:rPr lang="en-US" altLang="zh-TW" sz="2000" dirty="0">
+                <a:solidFill>
+                  <a:srgbClr val="E8E2B7"/>
+                </a:solidFill>
+                <a:latin typeface="Courier New" panose="02070309020205020404" pitchFamily="49" charset="0"/>
+              </a:rPr>
+              <a:t>}</a:t>
+            </a:r>
+            <a:endParaRPr lang="zh-TW" altLang="en-US" sz="2000" dirty="0">
+              <a:solidFill>
+                <a:srgbClr val="E0E2E4"/>
+              </a:solidFill>
+              <a:latin typeface="Courier New" panose="02070309020205020404" pitchFamily="49" charset="0"/>
+            </a:endParaRPr>
+          </a:p>
+          <a:p>
+            <a:r>
+              <a:rPr lang="zh-TW" altLang="en-US" sz="2000" dirty="0">
+                <a:solidFill>
+                  <a:srgbClr val="E0E2E4"/>
+                </a:solidFill>
+                <a:latin typeface="Courier New" panose="02070309020205020404" pitchFamily="49" charset="0"/>
+              </a:rPr>
+              <a:t>    </a:t>
+            </a:r>
+            <a:r>
+              <a:rPr lang="en-US" altLang="zh-TW" sz="2000" dirty="0">
+                <a:solidFill>
+                  <a:srgbClr val="E8E2B7"/>
+                </a:solidFill>
+                <a:latin typeface="Courier New" panose="02070309020205020404" pitchFamily="49" charset="0"/>
+              </a:rPr>
+              <a:t>]</a:t>
+            </a:r>
+            <a:endParaRPr lang="zh-TW" altLang="en-US" sz="2000" dirty="0">
+              <a:solidFill>
+                <a:srgbClr val="E0E2E4"/>
+              </a:solidFill>
+              <a:latin typeface="Courier New" panose="02070309020205020404" pitchFamily="49" charset="0"/>
+            </a:endParaRPr>
+          </a:p>
+          <a:p>
+            <a:r>
+              <a:rPr lang="en-US" altLang="zh-TW" sz="2000" dirty="0">
+                <a:solidFill>
+                  <a:srgbClr val="E8E2B7"/>
+                </a:solidFill>
+                <a:latin typeface="Courier New" panose="02070309020205020404" pitchFamily="49" charset="0"/>
+              </a:rPr>
+              <a:t>)</a:t>
+            </a:r>
+            <a:endParaRPr lang="zh-TW" altLang="en-US" sz="2000" dirty="0">
+              <a:solidFill>
+                <a:srgbClr val="E0E2E4"/>
+              </a:solidFill>
+              <a:latin typeface="Courier New" panose="02070309020205020404" pitchFamily="49" charset="0"/>
+            </a:endParaRPr>
+          </a:p>
+          <a:p>
+            <a:r>
+              <a:rPr lang="en-US" altLang="zh-TW" sz="2000" dirty="0">
+                <a:solidFill>
+                  <a:srgbClr val="66747B"/>
+                </a:solidFill>
+                <a:latin typeface="Courier New" panose="02070309020205020404" pitchFamily="49" charset="0"/>
+              </a:rPr>
+              <a:t># Get a response given the specific input</a:t>
+            </a:r>
+            <a:endParaRPr lang="en-US" altLang="zh-TW" sz="2000" dirty="0">
+              <a:solidFill>
+                <a:srgbClr val="E0E2E4"/>
+              </a:solidFill>
+              <a:latin typeface="Courier New" panose="02070309020205020404" pitchFamily="49" charset="0"/>
+            </a:endParaRPr>
+          </a:p>
+          <a:p>
+            <a:r>
+              <a:rPr lang="en-US" altLang="zh-TW" sz="2000" dirty="0">
+                <a:solidFill>
+                  <a:srgbClr val="E0E2E4"/>
+                </a:solidFill>
+                <a:latin typeface="Courier New" panose="02070309020205020404" pitchFamily="49" charset="0"/>
+              </a:rPr>
+              <a:t>response </a:t>
+            </a:r>
+            <a:r>
+              <a:rPr lang="en-US" altLang="zh-TW" sz="2000" dirty="0">
+                <a:solidFill>
+                  <a:srgbClr val="E8E2B7"/>
+                </a:solidFill>
+                <a:latin typeface="Courier New" panose="02070309020205020404" pitchFamily="49" charset="0"/>
+              </a:rPr>
+              <a:t>=</a:t>
+            </a:r>
+            <a:r>
+              <a:rPr lang="en-US" altLang="zh-TW" sz="2000" dirty="0">
+                <a:solidFill>
+                  <a:srgbClr val="E0E2E4"/>
+                </a:solidFill>
+                <a:latin typeface="Courier New" panose="02070309020205020404" pitchFamily="49" charset="0"/>
+              </a:rPr>
+              <a:t> </a:t>
+            </a:r>
+            <a:r>
+              <a:rPr lang="en-US" altLang="zh-TW" sz="2000" dirty="0" err="1">
+                <a:solidFill>
+                  <a:srgbClr val="E0E2E4"/>
+                </a:solidFill>
+                <a:latin typeface="Courier New" panose="02070309020205020404" pitchFamily="49" charset="0"/>
+              </a:rPr>
+              <a:t>bot</a:t>
+            </a:r>
+            <a:r>
+              <a:rPr lang="en-US" altLang="zh-TW" sz="2000" dirty="0" err="1">
+                <a:solidFill>
+                  <a:srgbClr val="E8E2B7"/>
+                </a:solidFill>
+                <a:latin typeface="Courier New" panose="02070309020205020404" pitchFamily="49" charset="0"/>
+              </a:rPr>
+              <a:t>.</a:t>
+            </a:r>
+            <a:r>
+              <a:rPr lang="en-US" altLang="zh-TW" sz="2000" dirty="0" err="1">
+                <a:solidFill>
+                  <a:srgbClr val="E0E2E4"/>
+                </a:solidFill>
+                <a:latin typeface="Courier New" panose="02070309020205020404" pitchFamily="49" charset="0"/>
+              </a:rPr>
+              <a:t>get_response</a:t>
+            </a:r>
+            <a:r>
+              <a:rPr lang="en-US" altLang="zh-TW" sz="2000" dirty="0">
+                <a:solidFill>
+                  <a:srgbClr val="E8E2B7"/>
+                </a:solidFill>
+                <a:latin typeface="Courier New" panose="02070309020205020404" pitchFamily="49" charset="0"/>
+              </a:rPr>
+              <a:t>(</a:t>
+            </a:r>
+            <a:r>
+              <a:rPr lang="en-US" altLang="zh-TW" sz="2000" dirty="0">
+                <a:solidFill>
+                  <a:srgbClr val="FF8409"/>
+                </a:solidFill>
+                <a:latin typeface="Courier New" panose="02070309020205020404" pitchFamily="49" charset="0"/>
+              </a:rPr>
+              <a:t>'Help me!'</a:t>
+            </a:r>
+            <a:r>
+              <a:rPr lang="en-US" altLang="zh-TW" sz="2000" dirty="0">
+                <a:solidFill>
+                  <a:srgbClr val="E8E2B7"/>
+                </a:solidFill>
+                <a:latin typeface="Courier New" panose="02070309020205020404" pitchFamily="49" charset="0"/>
+              </a:rPr>
+              <a:t>)</a:t>
+            </a:r>
+            <a:endParaRPr lang="en-US" altLang="zh-TW" sz="2000" dirty="0">
+              <a:solidFill>
+                <a:srgbClr val="E0E2E4"/>
+              </a:solidFill>
+              <a:latin typeface="Courier New" panose="02070309020205020404" pitchFamily="49" charset="0"/>
+            </a:endParaRPr>
+          </a:p>
+          <a:p>
+            <a:r>
+              <a:rPr lang="en-US" altLang="zh-TW" sz="2000" dirty="0">
+                <a:solidFill>
+                  <a:srgbClr val="E0E2E4"/>
+                </a:solidFill>
+                <a:latin typeface="Courier New" panose="02070309020205020404" pitchFamily="49" charset="0"/>
+              </a:rPr>
+              <a:t>print</a:t>
+            </a:r>
+            <a:r>
+              <a:rPr lang="en-US" altLang="zh-TW" sz="2000" dirty="0">
+                <a:solidFill>
+                  <a:srgbClr val="E8E2B7"/>
+                </a:solidFill>
+                <a:latin typeface="Courier New" panose="02070309020205020404" pitchFamily="49" charset="0"/>
+              </a:rPr>
+              <a:t>(</a:t>
+            </a:r>
+            <a:r>
+              <a:rPr lang="en-US" altLang="zh-TW" sz="2000" dirty="0">
+                <a:solidFill>
+                  <a:srgbClr val="E0E2E4"/>
+                </a:solidFill>
+                <a:latin typeface="Courier New" panose="02070309020205020404" pitchFamily="49" charset="0"/>
+              </a:rPr>
+              <a:t>response</a:t>
+            </a:r>
+            <a:r>
+              <a:rPr lang="en-US" altLang="zh-TW" sz="2000" dirty="0">
+                <a:solidFill>
+                  <a:srgbClr val="E8E2B7"/>
+                </a:solidFill>
+                <a:latin typeface="Courier New" panose="02070309020205020404" pitchFamily="49" charset="0"/>
+              </a:rPr>
+              <a:t>)</a:t>
+            </a:r>
+            <a:endParaRPr lang="zh-TW" altLang="en-US" sz="2000" dirty="0"/>
           </a:p>
         </p:txBody>
       </p:sp>
     </p:spTree>
     <p:extLst>
       <p:ext uri="{BB962C8B-B14F-4D97-AF65-F5344CB8AC3E}">
-        <p14:creationId xmlns:p14="http://schemas.microsoft.com/office/powerpoint/2010/main" val="179021079"/>
+        <p14:creationId xmlns:p14="http://schemas.microsoft.com/office/powerpoint/2010/main" val="1679050948"/>
       </p:ext>
     </p:extLst>
   </p:cSld>
   <p:clrMapOvr>
     <a:masterClrMapping/>
   </p:clrMapOvr>
-  <mc:AlternateContent xmlns:mc="http://schemas.openxmlformats.org/markup-compatibility/2006">
-    <mc:Choice xmlns:p159="http://schemas.microsoft.com/office/powerpoint/2015/09/main" Requires="p159">
+  <mc:AlternateContent xmlns:mc="http://schemas.openxmlformats.org/markup-compatibility/2006" xmlns:p159="http://schemas.microsoft.com/office/powerpoint/2015/09/main">
+    <mc:Choice Requires="p159">
       <p:transition xmlns:p14="http://schemas.microsoft.com/office/powerpoint/2010/main" spd="slow" p14:dur="2000">
         <p159:morph option="byObject"/>
       </p:transition>
     </mc:Choice>
-    <mc:Fallback>
+    <mc:Fallback xmlns="">
       <p:transition spd="slow">
         <p:fade/>
       </p:transition>
@@ -7553,655 +10525,7 @@
 </p:sld>
 </file>
 
-<file path=ppt/slides/slide19.xml><?xml version="1.0" encoding="utf-8"?>
-<p:sld xmlns:a="http://schemas.openxmlformats.org/drawingml/2006/main" xmlns:r="http://schemas.openxmlformats.org/officeDocument/2006/relationships" xmlns:p="http://schemas.openxmlformats.org/presentationml/2006/main">
-  <p:cSld>
-    <p:bg>
-      <p:bgPr>
-        <a:solidFill>
-          <a:schemeClr val="bg2"/>
-        </a:solidFill>
-        <a:effectLst/>
-      </p:bgPr>
-    </p:bg>
-    <p:spTree>
-      <p:nvGrpSpPr>
-        <p:cNvPr id="1" name=""/>
-        <p:cNvGrpSpPr/>
-        <p:nvPr/>
-      </p:nvGrpSpPr>
-      <p:grpSpPr>
-        <a:xfrm>
-          <a:off x="0" y="0"/>
-          <a:ext cx="0" cy="0"/>
-          <a:chOff x="0" y="0"/>
-          <a:chExt cx="0" cy="0"/>
-        </a:xfrm>
-      </p:grpSpPr>
-      <p:sp useBgFill="1">
-        <p:nvSpPr>
-          <p:cNvPr id="8" name="Rectangle 7">
-            <a:extLst>
-              <a:ext uri="{FF2B5EF4-FFF2-40B4-BE49-F238E27FC236}">
-                <a16:creationId xmlns:a16="http://schemas.microsoft.com/office/drawing/2014/main" id="{987A0FBA-CC04-4256-A8EB-BB3C543E989C}"/>
-              </a:ext>
-              <a:ext uri="{C183D7F6-B498-43B3-948B-1728B52AA6E4}">
-                <adec:decorative xmlns:adec="http://schemas.microsoft.com/office/drawing/2017/decorative" val="1"/>
-              </a:ext>
-            </a:extLst>
-          </p:cNvPr>
-          <p:cNvSpPr>
-            <a:spLocks noGrp="1" noRot="1" noChangeAspect="1" noMove="1" noResize="1" noEditPoints="1" noAdjustHandles="1" noChangeArrowheads="1" noChangeShapeType="1" noTextEdit="1"/>
-          </p:cNvSpPr>
-          <p:nvPr>
-            <p:extLst>
-              <p:ext uri="{386F3935-93C4-4BCD-93E2-E3B085C9AB24}">
-                <p16:designElem xmlns:p16="http://schemas.microsoft.com/office/powerpoint/2015/main" val="1"/>
-              </p:ext>
-            </p:extLst>
-          </p:nvPr>
-        </p:nvSpPr>
-        <p:spPr>
-          <a:xfrm>
-            <a:off x="0" y="0"/>
-            <a:ext cx="12192000" cy="6858000"/>
-          </a:xfrm>
-          <a:prstGeom prst="rect">
-            <a:avLst/>
-          </a:prstGeom>
-          <a:ln w="12700" cap="flat" cmpd="sng" algn="ctr">
-            <a:noFill/>
-            <a:prstDash val="solid"/>
-            <a:miter lim="800000"/>
-          </a:ln>
-          <a:effectLst/>
-          <a:extLst>
-            <a:ext uri="{91240B29-F687-4F45-9708-019B960494DF}">
-              <a14:hiddenLine xmlns:a14="http://schemas.microsoft.com/office/drawing/2010/main" w="12700" cap="flat" cmpd="sng" algn="ctr">
-                <a:solidFill>
-                  <a:schemeClr val="accent1">
-                    <a:shade val="50000"/>
-                  </a:schemeClr>
-                </a:solidFill>
-                <a:prstDash val="solid"/>
-                <a:miter lim="800000"/>
-              </a14:hiddenLine>
-            </a:ext>
-          </a:extLst>
-        </p:spPr>
-        <p:style>
-          <a:lnRef idx="2">
-            <a:schemeClr val="accent1">
-              <a:shade val="50000"/>
-            </a:schemeClr>
-          </a:lnRef>
-          <a:fillRef idx="1">
-            <a:schemeClr val="accent1"/>
-          </a:fillRef>
-          <a:effectRef idx="0">
-            <a:schemeClr val="accent1"/>
-          </a:effectRef>
-          <a:fontRef idx="minor">
-            <a:schemeClr val="lt1"/>
-          </a:fontRef>
-        </p:style>
-        <p:txBody>
-          <a:bodyPr rtlCol="0" anchor="ctr"/>
-          <a:lstStyle/>
-          <a:p>
-            <a:pPr algn="ctr"/>
-            <a:endParaRPr lang="en-US"/>
-          </a:p>
-        </p:txBody>
-      </p:sp>
-      <p:sp>
-        <p:nvSpPr>
-          <p:cNvPr id="10" name="Freeform: Shape 9">
-            <a:extLst>
-              <a:ext uri="{FF2B5EF4-FFF2-40B4-BE49-F238E27FC236}">
-                <a16:creationId xmlns:a16="http://schemas.microsoft.com/office/drawing/2014/main" id="{3E9B86C0-FDA1-4FEB-807F-B6CA59CE897F}"/>
-              </a:ext>
-              <a:ext uri="{C183D7F6-B498-43B3-948B-1728B52AA6E4}">
-                <adec:decorative xmlns:adec="http://schemas.microsoft.com/office/drawing/2017/decorative" val="1"/>
-              </a:ext>
-            </a:extLst>
-          </p:cNvPr>
-          <p:cNvSpPr>
-            <a:spLocks noGrp="1" noRot="1" noChangeAspect="1" noMove="1" noResize="1" noEditPoints="1" noAdjustHandles="1" noChangeArrowheads="1" noChangeShapeType="1" noTextEdit="1"/>
-          </p:cNvSpPr>
-          <p:nvPr>
-            <p:extLst>
-              <p:ext uri="{386F3935-93C4-4BCD-93E2-E3B085C9AB24}">
-                <p16:designElem xmlns:p16="http://schemas.microsoft.com/office/powerpoint/2015/main" val="1"/>
-              </p:ext>
-            </p:extLst>
-          </p:nvPr>
-        </p:nvSpPr>
-        <p:spPr>
-          <a:xfrm flipH="1">
-            <a:off x="6617019" y="0"/>
-            <a:ext cx="5578823" cy="6028256"/>
-          </a:xfrm>
-          <a:custGeom>
-            <a:avLst/>
-            <a:gdLst>
-              <a:gd name="connsiteX0" fmla="*/ 0 w 5578823"/>
-              <a:gd name="connsiteY0" fmla="*/ 0 h 6028256"/>
-              <a:gd name="connsiteX1" fmla="*/ 3897606 w 5578823"/>
-              <a:gd name="connsiteY1" fmla="*/ 0 h 6028256"/>
-              <a:gd name="connsiteX2" fmla="*/ 4274232 w 5578823"/>
-              <a:gd name="connsiteY2" fmla="*/ 360545 h 6028256"/>
-              <a:gd name="connsiteX3" fmla="*/ 4673934 w 5578823"/>
-              <a:gd name="connsiteY3" fmla="*/ 738354 h 6028256"/>
-              <a:gd name="connsiteX4" fmla="*/ 5421862 w 5578823"/>
-              <a:gd name="connsiteY4" fmla="*/ 1773839 h 6028256"/>
-              <a:gd name="connsiteX5" fmla="*/ 5469198 w 5578823"/>
-              <a:gd name="connsiteY5" fmla="*/ 3329255 h 6028256"/>
-              <a:gd name="connsiteX6" fmla="*/ 4741546 w 5578823"/>
-              <a:gd name="connsiteY6" fmla="*/ 4877588 h 6028256"/>
-              <a:gd name="connsiteX7" fmla="*/ 1325600 w 5578823"/>
-              <a:gd name="connsiteY7" fmla="*/ 5980388 h 6028256"/>
-              <a:gd name="connsiteX8" fmla="*/ 137593 w 5578823"/>
-              <a:gd name="connsiteY8" fmla="*/ 5804042 h 6028256"/>
-              <a:gd name="connsiteX9" fmla="*/ 0 w 5578823"/>
-              <a:gd name="connsiteY9" fmla="*/ 5760161 h 6028256"/>
-            </a:gdLst>
-            <a:ahLst/>
-            <a:cxnLst>
-              <a:cxn ang="0">
-                <a:pos x="connsiteX0" y="connsiteY0"/>
-              </a:cxn>
-              <a:cxn ang="0">
-                <a:pos x="connsiteX1" y="connsiteY1"/>
-              </a:cxn>
-              <a:cxn ang="0">
-                <a:pos x="connsiteX2" y="connsiteY2"/>
-              </a:cxn>
-              <a:cxn ang="0">
-                <a:pos x="connsiteX3" y="connsiteY3"/>
-              </a:cxn>
-              <a:cxn ang="0">
-                <a:pos x="connsiteX4" y="connsiteY4"/>
-              </a:cxn>
-              <a:cxn ang="0">
-                <a:pos x="connsiteX5" y="connsiteY5"/>
-              </a:cxn>
-              <a:cxn ang="0">
-                <a:pos x="connsiteX6" y="connsiteY6"/>
-              </a:cxn>
-              <a:cxn ang="0">
-                <a:pos x="connsiteX7" y="connsiteY7"/>
-              </a:cxn>
-              <a:cxn ang="0">
-                <a:pos x="connsiteX8" y="connsiteY8"/>
-              </a:cxn>
-              <a:cxn ang="0">
-                <a:pos x="connsiteX9" y="connsiteY9"/>
-              </a:cxn>
-            </a:cxnLst>
-            <a:rect l="l" t="t" r="r" b="b"/>
-            <a:pathLst>
-              <a:path w="5578823" h="6028256">
-                <a:moveTo>
-                  <a:pt x="0" y="0"/>
-                </a:moveTo>
-                <a:lnTo>
-                  <a:pt x="3897606" y="0"/>
-                </a:lnTo>
-                <a:lnTo>
-                  <a:pt x="4274232" y="360545"/>
-                </a:lnTo>
-                <a:cubicBezTo>
-                  <a:pt x="4408856" y="488910"/>
-                  <a:pt x="4542134" y="615181"/>
-                  <a:pt x="4673934" y="738354"/>
-                </a:cubicBezTo>
-                <a:cubicBezTo>
-                  <a:pt x="5042663" y="1082881"/>
-                  <a:pt x="5282330" y="1428108"/>
-                  <a:pt x="5421862" y="1773839"/>
-                </a:cubicBezTo>
-                <a:cubicBezTo>
-                  <a:pt x="5631101" y="2292214"/>
-                  <a:pt x="5614731" y="2811325"/>
-                  <a:pt x="5469198" y="3329255"/>
-                </a:cubicBezTo>
-                <a:cubicBezTo>
-                  <a:pt x="5323662" y="3847185"/>
-                  <a:pt x="5048962" y="4363935"/>
-                  <a:pt x="4741546" y="4877588"/>
-                </a:cubicBezTo>
-                <a:cubicBezTo>
-                  <a:pt x="4027238" y="6071494"/>
-                  <a:pt x="2764972" y="6102970"/>
-                  <a:pt x="1325600" y="5980388"/>
-                </a:cubicBezTo>
-                <a:cubicBezTo>
-                  <a:pt x="903947" y="5944442"/>
-                  <a:pt x="499735" y="5907589"/>
-                  <a:pt x="137593" y="5804042"/>
-                </a:cubicBezTo>
-                <a:lnTo>
-                  <a:pt x="0" y="5760161"/>
-                </a:lnTo>
-                <a:close/>
-              </a:path>
-            </a:pathLst>
-          </a:custGeom>
-          <a:solidFill>
-            <a:schemeClr val="accent6"/>
-          </a:solidFill>
-          <a:ln>
-            <a:noFill/>
-          </a:ln>
-        </p:spPr>
-        <p:style>
-          <a:lnRef idx="2">
-            <a:schemeClr val="accent1">
-              <a:shade val="50000"/>
-            </a:schemeClr>
-          </a:lnRef>
-          <a:fillRef idx="1">
-            <a:schemeClr val="accent1"/>
-          </a:fillRef>
-          <a:effectRef idx="0">
-            <a:schemeClr val="accent1"/>
-          </a:effectRef>
-          <a:fontRef idx="minor">
-            <a:schemeClr val="lt1"/>
-          </a:fontRef>
-        </p:style>
-        <p:txBody>
-          <a:bodyPr rtlCol="0" anchor="ctr"/>
-          <a:lstStyle/>
-          <a:p>
-            <a:pPr algn="ctr"/>
-            <a:endParaRPr lang="en-US"/>
-          </a:p>
-        </p:txBody>
-      </p:sp>
-      <p:sp>
-        <p:nvSpPr>
-          <p:cNvPr id="12" name="Freeform: Shape 11">
-            <a:extLst>
-              <a:ext uri="{FF2B5EF4-FFF2-40B4-BE49-F238E27FC236}">
-                <a16:creationId xmlns:a16="http://schemas.microsoft.com/office/drawing/2014/main" id="{3362A0EA-3E81-4464-94B8-70BE5870EDC0}"/>
-              </a:ext>
-              <a:ext uri="{C183D7F6-B498-43B3-948B-1728B52AA6E4}">
-                <adec:decorative xmlns:adec="http://schemas.microsoft.com/office/drawing/2017/decorative" val="1"/>
-              </a:ext>
-            </a:extLst>
-          </p:cNvPr>
-          <p:cNvSpPr>
-            <a:spLocks noGrp="1" noRot="1" noChangeAspect="1" noMove="1" noResize="1" noEditPoints="1" noAdjustHandles="1" noChangeArrowheads="1" noChangeShapeType="1" noTextEdit="1"/>
-          </p:cNvSpPr>
-          <p:nvPr>
-            <p:extLst>
-              <p:ext uri="{386F3935-93C4-4BCD-93E2-E3B085C9AB24}">
-                <p16:designElem xmlns:p16="http://schemas.microsoft.com/office/powerpoint/2015/main" val="1"/>
-              </p:ext>
-            </p:extLst>
-          </p:nvPr>
-        </p:nvSpPr>
-        <p:spPr>
-          <a:xfrm flipH="1">
-            <a:off x="6487883" y="0"/>
-            <a:ext cx="5704117" cy="6096000"/>
-          </a:xfrm>
-          <a:custGeom>
-            <a:avLst/>
-            <a:gdLst>
-              <a:gd name="connsiteX0" fmla="*/ 0 w 5704117"/>
-              <a:gd name="connsiteY0" fmla="*/ 0 h 6096000"/>
-              <a:gd name="connsiteX1" fmla="*/ 4562795 w 5704117"/>
-              <a:gd name="connsiteY1" fmla="*/ 0 h 6096000"/>
-              <a:gd name="connsiteX2" fmla="*/ 4721192 w 5704117"/>
-              <a:gd name="connsiteY2" fmla="*/ 133595 h 6096000"/>
-              <a:gd name="connsiteX3" fmla="*/ 5467522 w 5704117"/>
-              <a:gd name="connsiteY3" fmla="*/ 1054328 h 6096000"/>
-              <a:gd name="connsiteX4" fmla="*/ 5538873 w 5704117"/>
-              <a:gd name="connsiteY4" fmla="*/ 2897564 h 6096000"/>
-              <a:gd name="connsiteX5" fmla="*/ 4442050 w 5704117"/>
-              <a:gd name="connsiteY5" fmla="*/ 4732407 h 6096000"/>
-              <a:gd name="connsiteX6" fmla="*/ 93046 w 5704117"/>
-              <a:gd name="connsiteY6" fmla="*/ 6082857 h 6096000"/>
-              <a:gd name="connsiteX7" fmla="*/ 0 w 5704117"/>
-              <a:gd name="connsiteY7" fmla="*/ 6078450 h 6096000"/>
-              <a:gd name="connsiteX0" fmla="*/ 4562795 w 5704117"/>
-              <a:gd name="connsiteY0" fmla="*/ 0 h 6096000"/>
-              <a:gd name="connsiteX1" fmla="*/ 4721192 w 5704117"/>
-              <a:gd name="connsiteY1" fmla="*/ 133595 h 6096000"/>
-              <a:gd name="connsiteX2" fmla="*/ 5467522 w 5704117"/>
-              <a:gd name="connsiteY2" fmla="*/ 1054328 h 6096000"/>
-              <a:gd name="connsiteX3" fmla="*/ 5538873 w 5704117"/>
-              <a:gd name="connsiteY3" fmla="*/ 2897564 h 6096000"/>
-              <a:gd name="connsiteX4" fmla="*/ 4442050 w 5704117"/>
-              <a:gd name="connsiteY4" fmla="*/ 4732407 h 6096000"/>
-              <a:gd name="connsiteX5" fmla="*/ 93046 w 5704117"/>
-              <a:gd name="connsiteY5" fmla="*/ 6082857 h 6096000"/>
-              <a:gd name="connsiteX6" fmla="*/ 0 w 5704117"/>
-              <a:gd name="connsiteY6" fmla="*/ 6078450 h 6096000"/>
-              <a:gd name="connsiteX7" fmla="*/ 91440 w 5704117"/>
-              <a:gd name="connsiteY7" fmla="*/ 91440 h 6096000"/>
-              <a:gd name="connsiteX0" fmla="*/ 4562795 w 5704117"/>
-              <a:gd name="connsiteY0" fmla="*/ 0 h 6096000"/>
-              <a:gd name="connsiteX1" fmla="*/ 4721192 w 5704117"/>
-              <a:gd name="connsiteY1" fmla="*/ 133595 h 6096000"/>
-              <a:gd name="connsiteX2" fmla="*/ 5467522 w 5704117"/>
-              <a:gd name="connsiteY2" fmla="*/ 1054328 h 6096000"/>
-              <a:gd name="connsiteX3" fmla="*/ 5538873 w 5704117"/>
-              <a:gd name="connsiteY3" fmla="*/ 2897564 h 6096000"/>
-              <a:gd name="connsiteX4" fmla="*/ 4442050 w 5704117"/>
-              <a:gd name="connsiteY4" fmla="*/ 4732407 h 6096000"/>
-              <a:gd name="connsiteX5" fmla="*/ 93046 w 5704117"/>
-              <a:gd name="connsiteY5" fmla="*/ 6082857 h 6096000"/>
-              <a:gd name="connsiteX6" fmla="*/ 0 w 5704117"/>
-              <a:gd name="connsiteY6" fmla="*/ 6078450 h 6096000"/>
-            </a:gdLst>
-            <a:ahLst/>
-            <a:cxnLst>
-              <a:cxn ang="0">
-                <a:pos x="connsiteX0" y="connsiteY0"/>
-              </a:cxn>
-              <a:cxn ang="0">
-                <a:pos x="connsiteX1" y="connsiteY1"/>
-              </a:cxn>
-              <a:cxn ang="0">
-                <a:pos x="connsiteX2" y="connsiteY2"/>
-              </a:cxn>
-              <a:cxn ang="0">
-                <a:pos x="connsiteX3" y="connsiteY3"/>
-              </a:cxn>
-              <a:cxn ang="0">
-                <a:pos x="connsiteX4" y="connsiteY4"/>
-              </a:cxn>
-              <a:cxn ang="0">
-                <a:pos x="connsiteX5" y="connsiteY5"/>
-              </a:cxn>
-              <a:cxn ang="0">
-                <a:pos x="connsiteX6" y="connsiteY6"/>
-              </a:cxn>
-            </a:cxnLst>
-            <a:rect l="l" t="t" r="r" b="b"/>
-            <a:pathLst>
-              <a:path w="5704117" h="6096000">
-                <a:moveTo>
-                  <a:pt x="4562795" y="0"/>
-                </a:moveTo>
-                <a:lnTo>
-                  <a:pt x="4721192" y="133595"/>
-                </a:lnTo>
-                <a:cubicBezTo>
-                  <a:pt x="5067135" y="440105"/>
-                  <a:pt x="5309779" y="747048"/>
-                  <a:pt x="5467522" y="1054328"/>
-                </a:cubicBezTo>
-                <a:cubicBezTo>
-                  <a:pt x="5782917" y="1668625"/>
-                  <a:pt x="5758242" y="2283795"/>
-                  <a:pt x="5538873" y="2897564"/>
-                </a:cubicBezTo>
-                <a:cubicBezTo>
-                  <a:pt x="5319500" y="3511334"/>
-                  <a:pt x="4905433" y="4123706"/>
-                  <a:pt x="4442050" y="4732407"/>
-                </a:cubicBezTo>
-                <a:cubicBezTo>
-                  <a:pt x="3499930" y="5970384"/>
-                  <a:pt x="1925433" y="6153690"/>
-                  <a:pt x="93046" y="6082857"/>
-                </a:cubicBezTo>
-                <a:lnTo>
-                  <a:pt x="0" y="6078450"/>
-                </a:lnTo>
-              </a:path>
-            </a:pathLst>
-          </a:custGeom>
-          <a:noFill/>
-          <a:ln w="19050">
-            <a:solidFill>
-              <a:schemeClr val="accent2">
-                <a:lumMod val="60000"/>
-                <a:lumOff val="40000"/>
-              </a:schemeClr>
-            </a:solidFill>
-          </a:ln>
-        </p:spPr>
-        <p:style>
-          <a:lnRef idx="2">
-            <a:schemeClr val="accent1">
-              <a:shade val="50000"/>
-            </a:schemeClr>
-          </a:lnRef>
-          <a:fillRef idx="1">
-            <a:schemeClr val="accent1"/>
-          </a:fillRef>
-          <a:effectRef idx="0">
-            <a:schemeClr val="accent1"/>
-          </a:effectRef>
-          <a:fontRef idx="minor">
-            <a:schemeClr val="lt1"/>
-          </a:fontRef>
-        </p:style>
-        <p:txBody>
-          <a:bodyPr wrap="square" rtlCol="0" anchor="ctr">
-            <a:noAutofit/>
-          </a:bodyPr>
-          <a:lstStyle/>
-          <a:p>
-            <a:pPr algn="ctr"/>
-            <a:endParaRPr lang="en-US">
-              <a:solidFill>
-                <a:prstClr val="white"/>
-              </a:solidFill>
-              <a:latin typeface="Avenir Next LT Pro Light"/>
-            </a:endParaRPr>
-          </a:p>
-        </p:txBody>
-      </p:sp>
-      <p:sp>
-        <p:nvSpPr>
-          <p:cNvPr id="3" name="內容版面配置區 2">
-            <a:extLst>
-              <a:ext uri="{FF2B5EF4-FFF2-40B4-BE49-F238E27FC236}">
-                <a16:creationId xmlns:a16="http://schemas.microsoft.com/office/drawing/2014/main" id="{3BB98E28-B2BF-4E1B-98B7-3BCA10888C92}"/>
-              </a:ext>
-            </a:extLst>
-          </p:cNvPr>
-          <p:cNvSpPr>
-            <a:spLocks noGrp="1"/>
-          </p:cNvSpPr>
-          <p:nvPr>
-            <p:ph idx="1"/>
-          </p:nvPr>
-        </p:nvSpPr>
-        <p:spPr>
-          <a:xfrm>
-            <a:off x="762000" y="2286000"/>
-            <a:ext cx="5334000" cy="3810001"/>
-          </a:xfrm>
-        </p:spPr>
-        <p:txBody>
-          <a:bodyPr>
-            <a:normAutofit/>
-          </a:bodyPr>
-          <a:lstStyle/>
-          <a:p>
-            <a:endParaRPr lang="zh-TW" altLang="en-US" sz="2400"/>
-          </a:p>
-        </p:txBody>
-      </p:sp>
-      <p:sp>
-        <p:nvSpPr>
-          <p:cNvPr id="2" name="標題 1">
-            <a:extLst>
-              <a:ext uri="{FF2B5EF4-FFF2-40B4-BE49-F238E27FC236}">
-                <a16:creationId xmlns:a16="http://schemas.microsoft.com/office/drawing/2014/main" id="{E8767813-8381-40F4-ABEF-40A123C35641}"/>
-              </a:ext>
-            </a:extLst>
-          </p:cNvPr>
-          <p:cNvSpPr>
-            <a:spLocks noGrp="1"/>
-          </p:cNvSpPr>
-          <p:nvPr>
-            <p:ph type="title"/>
-          </p:nvPr>
-        </p:nvSpPr>
-        <p:spPr>
-          <a:xfrm>
-            <a:off x="762000" y="762000"/>
-            <a:ext cx="5334000" cy="1524000"/>
-          </a:xfrm>
-        </p:spPr>
-        <p:txBody>
-          <a:bodyPr>
-            <a:normAutofit/>
-          </a:bodyPr>
-          <a:lstStyle/>
-          <a:p>
-            <a:r>
-              <a:rPr lang="zh-TW" altLang="en-US" sz="3200" dirty="0"/>
-              <a:t>輸出資料</a:t>
-            </a:r>
-          </a:p>
-        </p:txBody>
-      </p:sp>
-    </p:spTree>
-    <p:extLst>
-      <p:ext uri="{BB962C8B-B14F-4D97-AF65-F5344CB8AC3E}">
-        <p14:creationId xmlns:p14="http://schemas.microsoft.com/office/powerpoint/2010/main" val="1761103152"/>
-      </p:ext>
-    </p:extLst>
-  </p:cSld>
-  <p:clrMapOvr>
-    <a:masterClrMapping/>
-  </p:clrMapOvr>
-  <mc:AlternateContent xmlns:mc="http://schemas.openxmlformats.org/markup-compatibility/2006">
-    <mc:Choice xmlns:p159="http://schemas.microsoft.com/office/powerpoint/2015/09/main" Requires="p159">
-      <p:transition xmlns:p14="http://schemas.microsoft.com/office/powerpoint/2010/main" spd="slow" p14:dur="2000">
-        <p159:morph option="byObject"/>
-      </p:transition>
-    </mc:Choice>
-    <mc:Fallback>
-      <p:transition spd="slow">
-        <p:fade/>
-      </p:transition>
-    </mc:Fallback>
-  </mc:AlternateContent>
-</p:sld>
-</file>
-
-<file path=ppt/slides/slide2.xml><?xml version="1.0" encoding="utf-8"?>
-<p:sld xmlns:a="http://schemas.openxmlformats.org/drawingml/2006/main" xmlns:r="http://schemas.openxmlformats.org/officeDocument/2006/relationships" xmlns:p="http://schemas.openxmlformats.org/presentationml/2006/main">
-  <p:cSld>
-    <p:spTree>
-      <p:nvGrpSpPr>
-        <p:cNvPr id="1" name=""/>
-        <p:cNvGrpSpPr/>
-        <p:nvPr/>
-      </p:nvGrpSpPr>
-      <p:grpSpPr>
-        <a:xfrm>
-          <a:off x="0" y="0"/>
-          <a:ext cx="0" cy="0"/>
-          <a:chOff x="0" y="0"/>
-          <a:chExt cx="0" cy="0"/>
-        </a:xfrm>
-      </p:grpSpPr>
-      <p:sp>
-        <p:nvSpPr>
-          <p:cNvPr id="2" name="標題 1">
-            <a:extLst>
-              <a:ext uri="{FF2B5EF4-FFF2-40B4-BE49-F238E27FC236}">
-                <a16:creationId xmlns:a16="http://schemas.microsoft.com/office/drawing/2014/main" id="{C74D4C32-9332-4C5A-9DF2-8DF39446C359}"/>
-              </a:ext>
-            </a:extLst>
-          </p:cNvPr>
-          <p:cNvSpPr>
-            <a:spLocks noGrp="1"/>
-          </p:cNvSpPr>
-          <p:nvPr>
-            <p:ph type="title"/>
-          </p:nvPr>
-        </p:nvSpPr>
-        <p:spPr/>
-        <p:txBody>
-          <a:bodyPr/>
-          <a:lstStyle/>
-          <a:p>
-            <a:r>
-              <a:rPr lang="zh-TW" altLang="en-US" dirty="0"/>
-              <a:t>安裝套件</a:t>
-            </a:r>
-          </a:p>
-        </p:txBody>
-      </p:sp>
-      <p:sp>
-        <p:nvSpPr>
-          <p:cNvPr id="3" name="內容版面配置區 2">
-            <a:extLst>
-              <a:ext uri="{FF2B5EF4-FFF2-40B4-BE49-F238E27FC236}">
-                <a16:creationId xmlns:a16="http://schemas.microsoft.com/office/drawing/2014/main" id="{56C7B843-ECCF-44C1-9811-04E8B7D2B518}"/>
-              </a:ext>
-            </a:extLst>
-          </p:cNvPr>
-          <p:cNvSpPr>
-            <a:spLocks noGrp="1"/>
-          </p:cNvSpPr>
-          <p:nvPr>
-            <p:ph idx="1"/>
-          </p:nvPr>
-        </p:nvSpPr>
-        <p:spPr/>
-        <p:txBody>
-          <a:bodyPr/>
-          <a:lstStyle/>
-          <a:p>
-            <a:pPr marL="0" indent="0">
-              <a:buNone/>
-            </a:pPr>
-            <a:r>
-              <a:rPr lang="en-US" altLang="zh-TW" dirty="0"/>
-              <a:t>&gt;</a:t>
-            </a:r>
-            <a:r>
-              <a:rPr lang="zh-TW" altLang="en-US" dirty="0"/>
-              <a:t> </a:t>
-            </a:r>
-            <a:r>
-              <a:rPr lang="en-US" altLang="zh-TW" dirty="0"/>
-              <a:t>pip install chatterbot</a:t>
-            </a:r>
-            <a:endParaRPr lang="zh-TW" altLang="en-US" dirty="0"/>
-          </a:p>
-        </p:txBody>
-      </p:sp>
-    </p:spTree>
-    <p:extLst>
-      <p:ext uri="{BB962C8B-B14F-4D97-AF65-F5344CB8AC3E}">
-        <p14:creationId xmlns:p14="http://schemas.microsoft.com/office/powerpoint/2010/main" val="3854420270"/>
-      </p:ext>
-    </p:extLst>
-  </p:cSld>
-  <p:clrMapOvr>
-    <a:masterClrMapping/>
-  </p:clrMapOvr>
-  <mc:AlternateContent xmlns:mc="http://schemas.openxmlformats.org/markup-compatibility/2006">
-    <mc:Choice xmlns:p159="http://schemas.microsoft.com/office/powerpoint/2015/09/main" Requires="p159">
-      <p:transition xmlns:p14="http://schemas.microsoft.com/office/powerpoint/2010/main" spd="slow" p14:dur="2000">
-        <p159:morph option="byObject"/>
-      </p:transition>
-    </mc:Choice>
-    <mc:Fallback>
-      <p:transition spd="slow">
-        <p:fade/>
-      </p:transition>
-    </mc:Fallback>
-  </mc:AlternateContent>
-</p:sld>
-</file>
-
-<file path=ppt/slides/slide20.xml><?xml version="1.0" encoding="utf-8"?>
+<file path=ppt/slides/slide18.xml><?xml version="1.0" encoding="utf-8"?>
 <p:sld xmlns:a="http://schemas.openxmlformats.org/drawingml/2006/main" xmlns:r="http://schemas.openxmlformats.org/officeDocument/2006/relationships" xmlns:p="http://schemas.openxmlformats.org/presentationml/2006/main">
   <p:cSld>
     <p:bg>
@@ -9253,13 +11577,13 @@
   <p:clrMapOvr>
     <a:masterClrMapping/>
   </p:clrMapOvr>
-  <mc:AlternateContent xmlns:mc="http://schemas.openxmlformats.org/markup-compatibility/2006">
-    <mc:Choice xmlns:p159="http://schemas.microsoft.com/office/powerpoint/2015/09/main" Requires="p159">
+  <mc:AlternateContent xmlns:mc="http://schemas.openxmlformats.org/markup-compatibility/2006" xmlns:p159="http://schemas.microsoft.com/office/powerpoint/2015/09/main">
+    <mc:Choice Requires="p159">
       <p:transition xmlns:p14="http://schemas.microsoft.com/office/powerpoint/2010/main" spd="slow" p14:dur="2000">
         <p159:morph option="byObject"/>
       </p:transition>
     </mc:Choice>
-    <mc:Fallback>
+    <mc:Fallback xmlns="">
       <p:transition spd="slow">
         <p:fade/>
       </p:transition>
@@ -9268,7 +11592,7 @@
 </p:sld>
 </file>
 
-<file path=ppt/slides/slide21.xml><?xml version="1.0" encoding="utf-8"?>
+<file path=ppt/slides/slide19.xml><?xml version="1.0" encoding="utf-8"?>
 <p:sld xmlns:a="http://schemas.openxmlformats.org/drawingml/2006/main" xmlns:r="http://schemas.openxmlformats.org/officeDocument/2006/relationships" xmlns:p="http://schemas.openxmlformats.org/presentationml/2006/main">
   <p:cSld>
     <p:bg>
@@ -9716,38 +12040,6 @@
       </p:sp>
       <p:sp>
         <p:nvSpPr>
-          <p:cNvPr id="3" name="內容版面配置區 2">
-            <a:extLst>
-              <a:ext uri="{FF2B5EF4-FFF2-40B4-BE49-F238E27FC236}">
-                <a16:creationId xmlns:a16="http://schemas.microsoft.com/office/drawing/2014/main" id="{3BB98E28-B2BF-4E1B-98B7-3BCA10888C92}"/>
-              </a:ext>
-            </a:extLst>
-          </p:cNvPr>
-          <p:cNvSpPr>
-            <a:spLocks noGrp="1"/>
-          </p:cNvSpPr>
-          <p:nvPr>
-            <p:ph idx="1"/>
-          </p:nvPr>
-        </p:nvSpPr>
-        <p:spPr>
-          <a:xfrm>
-            <a:off x="762000" y="2286000"/>
-            <a:ext cx="5334000" cy="3810001"/>
-          </a:xfrm>
-        </p:spPr>
-        <p:txBody>
-          <a:bodyPr>
-            <a:normAutofit/>
-          </a:bodyPr>
-          <a:lstStyle/>
-          <a:p>
-            <a:endParaRPr lang="zh-TW" altLang="en-US" sz="2400"/>
-          </a:p>
-        </p:txBody>
-      </p:sp>
-      <p:sp>
-        <p:nvSpPr>
           <p:cNvPr id="2" name="標題 1">
             <a:extLst>
               <a:ext uri="{FF2B5EF4-FFF2-40B4-BE49-F238E27FC236}">
@@ -9791,13 +12083,13 @@
   <p:clrMapOvr>
     <a:masterClrMapping/>
   </p:clrMapOvr>
-  <mc:AlternateContent xmlns:mc="http://schemas.openxmlformats.org/markup-compatibility/2006">
-    <mc:Choice xmlns:p159="http://schemas.microsoft.com/office/powerpoint/2015/09/main" Requires="p159">
+  <mc:AlternateContent xmlns:mc="http://schemas.openxmlformats.org/markup-compatibility/2006" xmlns:p159="http://schemas.microsoft.com/office/powerpoint/2015/09/main">
+    <mc:Choice Requires="p159">
       <p:transition xmlns:p14="http://schemas.microsoft.com/office/powerpoint/2010/main" spd="slow" p14:dur="2000">
         <p159:morph option="byObject"/>
       </p:transition>
     </mc:Choice>
-    <mc:Fallback>
+    <mc:Fallback xmlns="">
       <p:transition spd="slow">
         <p:fade/>
       </p:transition>
@@ -9806,7 +12098,119 @@
 </p:sld>
 </file>
 
-<file path=ppt/slides/slide22.xml><?xml version="1.0" encoding="utf-8"?>
+<file path=ppt/slides/slide2.xml><?xml version="1.0" encoding="utf-8"?>
+<p:sld xmlns:a="http://schemas.openxmlformats.org/drawingml/2006/main" xmlns:r="http://schemas.openxmlformats.org/officeDocument/2006/relationships" xmlns:p="http://schemas.openxmlformats.org/presentationml/2006/main">
+  <p:cSld>
+    <p:spTree>
+      <p:nvGrpSpPr>
+        <p:cNvPr id="1" name=""/>
+        <p:cNvGrpSpPr/>
+        <p:nvPr/>
+      </p:nvGrpSpPr>
+      <p:grpSpPr>
+        <a:xfrm>
+          <a:off x="0" y="0"/>
+          <a:ext cx="0" cy="0"/>
+          <a:chOff x="0" y="0"/>
+          <a:chExt cx="0" cy="0"/>
+        </a:xfrm>
+      </p:grpSpPr>
+      <p:sp>
+        <p:nvSpPr>
+          <p:cNvPr id="2" name="標題 1">
+            <a:extLst>
+              <a:ext uri="{FF2B5EF4-FFF2-40B4-BE49-F238E27FC236}">
+                <a16:creationId xmlns:a16="http://schemas.microsoft.com/office/drawing/2014/main" id="{C74D4C32-9332-4C5A-9DF2-8DF39446C359}"/>
+              </a:ext>
+            </a:extLst>
+          </p:cNvPr>
+          <p:cNvSpPr>
+            <a:spLocks noGrp="1"/>
+          </p:cNvSpPr>
+          <p:nvPr>
+            <p:ph type="title"/>
+          </p:nvPr>
+        </p:nvSpPr>
+        <p:spPr/>
+        <p:txBody>
+          <a:bodyPr/>
+          <a:lstStyle/>
+          <a:p>
+            <a:r>
+              <a:rPr lang="zh-TW" altLang="en-US" dirty="0"/>
+              <a:t>安裝套件</a:t>
+            </a:r>
+          </a:p>
+        </p:txBody>
+      </p:sp>
+      <p:sp>
+        <p:nvSpPr>
+          <p:cNvPr id="3" name="內容版面配置區 2">
+            <a:extLst>
+              <a:ext uri="{FF2B5EF4-FFF2-40B4-BE49-F238E27FC236}">
+                <a16:creationId xmlns:a16="http://schemas.microsoft.com/office/drawing/2014/main" id="{56C7B843-ECCF-44C1-9811-04E8B7D2B518}"/>
+              </a:ext>
+            </a:extLst>
+          </p:cNvPr>
+          <p:cNvSpPr>
+            <a:spLocks noGrp="1"/>
+          </p:cNvSpPr>
+          <p:nvPr>
+            <p:ph idx="1"/>
+          </p:nvPr>
+        </p:nvSpPr>
+        <p:spPr/>
+        <p:txBody>
+          <a:bodyPr>
+            <a:normAutofit/>
+          </a:bodyPr>
+          <a:lstStyle/>
+          <a:p>
+            <a:pPr marL="0" indent="0">
+              <a:buNone/>
+            </a:pPr>
+            <a:r>
+              <a:rPr lang="en-US" altLang="zh-TW" sz="4000" dirty="0"/>
+              <a:t>&gt;</a:t>
+            </a:r>
+            <a:r>
+              <a:rPr lang="zh-TW" altLang="en-US" sz="4000" dirty="0"/>
+              <a:t> </a:t>
+            </a:r>
+            <a:r>
+              <a:rPr lang="en-US" altLang="zh-TW" sz="4000" dirty="0"/>
+              <a:t>pip install chatterbot</a:t>
+            </a:r>
+            <a:endParaRPr lang="zh-TW" altLang="en-US" sz="4000" dirty="0"/>
+          </a:p>
+        </p:txBody>
+      </p:sp>
+    </p:spTree>
+    <p:extLst>
+      <p:ext uri="{BB962C8B-B14F-4D97-AF65-F5344CB8AC3E}">
+        <p14:creationId xmlns:p14="http://schemas.microsoft.com/office/powerpoint/2010/main" val="3854420270"/>
+      </p:ext>
+    </p:extLst>
+  </p:cSld>
+  <p:clrMapOvr>
+    <a:masterClrMapping/>
+  </p:clrMapOvr>
+  <mc:AlternateContent xmlns:mc="http://schemas.openxmlformats.org/markup-compatibility/2006" xmlns:p159="http://schemas.microsoft.com/office/powerpoint/2015/09/main">
+    <mc:Choice Requires="p159">
+      <p:transition xmlns:p14="http://schemas.microsoft.com/office/powerpoint/2010/main" spd="slow" p14:dur="2000">
+        <p159:morph option="byObject"/>
+      </p:transition>
+    </mc:Choice>
+    <mc:Fallback xmlns="">
+      <p:transition spd="slow">
+        <p:fade/>
+      </p:transition>
+    </mc:Fallback>
+  </mc:AlternateContent>
+</p:sld>
+</file>
+
+<file path=ppt/slides/slide20.xml><?xml version="1.0" encoding="utf-8"?>
 <p:sld xmlns:a="http://schemas.openxmlformats.org/drawingml/2006/main" xmlns:r="http://schemas.openxmlformats.org/officeDocument/2006/relationships" xmlns:p="http://schemas.openxmlformats.org/presentationml/2006/main">
   <p:cSld>
     <p:bg>
@@ -10254,38 +12658,6 @@
       </p:sp>
       <p:sp>
         <p:nvSpPr>
-          <p:cNvPr id="3" name="內容版面配置區 2">
-            <a:extLst>
-              <a:ext uri="{FF2B5EF4-FFF2-40B4-BE49-F238E27FC236}">
-                <a16:creationId xmlns:a16="http://schemas.microsoft.com/office/drawing/2014/main" id="{3BB98E28-B2BF-4E1B-98B7-3BCA10888C92}"/>
-              </a:ext>
-            </a:extLst>
-          </p:cNvPr>
-          <p:cNvSpPr>
-            <a:spLocks noGrp="1"/>
-          </p:cNvSpPr>
-          <p:nvPr>
-            <p:ph idx="1"/>
-          </p:nvPr>
-        </p:nvSpPr>
-        <p:spPr>
-          <a:xfrm>
-            <a:off x="762000" y="2286000"/>
-            <a:ext cx="5334000" cy="3810001"/>
-          </a:xfrm>
-        </p:spPr>
-        <p:txBody>
-          <a:bodyPr>
-            <a:normAutofit/>
-          </a:bodyPr>
-          <a:lstStyle/>
-          <a:p>
-            <a:endParaRPr lang="zh-TW" altLang="en-US" sz="2400"/>
-          </a:p>
-        </p:txBody>
-      </p:sp>
-      <p:sp>
-        <p:nvSpPr>
           <p:cNvPr id="2" name="標題 1">
             <a:extLst>
               <a:ext uri="{FF2B5EF4-FFF2-40B4-BE49-F238E27FC236}">
@@ -10313,10 +12685,393 @@
           <a:lstStyle/>
           <a:p>
             <a:r>
-              <a:rPr lang="en-US" altLang="zh-TW" sz="3200" dirty="0"/>
-              <a:t>tagged dataset</a:t>
-            </a:r>
-            <a:endParaRPr lang="zh-TW" altLang="en-US" sz="3200" dirty="0"/>
+              <a:rPr lang="zh-TW" altLang="en-US" sz="3200" dirty="0"/>
+              <a:t>輸出資料</a:t>
+            </a:r>
+          </a:p>
+        </p:txBody>
+      </p:sp>
+      <p:sp>
+        <p:nvSpPr>
+          <p:cNvPr id="9" name="文字方塊 8">
+            <a:extLst>
+              <a:ext uri="{FF2B5EF4-FFF2-40B4-BE49-F238E27FC236}">
+                <a16:creationId xmlns:a16="http://schemas.microsoft.com/office/drawing/2014/main" id="{BD91D3A2-5EEB-48C7-A374-4FF07761FE67}"/>
+              </a:ext>
+            </a:extLst>
+          </p:cNvPr>
+          <p:cNvSpPr txBox="1"/>
+          <p:nvPr/>
+        </p:nvSpPr>
+        <p:spPr>
+          <a:xfrm>
+            <a:off x="762000" y="2598389"/>
+            <a:ext cx="8824511" cy="2862322"/>
+          </a:xfrm>
+          <a:prstGeom prst="rect">
+            <a:avLst/>
+          </a:prstGeom>
+          <a:noFill/>
+        </p:spPr>
+        <p:txBody>
+          <a:bodyPr wrap="square">
+            <a:spAutoFit/>
+          </a:bodyPr>
+          <a:lstStyle/>
+          <a:p>
+            <a:r>
+              <a:rPr lang="en-US" altLang="zh-TW" sz="2000" dirty="0">
+                <a:solidFill>
+                  <a:srgbClr val="E0E2E4"/>
+                </a:solidFill>
+                <a:latin typeface="Courier New" panose="02070309020205020404" pitchFamily="49" charset="0"/>
+              </a:rPr>
+              <a:t>chatbot </a:t>
+            </a:r>
+            <a:r>
+              <a:rPr lang="en-US" altLang="zh-TW" sz="2000" dirty="0">
+                <a:solidFill>
+                  <a:srgbClr val="E8E2B7"/>
+                </a:solidFill>
+                <a:latin typeface="Courier New" panose="02070309020205020404" pitchFamily="49" charset="0"/>
+              </a:rPr>
+              <a:t>=</a:t>
+            </a:r>
+            <a:r>
+              <a:rPr lang="en-US" altLang="zh-TW" sz="2000" dirty="0">
+                <a:solidFill>
+                  <a:srgbClr val="E0E2E4"/>
+                </a:solidFill>
+                <a:latin typeface="Courier New" panose="02070309020205020404" pitchFamily="49" charset="0"/>
+              </a:rPr>
+              <a:t> </a:t>
+            </a:r>
+            <a:r>
+              <a:rPr lang="en-US" altLang="zh-TW" sz="2000" dirty="0" err="1">
+                <a:solidFill>
+                  <a:srgbClr val="E0E2E4"/>
+                </a:solidFill>
+                <a:latin typeface="Courier New" panose="02070309020205020404" pitchFamily="49" charset="0"/>
+              </a:rPr>
+              <a:t>ChatBot</a:t>
+            </a:r>
+            <a:r>
+              <a:rPr lang="en-US" altLang="zh-TW" sz="2000" dirty="0">
+                <a:solidFill>
+                  <a:srgbClr val="E8E2B7"/>
+                </a:solidFill>
+                <a:latin typeface="Courier New" panose="02070309020205020404" pitchFamily="49" charset="0"/>
+              </a:rPr>
+              <a:t>(</a:t>
+            </a:r>
+            <a:r>
+              <a:rPr lang="en-US" altLang="zh-TW" sz="2000" dirty="0">
+                <a:solidFill>
+                  <a:srgbClr val="FF8409"/>
+                </a:solidFill>
+                <a:latin typeface="Courier New" panose="02070309020205020404" pitchFamily="49" charset="0"/>
+              </a:rPr>
+              <a:t>'Export Example Bot'</a:t>
+            </a:r>
+            <a:r>
+              <a:rPr lang="en-US" altLang="zh-TW" sz="2000" dirty="0">
+                <a:solidFill>
+                  <a:srgbClr val="E8E2B7"/>
+                </a:solidFill>
+                <a:latin typeface="Courier New" panose="02070309020205020404" pitchFamily="49" charset="0"/>
+              </a:rPr>
+              <a:t>)</a:t>
+            </a:r>
+            <a:endParaRPr lang="en-US" altLang="zh-TW" sz="2000" dirty="0">
+              <a:solidFill>
+                <a:srgbClr val="E0E2E4"/>
+              </a:solidFill>
+              <a:latin typeface="Courier New" panose="02070309020205020404" pitchFamily="49" charset="0"/>
+            </a:endParaRPr>
+          </a:p>
+          <a:p>
+            <a:endParaRPr lang="zh-TW" altLang="en-US" sz="2000" dirty="0">
+              <a:solidFill>
+                <a:srgbClr val="E0E2E4"/>
+              </a:solidFill>
+              <a:latin typeface="Courier New" panose="02070309020205020404" pitchFamily="49" charset="0"/>
+            </a:endParaRPr>
+          </a:p>
+          <a:p>
+            <a:r>
+              <a:rPr lang="en-US" altLang="zh-TW" sz="2000" dirty="0">
+                <a:solidFill>
+                  <a:srgbClr val="66747B"/>
+                </a:solidFill>
+                <a:latin typeface="Courier New" panose="02070309020205020404" pitchFamily="49" charset="0"/>
+              </a:rPr>
+              <a:t># First, lets train our bot with some data</a:t>
+            </a:r>
+            <a:endParaRPr lang="en-US" altLang="zh-TW" sz="2000" dirty="0">
+              <a:solidFill>
+                <a:srgbClr val="E0E2E4"/>
+              </a:solidFill>
+              <a:latin typeface="Courier New" panose="02070309020205020404" pitchFamily="49" charset="0"/>
+            </a:endParaRPr>
+          </a:p>
+          <a:p>
+            <a:r>
+              <a:rPr lang="en-US" altLang="zh-TW" sz="2000" dirty="0">
+                <a:solidFill>
+                  <a:srgbClr val="E0E2E4"/>
+                </a:solidFill>
+                <a:latin typeface="Courier New" panose="02070309020205020404" pitchFamily="49" charset="0"/>
+              </a:rPr>
+              <a:t>trainer </a:t>
+            </a:r>
+            <a:r>
+              <a:rPr lang="en-US" altLang="zh-TW" sz="2000" dirty="0">
+                <a:solidFill>
+                  <a:srgbClr val="E8E2B7"/>
+                </a:solidFill>
+                <a:latin typeface="Courier New" panose="02070309020205020404" pitchFamily="49" charset="0"/>
+              </a:rPr>
+              <a:t>=</a:t>
+            </a:r>
+            <a:r>
+              <a:rPr lang="en-US" altLang="zh-TW" sz="2000" dirty="0">
+                <a:solidFill>
+                  <a:srgbClr val="E0E2E4"/>
+                </a:solidFill>
+                <a:latin typeface="Courier New" panose="02070309020205020404" pitchFamily="49" charset="0"/>
+              </a:rPr>
+              <a:t> </a:t>
+            </a:r>
+            <a:r>
+              <a:rPr lang="en-US" altLang="zh-TW" sz="2000" dirty="0" err="1">
+                <a:solidFill>
+                  <a:srgbClr val="E0E2E4"/>
+                </a:solidFill>
+                <a:latin typeface="Courier New" panose="02070309020205020404" pitchFamily="49" charset="0"/>
+              </a:rPr>
+              <a:t>ChatterBotCorpusTrainer</a:t>
+            </a:r>
+            <a:r>
+              <a:rPr lang="en-US" altLang="zh-TW" sz="2000" dirty="0">
+                <a:solidFill>
+                  <a:srgbClr val="E8E2B7"/>
+                </a:solidFill>
+                <a:latin typeface="Courier New" panose="02070309020205020404" pitchFamily="49" charset="0"/>
+              </a:rPr>
+              <a:t>(</a:t>
+            </a:r>
+            <a:r>
+              <a:rPr lang="en-US" altLang="zh-TW" sz="2000" dirty="0">
+                <a:solidFill>
+                  <a:srgbClr val="E0E2E4"/>
+                </a:solidFill>
+                <a:latin typeface="Courier New" panose="02070309020205020404" pitchFamily="49" charset="0"/>
+              </a:rPr>
+              <a:t>chatbot</a:t>
+            </a:r>
+            <a:r>
+              <a:rPr lang="en-US" altLang="zh-TW" sz="2000" dirty="0">
+                <a:solidFill>
+                  <a:srgbClr val="E8E2B7"/>
+                </a:solidFill>
+                <a:latin typeface="Courier New" panose="02070309020205020404" pitchFamily="49" charset="0"/>
+              </a:rPr>
+              <a:t>)</a:t>
+            </a:r>
+            <a:endParaRPr lang="en-US" altLang="zh-TW" sz="2000" dirty="0">
+              <a:solidFill>
+                <a:srgbClr val="E0E2E4"/>
+              </a:solidFill>
+              <a:latin typeface="Courier New" panose="02070309020205020404" pitchFamily="49" charset="0"/>
+            </a:endParaRPr>
+          </a:p>
+          <a:p>
+            <a:endParaRPr lang="zh-TW" altLang="en-US" sz="2000" dirty="0">
+              <a:solidFill>
+                <a:srgbClr val="E0E2E4"/>
+              </a:solidFill>
+              <a:latin typeface="Courier New" panose="02070309020205020404" pitchFamily="49" charset="0"/>
+            </a:endParaRPr>
+          </a:p>
+          <a:p>
+            <a:r>
+              <a:rPr lang="en-US" altLang="zh-TW" sz="2000" dirty="0" err="1">
+                <a:solidFill>
+                  <a:srgbClr val="E0E2E4"/>
+                </a:solidFill>
+                <a:latin typeface="Courier New" panose="02070309020205020404" pitchFamily="49" charset="0"/>
+              </a:rPr>
+              <a:t>trainer</a:t>
+            </a:r>
+            <a:r>
+              <a:rPr lang="en-US" altLang="zh-TW" sz="2000" dirty="0" err="1">
+                <a:solidFill>
+                  <a:srgbClr val="E8E2B7"/>
+                </a:solidFill>
+                <a:latin typeface="Courier New" panose="02070309020205020404" pitchFamily="49" charset="0"/>
+              </a:rPr>
+              <a:t>.</a:t>
+            </a:r>
+            <a:r>
+              <a:rPr lang="en-US" altLang="zh-TW" sz="2000" dirty="0" err="1">
+                <a:solidFill>
+                  <a:srgbClr val="E0E2E4"/>
+                </a:solidFill>
+                <a:latin typeface="Courier New" panose="02070309020205020404" pitchFamily="49" charset="0"/>
+              </a:rPr>
+              <a:t>train</a:t>
+            </a:r>
+            <a:r>
+              <a:rPr lang="en-US" altLang="zh-TW" sz="2000" dirty="0">
+                <a:solidFill>
+                  <a:srgbClr val="E8E2B7"/>
+                </a:solidFill>
+                <a:latin typeface="Courier New" panose="02070309020205020404" pitchFamily="49" charset="0"/>
+              </a:rPr>
+              <a:t>(</a:t>
+            </a:r>
+            <a:r>
+              <a:rPr lang="en-US" altLang="zh-TW" sz="2000" dirty="0">
+                <a:solidFill>
+                  <a:srgbClr val="FF8409"/>
+                </a:solidFill>
+                <a:latin typeface="Courier New" panose="02070309020205020404" pitchFamily="49" charset="0"/>
+              </a:rPr>
+              <a:t>'</a:t>
+            </a:r>
+            <a:r>
+              <a:rPr lang="en-US" altLang="zh-TW" sz="2000" dirty="0" err="1">
+                <a:solidFill>
+                  <a:srgbClr val="FF8409"/>
+                </a:solidFill>
+                <a:latin typeface="Courier New" panose="02070309020205020404" pitchFamily="49" charset="0"/>
+              </a:rPr>
+              <a:t>chatterbot.corpus.english</a:t>
+            </a:r>
+            <a:r>
+              <a:rPr lang="en-US" altLang="zh-TW" sz="2000" dirty="0">
+                <a:solidFill>
+                  <a:srgbClr val="FF8409"/>
+                </a:solidFill>
+                <a:latin typeface="Courier New" panose="02070309020205020404" pitchFamily="49" charset="0"/>
+              </a:rPr>
+              <a:t>'</a:t>
+            </a:r>
+            <a:r>
+              <a:rPr lang="en-US" altLang="zh-TW" sz="2000" dirty="0">
+                <a:solidFill>
+                  <a:srgbClr val="E8E2B7"/>
+                </a:solidFill>
+                <a:latin typeface="Courier New" panose="02070309020205020404" pitchFamily="49" charset="0"/>
+              </a:rPr>
+              <a:t>)</a:t>
+            </a:r>
+            <a:endParaRPr lang="en-US" altLang="zh-TW" sz="2000" dirty="0">
+              <a:solidFill>
+                <a:srgbClr val="E0E2E4"/>
+              </a:solidFill>
+              <a:latin typeface="Courier New" panose="02070309020205020404" pitchFamily="49" charset="0"/>
+            </a:endParaRPr>
+          </a:p>
+          <a:p>
+            <a:endParaRPr lang="zh-TW" altLang="en-US" sz="2000" dirty="0">
+              <a:solidFill>
+                <a:srgbClr val="E0E2E4"/>
+              </a:solidFill>
+              <a:latin typeface="Courier New" panose="02070309020205020404" pitchFamily="49" charset="0"/>
+            </a:endParaRPr>
+          </a:p>
+          <a:p>
+            <a:r>
+              <a:rPr lang="en-US" altLang="zh-TW" sz="2000" dirty="0">
+                <a:solidFill>
+                  <a:srgbClr val="66747B"/>
+                </a:solidFill>
+                <a:latin typeface="Courier New" panose="02070309020205020404" pitchFamily="49" charset="0"/>
+              </a:rPr>
+              <a:t># Now we can export the data to a file</a:t>
+            </a:r>
+            <a:endParaRPr lang="en-US" altLang="zh-TW" sz="2000" dirty="0">
+              <a:solidFill>
+                <a:srgbClr val="E0E2E4"/>
+              </a:solidFill>
+              <a:latin typeface="Courier New" panose="02070309020205020404" pitchFamily="49" charset="0"/>
+            </a:endParaRPr>
+          </a:p>
+          <a:p>
+            <a:r>
+              <a:rPr lang="en-US" altLang="zh-TW" sz="2000" dirty="0" err="1">
+                <a:solidFill>
+                  <a:srgbClr val="E0E2E4"/>
+                </a:solidFill>
+                <a:latin typeface="Courier New" panose="02070309020205020404" pitchFamily="49" charset="0"/>
+              </a:rPr>
+              <a:t>trainer</a:t>
+            </a:r>
+            <a:r>
+              <a:rPr lang="en-US" altLang="zh-TW" sz="2000" dirty="0" err="1">
+                <a:solidFill>
+                  <a:srgbClr val="E8E2B7"/>
+                </a:solidFill>
+                <a:latin typeface="Courier New" panose="02070309020205020404" pitchFamily="49" charset="0"/>
+              </a:rPr>
+              <a:t>.</a:t>
+            </a:r>
+            <a:r>
+              <a:rPr lang="en-US" altLang="zh-TW" sz="2000" dirty="0" err="1">
+                <a:solidFill>
+                  <a:srgbClr val="E0E2E4"/>
+                </a:solidFill>
+                <a:latin typeface="Courier New" panose="02070309020205020404" pitchFamily="49" charset="0"/>
+              </a:rPr>
+              <a:t>export_for_training</a:t>
+            </a:r>
+            <a:r>
+              <a:rPr lang="en-US" altLang="zh-TW" sz="2000" dirty="0">
+                <a:solidFill>
+                  <a:srgbClr val="E8E2B7"/>
+                </a:solidFill>
+                <a:latin typeface="Courier New" panose="02070309020205020404" pitchFamily="49" charset="0"/>
+              </a:rPr>
+              <a:t>(</a:t>
+            </a:r>
+            <a:r>
+              <a:rPr lang="en-US" altLang="zh-TW" sz="2000" dirty="0">
+                <a:solidFill>
+                  <a:srgbClr val="FF8409"/>
+                </a:solidFill>
+                <a:latin typeface="Courier New" panose="02070309020205020404" pitchFamily="49" charset="0"/>
+              </a:rPr>
+              <a:t>'./</a:t>
+            </a:r>
+            <a:r>
+              <a:rPr lang="en-US" altLang="zh-TW" sz="2000" dirty="0" err="1">
+                <a:solidFill>
+                  <a:srgbClr val="FF8409"/>
+                </a:solidFill>
+                <a:latin typeface="Courier New" panose="02070309020205020404" pitchFamily="49" charset="0"/>
+              </a:rPr>
+              <a:t>my_export.json</a:t>
+            </a:r>
+            <a:r>
+              <a:rPr lang="en-US" altLang="zh-TW" sz="2000" dirty="0">
+                <a:solidFill>
+                  <a:srgbClr val="FF8409"/>
+                </a:solidFill>
+                <a:latin typeface="Courier New" panose="02070309020205020404" pitchFamily="49" charset="0"/>
+              </a:rPr>
+              <a:t>'</a:t>
+            </a:r>
+            <a:r>
+              <a:rPr lang="en-US" altLang="zh-TW" sz="2000" dirty="0">
+                <a:solidFill>
+                  <a:srgbClr val="E8E2B7"/>
+                </a:solidFill>
+                <a:latin typeface="Courier New" panose="02070309020205020404" pitchFamily="49" charset="0"/>
+              </a:rPr>
+              <a:t>)</a:t>
+            </a:r>
+            <a:endParaRPr lang="zh-TW" altLang="en-US" sz="2000" dirty="0"/>
           </a:p>
         </p:txBody>
       </p:sp>
@@ -10330,13 +13085,13 @@
   <p:clrMapOvr>
     <a:masterClrMapping/>
   </p:clrMapOvr>
-  <mc:AlternateContent xmlns:mc="http://schemas.openxmlformats.org/markup-compatibility/2006">
-    <mc:Choice xmlns:p159="http://schemas.microsoft.com/office/powerpoint/2015/09/main" Requires="p159">
+  <mc:AlternateContent xmlns:mc="http://schemas.openxmlformats.org/markup-compatibility/2006" xmlns:p159="http://schemas.microsoft.com/office/powerpoint/2015/09/main">
+    <mc:Choice Requires="p159">
       <p:transition xmlns:p14="http://schemas.microsoft.com/office/powerpoint/2010/main" spd="slow" p14:dur="2000">
         <p159:morph option="byObject"/>
       </p:transition>
     </mc:Choice>
-    <mc:Fallback>
+    <mc:Fallback xmlns="">
       <p:transition spd="slow">
         <p:fade/>
       </p:transition>
@@ -10345,7 +13100,7 @@
 </p:sld>
 </file>
 
-<file path=ppt/slides/slide23.xml><?xml version="1.0" encoding="utf-8"?>
+<file path=ppt/slides/slide21.xml><?xml version="1.0" encoding="utf-8"?>
 <p:sld xmlns:a="http://schemas.openxmlformats.org/drawingml/2006/main" xmlns:r="http://schemas.openxmlformats.org/officeDocument/2006/relationships" xmlns:p="http://schemas.openxmlformats.org/presentationml/2006/main">
   <p:cSld>
     <p:bg>
@@ -11392,13 +14147,13 @@
   <p:clrMapOvr>
     <a:masterClrMapping/>
   </p:clrMapOvr>
-  <mc:AlternateContent xmlns:mc="http://schemas.openxmlformats.org/markup-compatibility/2006">
-    <mc:Choice xmlns:p159="http://schemas.microsoft.com/office/powerpoint/2015/09/main" Requires="p159">
+  <mc:AlternateContent xmlns:mc="http://schemas.openxmlformats.org/markup-compatibility/2006" xmlns:p159="http://schemas.microsoft.com/office/powerpoint/2015/09/main">
+    <mc:Choice Requires="p159">
       <p:transition xmlns:p14="http://schemas.microsoft.com/office/powerpoint/2010/main" spd="slow" p14:dur="2000">
         <p159:morph option="byObject"/>
       </p:transition>
     </mc:Choice>
-    <mc:Fallback>
+    <mc:Fallback xmlns="">
       <p:transition spd="slow">
         <p:fade/>
       </p:transition>
@@ -11407,7 +14162,7 @@
 </p:sld>
 </file>
 
-<file path=ppt/slides/slide24.xml><?xml version="1.0" encoding="utf-8"?>
+<file path=ppt/slides/slide22.xml><?xml version="1.0" encoding="utf-8"?>
 <p:sld xmlns:a="http://schemas.openxmlformats.org/drawingml/2006/main" xmlns:r="http://schemas.openxmlformats.org/officeDocument/2006/relationships" xmlns:p="http://schemas.openxmlformats.org/presentationml/2006/main">
   <p:cSld>
     <p:spTree>
@@ -11445,6 +14200,14 @@
           <a:bodyPr/>
           <a:lstStyle/>
           <a:p>
+            <a:r>
+              <a:rPr lang="zh-TW" altLang="en-US" dirty="0"/>
+              <a:t>訓練一個繁體中文 </a:t>
+            </a:r>
+            <a:r>
+              <a:rPr lang="en-US" altLang="zh-TW" dirty="0" err="1"/>
+              <a:t>ChatBot</a:t>
+            </a:r>
             <a:endParaRPr lang="zh-TW" altLang="en-US" dirty="0"/>
           </a:p>
         </p:txBody>
@@ -11470,7 +14233,76 @@
           <a:bodyPr/>
           <a:lstStyle/>
           <a:p>
-            <a:endParaRPr lang="zh-TW" altLang="en-US"/>
+            <a:pPr marL="0" indent="0">
+              <a:buNone/>
+            </a:pPr>
+            <a:r>
+              <a:rPr lang="en-US" altLang="zh-TW" b="1" dirty="0"/>
+              <a:t>TENET.txt </a:t>
+            </a:r>
+            <a:r>
+              <a:rPr lang="zh-TW" altLang="en-US" dirty="0"/>
+              <a:t>是電影</a:t>
+            </a:r>
+            <a:r>
+              <a:rPr lang="en-US" altLang="zh-TW" dirty="0"/>
+              <a:t>《</a:t>
+            </a:r>
+            <a:r>
+              <a:rPr lang="zh-TW" altLang="en-US" dirty="0"/>
+              <a:t>天能</a:t>
+            </a:r>
+            <a:r>
+              <a:rPr lang="en-US" altLang="zh-TW" dirty="0"/>
+              <a:t>》</a:t>
+            </a:r>
+            <a:r>
+              <a:rPr lang="zh-TW" altLang="en-US" dirty="0"/>
+              <a:t>的繁體中文字幕文字檔，請使用這份資料訓練一個繁體中文的 </a:t>
+            </a:r>
+            <a:r>
+              <a:rPr lang="en-US" altLang="zh-TW" dirty="0" err="1"/>
+              <a:t>ChatterBot</a:t>
+            </a:r>
+            <a:r>
+              <a:rPr lang="en-US" altLang="zh-TW" dirty="0"/>
+              <a:t> (</a:t>
+            </a:r>
+            <a:r>
+              <a:rPr lang="zh-TW" altLang="en-US" dirty="0"/>
+              <a:t>雖然它只會講很瞎的電影台詞</a:t>
+            </a:r>
+            <a:r>
+              <a:rPr lang="en-US" altLang="zh-TW" dirty="0"/>
+              <a:t>)</a:t>
+            </a:r>
+            <a:r>
+              <a:rPr lang="zh-TW" altLang="en-US" b="1" dirty="0"/>
+              <a:t>。</a:t>
+            </a:r>
+          </a:p>
+          <a:p>
+            <a:endParaRPr lang="zh-TW" altLang="en-US" dirty="0"/>
+          </a:p>
+          <a:p>
+            <a:r>
+              <a:rPr lang="zh-TW" altLang="en-US" dirty="0"/>
+              <a:t>請設定使它在回應的信心不超過</a:t>
+            </a:r>
+            <a:r>
+              <a:rPr lang="en-US" altLang="zh-TW" dirty="0"/>
+              <a:t>0.5</a:t>
+            </a:r>
+            <a:r>
+              <a:rPr lang="zh-TW" altLang="en-US" dirty="0"/>
+              <a:t>時，一律回答「抱歉，我不太懂。」</a:t>
+            </a:r>
+          </a:p>
+          <a:p>
+            <a:r>
+              <a:rPr lang="zh-TW" altLang="en-US" dirty="0"/>
+              <a:t>請和它對話以確認是否有正確訓練</a:t>
+            </a:r>
           </a:p>
         </p:txBody>
       </p:sp>
@@ -11484,197 +14316,13 @@
   <p:clrMapOvr>
     <a:masterClrMapping/>
   </p:clrMapOvr>
-  <mc:AlternateContent xmlns:mc="http://schemas.openxmlformats.org/markup-compatibility/2006">
-    <mc:Choice xmlns:p159="http://schemas.microsoft.com/office/powerpoint/2015/09/main" Requires="p159">
+  <mc:AlternateContent xmlns:mc="http://schemas.openxmlformats.org/markup-compatibility/2006" xmlns:p159="http://schemas.microsoft.com/office/powerpoint/2015/09/main">
+    <mc:Choice Requires="p159">
       <p:transition xmlns:p14="http://schemas.microsoft.com/office/powerpoint/2010/main" spd="slow" p14:dur="2000">
         <p159:morph option="byObject"/>
       </p:transition>
     </mc:Choice>
-    <mc:Fallback>
-      <p:transition spd="slow">
-        <p:fade/>
-      </p:transition>
-    </mc:Fallback>
-  </mc:AlternateContent>
-</p:sld>
-</file>
-
-<file path=ppt/slides/slide25.xml><?xml version="1.0" encoding="utf-8"?>
-<p:sld xmlns:a="http://schemas.openxmlformats.org/drawingml/2006/main" xmlns:r="http://schemas.openxmlformats.org/officeDocument/2006/relationships" xmlns:p="http://schemas.openxmlformats.org/presentationml/2006/main">
-  <p:cSld>
-    <p:spTree>
-      <p:nvGrpSpPr>
-        <p:cNvPr id="1" name=""/>
-        <p:cNvGrpSpPr/>
-        <p:nvPr/>
-      </p:nvGrpSpPr>
-      <p:grpSpPr>
-        <a:xfrm>
-          <a:off x="0" y="0"/>
-          <a:ext cx="0" cy="0"/>
-          <a:chOff x="0" y="0"/>
-          <a:chExt cx="0" cy="0"/>
-        </a:xfrm>
-      </p:grpSpPr>
-      <p:sp>
-        <p:nvSpPr>
-          <p:cNvPr id="2" name="標題 1">
-            <a:extLst>
-              <a:ext uri="{FF2B5EF4-FFF2-40B4-BE49-F238E27FC236}">
-                <a16:creationId xmlns:a16="http://schemas.microsoft.com/office/drawing/2014/main" id="{0E46A5CA-D3FC-490D-95B2-5D50AFFD54F6}"/>
-              </a:ext>
-            </a:extLst>
-          </p:cNvPr>
-          <p:cNvSpPr>
-            <a:spLocks noGrp="1"/>
-          </p:cNvSpPr>
-          <p:nvPr>
-            <p:ph type="title"/>
-          </p:nvPr>
-        </p:nvSpPr>
-        <p:spPr/>
-        <p:txBody>
-          <a:bodyPr/>
-          <a:lstStyle/>
-          <a:p>
-            <a:endParaRPr lang="zh-TW" altLang="en-US"/>
-          </a:p>
-        </p:txBody>
-      </p:sp>
-      <p:sp>
-        <p:nvSpPr>
-          <p:cNvPr id="3" name="內容版面配置區 2">
-            <a:extLst>
-              <a:ext uri="{FF2B5EF4-FFF2-40B4-BE49-F238E27FC236}">
-                <a16:creationId xmlns:a16="http://schemas.microsoft.com/office/drawing/2014/main" id="{1E642938-07AB-40D8-9487-D12C03F6B489}"/>
-              </a:ext>
-            </a:extLst>
-          </p:cNvPr>
-          <p:cNvSpPr>
-            <a:spLocks noGrp="1"/>
-          </p:cNvSpPr>
-          <p:nvPr>
-            <p:ph idx="1"/>
-          </p:nvPr>
-        </p:nvSpPr>
-        <p:spPr/>
-        <p:txBody>
-          <a:bodyPr/>
-          <a:lstStyle/>
-          <a:p>
-            <a:endParaRPr lang="zh-TW" altLang="en-US"/>
-          </a:p>
-        </p:txBody>
-      </p:sp>
-    </p:spTree>
-    <p:extLst>
-      <p:ext uri="{BB962C8B-B14F-4D97-AF65-F5344CB8AC3E}">
-        <p14:creationId xmlns:p14="http://schemas.microsoft.com/office/powerpoint/2010/main" val="4266037175"/>
-      </p:ext>
-    </p:extLst>
-  </p:cSld>
-  <p:clrMapOvr>
-    <a:masterClrMapping/>
-  </p:clrMapOvr>
-  <mc:AlternateContent xmlns:mc="http://schemas.openxmlformats.org/markup-compatibility/2006">
-    <mc:Choice xmlns:p159="http://schemas.microsoft.com/office/powerpoint/2015/09/main" Requires="p159">
-      <p:transition xmlns:p14="http://schemas.microsoft.com/office/powerpoint/2010/main" spd="slow" p14:dur="2000">
-        <p159:morph option="byObject"/>
-      </p:transition>
-    </mc:Choice>
-    <mc:Fallback>
-      <p:transition spd="slow">
-        <p:fade/>
-      </p:transition>
-    </mc:Fallback>
-  </mc:AlternateContent>
-</p:sld>
-</file>
-
-<file path=ppt/slides/slide26.xml><?xml version="1.0" encoding="utf-8"?>
-<p:sld xmlns:a="http://schemas.openxmlformats.org/drawingml/2006/main" xmlns:r="http://schemas.openxmlformats.org/officeDocument/2006/relationships" xmlns:p="http://schemas.openxmlformats.org/presentationml/2006/main">
-  <p:cSld>
-    <p:spTree>
-      <p:nvGrpSpPr>
-        <p:cNvPr id="1" name=""/>
-        <p:cNvGrpSpPr/>
-        <p:nvPr/>
-      </p:nvGrpSpPr>
-      <p:grpSpPr>
-        <a:xfrm>
-          <a:off x="0" y="0"/>
-          <a:ext cx="0" cy="0"/>
-          <a:chOff x="0" y="0"/>
-          <a:chExt cx="0" cy="0"/>
-        </a:xfrm>
-      </p:grpSpPr>
-      <p:sp>
-        <p:nvSpPr>
-          <p:cNvPr id="2" name="標題 1">
-            <a:extLst>
-              <a:ext uri="{FF2B5EF4-FFF2-40B4-BE49-F238E27FC236}">
-                <a16:creationId xmlns:a16="http://schemas.microsoft.com/office/drawing/2014/main" id="{B192F23B-57FF-4C35-85E4-9548B0834240}"/>
-              </a:ext>
-            </a:extLst>
-          </p:cNvPr>
-          <p:cNvSpPr>
-            <a:spLocks noGrp="1"/>
-          </p:cNvSpPr>
-          <p:nvPr>
-            <p:ph type="title"/>
-          </p:nvPr>
-        </p:nvSpPr>
-        <p:spPr/>
-        <p:txBody>
-          <a:bodyPr/>
-          <a:lstStyle/>
-          <a:p>
-            <a:endParaRPr lang="zh-TW" altLang="en-US"/>
-          </a:p>
-        </p:txBody>
-      </p:sp>
-      <p:sp>
-        <p:nvSpPr>
-          <p:cNvPr id="3" name="內容版面配置區 2">
-            <a:extLst>
-              <a:ext uri="{FF2B5EF4-FFF2-40B4-BE49-F238E27FC236}">
-                <a16:creationId xmlns:a16="http://schemas.microsoft.com/office/drawing/2014/main" id="{4F27044D-E947-4F6F-91B7-D289CD2D6FF6}"/>
-              </a:ext>
-            </a:extLst>
-          </p:cNvPr>
-          <p:cNvSpPr>
-            <a:spLocks noGrp="1"/>
-          </p:cNvSpPr>
-          <p:nvPr>
-            <p:ph idx="1"/>
-          </p:nvPr>
-        </p:nvSpPr>
-        <p:spPr/>
-        <p:txBody>
-          <a:bodyPr/>
-          <a:lstStyle/>
-          <a:p>
-            <a:endParaRPr lang="zh-TW" altLang="en-US"/>
-          </a:p>
-        </p:txBody>
-      </p:sp>
-    </p:spTree>
-    <p:extLst>
-      <p:ext uri="{BB962C8B-B14F-4D97-AF65-F5344CB8AC3E}">
-        <p14:creationId xmlns:p14="http://schemas.microsoft.com/office/powerpoint/2010/main" val="1763753400"/>
-      </p:ext>
-    </p:extLst>
-  </p:cSld>
-  <p:clrMapOvr>
-    <a:masterClrMapping/>
-  </p:clrMapOvr>
-  <mc:AlternateContent xmlns:mc="http://schemas.openxmlformats.org/markup-compatibility/2006">
-    <mc:Choice xmlns:p159="http://schemas.microsoft.com/office/powerpoint/2015/09/main" Requires="p159">
-      <p:transition xmlns:p14="http://schemas.microsoft.com/office/powerpoint/2010/main" spd="slow" p14:dur="2000">
-        <p159:morph option="byObject"/>
-      </p:transition>
-    </mc:Choice>
-    <mc:Fallback>
+    <mc:Fallback xmlns="">
       <p:transition spd="slow">
         <p:fade/>
       </p:transition>
@@ -11705,7 +14353,7 @@
           <p:cNvPr id="2" name="標題 1">
             <a:extLst>
               <a:ext uri="{FF2B5EF4-FFF2-40B4-BE49-F238E27FC236}">
-                <a16:creationId xmlns:a16="http://schemas.microsoft.com/office/drawing/2014/main" id="{9B79451D-F2C4-46DD-BF45-1BCB1FDB5704}"/>
+                <a16:creationId xmlns:a16="http://schemas.microsoft.com/office/drawing/2014/main" id="{C74D4C32-9332-4C5A-9DF2-8DF39446C359}"/>
               </a:ext>
             </a:extLst>
           </p:cNvPr>
@@ -11722,18 +14370,9 @@
           <a:lstStyle/>
           <a:p>
             <a:r>
-              <a:rPr lang="en-US" altLang="zh-TW" dirty="0"/>
-              <a:t>What is </a:t>
-            </a:r>
-            <a:r>
-              <a:rPr lang="en-US" altLang="zh-TW" sz="6000" dirty="0" err="1"/>
-              <a:t>ChatterBot</a:t>
-            </a:r>
-            <a:r>
-              <a:rPr lang="en-US" altLang="zh-TW" dirty="0"/>
-              <a:t>?</a:t>
-            </a:r>
-            <a:endParaRPr lang="zh-TW" altLang="en-US" dirty="0"/>
+              <a:rPr lang="zh-TW" altLang="en-US" dirty="0"/>
+              <a:t>下載語料庫</a:t>
+            </a:r>
           </a:p>
         </p:txBody>
       </p:sp>
@@ -11742,7 +14381,7 @@
           <p:cNvPr id="3" name="內容版面配置區 2">
             <a:extLst>
               <a:ext uri="{FF2B5EF4-FFF2-40B4-BE49-F238E27FC236}">
-                <a16:creationId xmlns:a16="http://schemas.microsoft.com/office/drawing/2014/main" id="{8D370E3B-B264-45BB-BB0A-BEADED559F75}"/>
+                <a16:creationId xmlns:a16="http://schemas.microsoft.com/office/drawing/2014/main" id="{56C7B843-ECCF-44C1-9811-04E8B7D2B518}"/>
               </a:ext>
             </a:extLst>
           </p:cNvPr>
@@ -11755,45 +14394,82 @@
         </p:nvSpPr>
         <p:spPr/>
         <p:txBody>
-          <a:bodyPr/>
+          <a:bodyPr>
+            <a:normAutofit fontScale="85000" lnSpcReduction="20000"/>
+          </a:bodyPr>
           <a:lstStyle/>
           <a:p>
-            <a:r>
-              <a:rPr lang="en-US" altLang="zh-TW" dirty="0" err="1"/>
-              <a:t>ChatterBot</a:t>
-            </a:r>
-            <a:r>
-              <a:rPr lang="zh-TW" altLang="en-US" dirty="0"/>
-              <a:t>是使用</a:t>
-            </a:r>
-            <a:r>
-              <a:rPr lang="en-US" altLang="zh-TW" dirty="0"/>
-              <a:t>Python</a:t>
-            </a:r>
-            <a:r>
-              <a:rPr lang="zh-TW" altLang="en-US" dirty="0"/>
-              <a:t>構建的基於機器學習的對話引擎，它可以基於已知對話的集合來生成回應。 </a:t>
-            </a:r>
-            <a:endParaRPr lang="en-US" altLang="zh-TW" dirty="0"/>
-          </a:p>
-          <a:p>
-            <a:r>
-              <a:rPr lang="en-US" altLang="zh-TW" dirty="0" err="1"/>
-              <a:t>ChatterBot</a:t>
-            </a:r>
-            <a:r>
-              <a:rPr lang="zh-TW" altLang="en-US" dirty="0"/>
-              <a:t>的語言獨立設計使其可以接受任何語言的訓練。</a:t>
+            <a:pPr marL="0" indent="0">
+              <a:buNone/>
+            </a:pPr>
+            <a:r>
+              <a:rPr lang="en-US" altLang="zh-TW" sz="3600" dirty="0">
+                <a:hlinkClick r:id="rId2"/>
+              </a:rPr>
+              <a:t>reurl.cc/2gjkl4</a:t>
+            </a:r>
+            <a:endParaRPr lang="en-US" altLang="zh-TW" sz="3600" dirty="0"/>
+          </a:p>
+          <a:p>
+            <a:pPr marL="0" indent="0">
+              <a:buNone/>
+            </a:pPr>
+            <a:r>
+              <a:rPr lang="en-US" altLang="zh-TW" sz="3600" dirty="0"/>
+              <a:t>or</a:t>
+            </a:r>
+          </a:p>
+          <a:p>
+            <a:pPr marL="0" indent="0">
+              <a:buNone/>
+            </a:pPr>
+            <a:r>
+              <a:rPr lang="en-US" altLang="zh-TW" sz="3600" dirty="0">
+                <a:hlinkClick r:id="rId3"/>
+              </a:rPr>
+              <a:t>https://github.com/gunthercox/chatterbot-corpus</a:t>
+            </a:r>
+            <a:endParaRPr lang="en-US" altLang="zh-TW" sz="3600" dirty="0"/>
+          </a:p>
+          <a:p>
+            <a:pPr marL="0" indent="0">
+              <a:buNone/>
+            </a:pPr>
+            <a:endParaRPr lang="en-US" altLang="zh-TW" sz="3600" dirty="0"/>
+          </a:p>
+          <a:p>
+            <a:pPr marL="0" indent="0">
+              <a:buNone/>
+            </a:pPr>
+            <a:r>
+              <a:rPr lang="zh-TW" altLang="en-US" sz="3600" dirty="0"/>
+              <a:t>把「</a:t>
+            </a:r>
+            <a:r>
+              <a:rPr lang="en-US" altLang="zh-TW" sz="3600" dirty="0" err="1"/>
+              <a:t>chatterbot_corpus</a:t>
+            </a:r>
+            <a:r>
+              <a:rPr lang="zh-TW" altLang="en-US" sz="3600" dirty="0"/>
+              <a:t>」整個資料夾放到</a:t>
+            </a:r>
+            <a:r>
+              <a:rPr lang="en-US" altLang="zh-TW" sz="3600" dirty="0"/>
+              <a:t>C:\Users\your_user_name</a:t>
+            </a:r>
+            <a:r>
+              <a:rPr lang="zh-TW" altLang="en-US" sz="3600" dirty="0"/>
+              <a:t>裡</a:t>
             </a:r>
           </a:p>
         </p:txBody>
       </p:sp>
       <p:sp>
         <p:nvSpPr>
-          <p:cNvPr id="4" name="內容版面配置區 2">
+          <p:cNvPr id="5" name="內容版面配置區 2">
             <a:extLst>
               <a:ext uri="{FF2B5EF4-FFF2-40B4-BE49-F238E27FC236}">
-                <a16:creationId xmlns:a16="http://schemas.microsoft.com/office/drawing/2014/main" id="{0717141D-1007-4933-8AA6-98854B91C5C3}"/>
+                <a16:creationId xmlns:a16="http://schemas.microsoft.com/office/drawing/2014/main" id="{E305CF53-8193-4850-9071-F2DDA4E0335C}"/>
               </a:ext>
             </a:extLst>
           </p:cNvPr>
@@ -12013,7 +14689,7 @@
     </p:spTree>
     <p:extLst>
       <p:ext uri="{BB962C8B-B14F-4D97-AF65-F5344CB8AC3E}">
-        <p14:creationId xmlns:p14="http://schemas.microsoft.com/office/powerpoint/2010/main" val="645426325"/>
+        <p14:creationId xmlns:p14="http://schemas.microsoft.com/office/powerpoint/2010/main" val="2198815456"/>
       </p:ext>
     </p:extLst>
   </p:cSld>
@@ -12074,12 +14750,16 @@
           <a:lstStyle/>
           <a:p>
             <a:r>
-              <a:rPr lang="en-US" altLang="zh-TW" dirty="0"/>
-              <a:t>What is </a:t>
-            </a:r>
-            <a:r>
               <a:rPr lang="en-US" altLang="zh-TW" sz="6000" dirty="0" err="1"/>
               <a:t>ChatterBot</a:t>
+            </a:r>
+            <a:r>
+              <a:rPr lang="en-US" altLang="zh-TW" dirty="0"/>
+              <a:t> </a:t>
+            </a:r>
+            <a:r>
+              <a:rPr lang="zh-TW" altLang="en-US" dirty="0"/>
+              <a:t>是什麼</a:t>
             </a:r>
             <a:r>
               <a:rPr lang="en-US" altLang="zh-TW" dirty="0"/>
@@ -12124,31 +14804,7 @@
             </a:r>
             <a:r>
               <a:rPr lang="zh-TW" altLang="en-US" dirty="0"/>
-              <a:t>構建的</a:t>
-            </a:r>
-            <a:r>
-              <a:rPr lang="zh-TW" altLang="en-US" b="1" u="sng" dirty="0"/>
-              <a:t>基於機器學習</a:t>
-            </a:r>
-            <a:r>
-              <a:rPr lang="zh-TW" altLang="en-US" dirty="0"/>
-              <a:t>的</a:t>
-            </a:r>
-            <a:r>
-              <a:rPr lang="zh-TW" altLang="en-US" b="1" u="sng" dirty="0"/>
-              <a:t>對話引擎</a:t>
-            </a:r>
-            <a:r>
-              <a:rPr lang="zh-TW" altLang="en-US" dirty="0"/>
-              <a:t>，它可以</a:t>
-            </a:r>
-            <a:r>
-              <a:rPr lang="zh-TW" altLang="en-US" b="1" u="sng" dirty="0"/>
-              <a:t>基於已知對話的集合來生成回應</a:t>
-            </a:r>
-            <a:r>
-              <a:rPr lang="zh-TW" altLang="en-US" dirty="0"/>
-              <a:t>。 </a:t>
+              <a:t>構建的基於機器學習的對話引擎，它可以基於已知對話的集合來生成回應。 </a:t>
             </a:r>
             <a:endParaRPr lang="en-US" altLang="zh-TW" dirty="0"/>
           </a:p>
@@ -12159,258 +14815,69 @@
             </a:r>
             <a:r>
               <a:rPr lang="zh-TW" altLang="en-US" dirty="0"/>
-              <a:t>的</a:t>
-            </a:r>
-            <a:r>
-              <a:rPr lang="zh-TW" altLang="en-US" b="1" u="sng" dirty="0"/>
-              <a:t>語言獨立設計</a:t>
-            </a:r>
-            <a:r>
-              <a:rPr lang="zh-TW" altLang="en-US" dirty="0"/>
-              <a:t>使其可以接受任何語言的訓練。</a:t>
+              <a:t>的語言獨立設計使其可以接受任何語言的訓練。</a:t>
             </a:r>
           </a:p>
         </p:txBody>
       </p:sp>
       <p:sp>
         <p:nvSpPr>
-          <p:cNvPr id="4" name="內容版面配置區 2">
+          <p:cNvPr id="6" name="文字方塊 5">
             <a:extLst>
               <a:ext uri="{FF2B5EF4-FFF2-40B4-BE49-F238E27FC236}">
-                <a16:creationId xmlns:a16="http://schemas.microsoft.com/office/drawing/2014/main" id="{0717141D-1007-4933-8AA6-98854B91C5C3}"/>
+                <a16:creationId xmlns:a16="http://schemas.microsoft.com/office/drawing/2014/main" id="{9D7BD766-6F1D-4083-B604-8FB8CF35BFC0}"/>
               </a:ext>
             </a:extLst>
           </p:cNvPr>
-          <p:cNvSpPr txBox="1">
-            <a:spLocks/>
-          </p:cNvSpPr>
+          <p:cNvSpPr txBox="1"/>
           <p:nvPr/>
         </p:nvSpPr>
         <p:spPr>
           <a:xfrm>
-            <a:off x="9184821" y="85725"/>
-            <a:ext cx="2826204" cy="468086"/>
+            <a:off x="9228667" y="177225"/>
+            <a:ext cx="2963333" cy="584775"/>
           </a:xfrm>
           <a:prstGeom prst="rect">
             <a:avLst/>
           </a:prstGeom>
+          <a:noFill/>
         </p:spPr>
         <p:txBody>
-          <a:bodyPr vert="horz" lIns="91440" tIns="45720" rIns="91440" bIns="45720" rtlCol="0">
-            <a:normAutofit/>
+          <a:bodyPr wrap="square">
+            <a:spAutoFit/>
           </a:bodyPr>
-          <a:lstStyle>
-            <a:lvl1pPr marL="228600" indent="-228600" algn="l" defTabSz="914400" rtl="0" eaLnBrk="1" latinLnBrk="0" hangingPunct="1">
-              <a:lnSpc>
-                <a:spcPct val="125000"/>
-              </a:lnSpc>
-              <a:spcBef>
-                <a:spcPts val="1000"/>
-              </a:spcBef>
-              <a:buFont typeface="Arial" panose="020B0604020202020204" pitchFamily="34" charset="0"/>
-              <a:buChar char="•"/>
-              <a:defRPr sz="2800" kern="1200">
-                <a:solidFill>
-                  <a:schemeClr val="tx1">
-                    <a:alpha val="70000"/>
-                  </a:schemeClr>
-                </a:solidFill>
-                <a:latin typeface="+mn-lt"/>
-                <a:ea typeface="+mn-ea"/>
-                <a:cs typeface="+mn-cs"/>
-              </a:defRPr>
-            </a:lvl1pPr>
-            <a:lvl2pPr marL="685800" indent="-228600" algn="l" defTabSz="914400" rtl="0" eaLnBrk="1" latinLnBrk="0" hangingPunct="1">
-              <a:lnSpc>
-                <a:spcPct val="125000"/>
-              </a:lnSpc>
-              <a:spcBef>
-                <a:spcPts val="500"/>
-              </a:spcBef>
-              <a:buFont typeface="Arial" panose="020B0604020202020204" pitchFamily="34" charset="0"/>
-              <a:buChar char="•"/>
-              <a:defRPr sz="2400" kern="1200">
-                <a:solidFill>
-                  <a:schemeClr val="tx1">
-                    <a:alpha val="70000"/>
-                  </a:schemeClr>
-                </a:solidFill>
-                <a:latin typeface="+mn-lt"/>
-                <a:ea typeface="+mn-ea"/>
-                <a:cs typeface="+mn-cs"/>
-              </a:defRPr>
-            </a:lvl2pPr>
-            <a:lvl3pPr marL="1143000" indent="-228600" algn="l" defTabSz="914400" rtl="0" eaLnBrk="1" latinLnBrk="0" hangingPunct="1">
-              <a:lnSpc>
-                <a:spcPct val="125000"/>
-              </a:lnSpc>
-              <a:spcBef>
-                <a:spcPts val="500"/>
-              </a:spcBef>
-              <a:buFont typeface="Arial" panose="020B0604020202020204" pitchFamily="34" charset="0"/>
-              <a:buChar char="•"/>
-              <a:defRPr sz="2000" kern="1200">
-                <a:solidFill>
-                  <a:schemeClr val="tx1">
-                    <a:alpha val="70000"/>
-                  </a:schemeClr>
-                </a:solidFill>
-                <a:latin typeface="+mn-lt"/>
-                <a:ea typeface="+mn-ea"/>
-                <a:cs typeface="+mn-cs"/>
-              </a:defRPr>
-            </a:lvl3pPr>
-            <a:lvl4pPr marL="1600200" indent="-228600" algn="l" defTabSz="914400" rtl="0" eaLnBrk="1" latinLnBrk="0" hangingPunct="1">
-              <a:lnSpc>
-                <a:spcPct val="125000"/>
-              </a:lnSpc>
-              <a:spcBef>
-                <a:spcPts val="500"/>
-              </a:spcBef>
-              <a:buFont typeface="Arial" panose="020B0604020202020204" pitchFamily="34" charset="0"/>
-              <a:buChar char="•"/>
-              <a:defRPr sz="1800" kern="1200">
-                <a:solidFill>
-                  <a:schemeClr val="tx1">
-                    <a:alpha val="70000"/>
-                  </a:schemeClr>
-                </a:solidFill>
-                <a:latin typeface="+mn-lt"/>
-                <a:ea typeface="+mn-ea"/>
-                <a:cs typeface="+mn-cs"/>
-              </a:defRPr>
-            </a:lvl4pPr>
-            <a:lvl5pPr marL="2057400" indent="-228600" algn="l" defTabSz="914400" rtl="0" eaLnBrk="1" latinLnBrk="0" hangingPunct="1">
-              <a:lnSpc>
-                <a:spcPct val="125000"/>
-              </a:lnSpc>
-              <a:spcBef>
-                <a:spcPts val="500"/>
-              </a:spcBef>
-              <a:buFont typeface="Arial" panose="020B0604020202020204" pitchFamily="34" charset="0"/>
-              <a:buChar char="•"/>
-              <a:defRPr sz="1800" kern="1200">
-                <a:solidFill>
-                  <a:schemeClr val="tx1">
-                    <a:alpha val="70000"/>
-                  </a:schemeClr>
-                </a:solidFill>
-                <a:latin typeface="+mn-lt"/>
-                <a:ea typeface="+mn-ea"/>
-                <a:cs typeface="+mn-cs"/>
-              </a:defRPr>
-            </a:lvl5pPr>
-            <a:lvl6pPr marL="2514600" indent="-228600" algn="l" defTabSz="914400" rtl="0" eaLnBrk="1" latinLnBrk="0" hangingPunct="1">
-              <a:lnSpc>
-                <a:spcPct val="90000"/>
-              </a:lnSpc>
-              <a:spcBef>
-                <a:spcPts val="500"/>
-              </a:spcBef>
-              <a:buFont typeface="Arial" panose="020B0604020202020204" pitchFamily="34" charset="0"/>
-              <a:buChar char="•"/>
-              <a:defRPr sz="1800" kern="1200">
-                <a:solidFill>
-                  <a:schemeClr val="tx1"/>
-                </a:solidFill>
-                <a:latin typeface="+mn-lt"/>
-                <a:ea typeface="+mn-ea"/>
-                <a:cs typeface="+mn-cs"/>
-              </a:defRPr>
-            </a:lvl6pPr>
-            <a:lvl7pPr marL="2971800" indent="-228600" algn="l" defTabSz="914400" rtl="0" eaLnBrk="1" latinLnBrk="0" hangingPunct="1">
-              <a:lnSpc>
-                <a:spcPct val="90000"/>
-              </a:lnSpc>
-              <a:spcBef>
-                <a:spcPts val="500"/>
-              </a:spcBef>
-              <a:buFont typeface="Arial" panose="020B0604020202020204" pitchFamily="34" charset="0"/>
-              <a:buChar char="•"/>
-              <a:defRPr sz="1800" kern="1200">
-                <a:solidFill>
-                  <a:schemeClr val="tx1"/>
-                </a:solidFill>
-                <a:latin typeface="+mn-lt"/>
-                <a:ea typeface="+mn-ea"/>
-                <a:cs typeface="+mn-cs"/>
-              </a:defRPr>
-            </a:lvl7pPr>
-            <a:lvl8pPr marL="3429000" indent="-228600" algn="l" defTabSz="914400" rtl="0" eaLnBrk="1" latinLnBrk="0" hangingPunct="1">
-              <a:lnSpc>
-                <a:spcPct val="90000"/>
-              </a:lnSpc>
-              <a:spcBef>
-                <a:spcPts val="500"/>
-              </a:spcBef>
-              <a:buFont typeface="Arial" panose="020B0604020202020204" pitchFamily="34" charset="0"/>
-              <a:buChar char="•"/>
-              <a:defRPr sz="1800" kern="1200">
-                <a:solidFill>
-                  <a:schemeClr val="tx1"/>
-                </a:solidFill>
-                <a:latin typeface="+mn-lt"/>
-                <a:ea typeface="+mn-ea"/>
-                <a:cs typeface="+mn-cs"/>
-              </a:defRPr>
-            </a:lvl8pPr>
-            <a:lvl9pPr marL="3886200" indent="-228600" algn="l" defTabSz="914400" rtl="0" eaLnBrk="1" latinLnBrk="0" hangingPunct="1">
-              <a:lnSpc>
-                <a:spcPct val="90000"/>
-              </a:lnSpc>
-              <a:spcBef>
-                <a:spcPts val="500"/>
-              </a:spcBef>
-              <a:buFont typeface="Arial" panose="020B0604020202020204" pitchFamily="34" charset="0"/>
-              <a:buChar char="•"/>
-              <a:defRPr sz="1800" kern="1200">
-                <a:solidFill>
-                  <a:schemeClr val="tx1"/>
-                </a:solidFill>
-                <a:latin typeface="+mn-lt"/>
-                <a:ea typeface="+mn-ea"/>
-                <a:cs typeface="+mn-cs"/>
-              </a:defRPr>
-            </a:lvl9pPr>
-          </a:lstStyle>
+          <a:lstStyle/>
           <a:p>
             <a:pPr marL="0" indent="0">
-              <a:buFont typeface="Arial" panose="020B0604020202020204" pitchFamily="34" charset="0"/>
               <a:buNone/>
             </a:pPr>
             <a:r>
-              <a:rPr lang="en-US" altLang="zh-TW" sz="2000" dirty="0"/>
-              <a:t>&gt;</a:t>
-            </a:r>
-            <a:r>
-              <a:rPr lang="zh-TW" altLang="en-US" sz="2000" dirty="0"/>
-              <a:t> </a:t>
-            </a:r>
-            <a:r>
-              <a:rPr lang="en-US" altLang="zh-TW" sz="2000" dirty="0"/>
-              <a:t>pip install chatterbot</a:t>
-            </a:r>
-            <a:endParaRPr lang="zh-TW" altLang="en-US" sz="2000" dirty="0"/>
+              <a:rPr lang="en-US" altLang="zh-TW" sz="3200" dirty="0">
+                <a:hlinkClick r:id="rId2"/>
+              </a:rPr>
+              <a:t>reurl.cc/2gjkl4</a:t>
+            </a:r>
+            <a:endParaRPr lang="en-US" altLang="zh-TW" sz="3200" dirty="0"/>
           </a:p>
         </p:txBody>
       </p:sp>
     </p:spTree>
     <p:extLst>
       <p:ext uri="{BB962C8B-B14F-4D97-AF65-F5344CB8AC3E}">
-        <p14:creationId xmlns:p14="http://schemas.microsoft.com/office/powerpoint/2010/main" val="2789333482"/>
+        <p14:creationId xmlns:p14="http://schemas.microsoft.com/office/powerpoint/2010/main" val="645426325"/>
       </p:ext>
     </p:extLst>
   </p:cSld>
   <p:clrMapOvr>
     <a:masterClrMapping/>
   </p:clrMapOvr>
-  <mc:AlternateContent xmlns:mc="http://schemas.openxmlformats.org/markup-compatibility/2006">
-    <mc:Choice xmlns:p159="http://schemas.microsoft.com/office/powerpoint/2015/09/main" Requires="p159">
+  <mc:AlternateContent xmlns:mc="http://schemas.openxmlformats.org/markup-compatibility/2006" xmlns:p159="http://schemas.microsoft.com/office/powerpoint/2015/09/main">
+    <mc:Choice Requires="p159">
       <p:transition xmlns:p14="http://schemas.microsoft.com/office/powerpoint/2010/main" spd="slow" p14:dur="2000">
         <p159:morph option="byObject"/>
       </p:transition>
     </mc:Choice>
-    <mc:Fallback>
+    <mc:Fallback xmlns="">
       <p:transition spd="slow">
         <p:fade/>
       </p:transition>
@@ -12458,10 +14925,9 @@
           <a:lstStyle/>
           <a:p>
             <a:r>
-              <a:rPr lang="en-US" altLang="zh-TW" dirty="0"/>
-              <a:t>How it works</a:t>
-            </a:r>
-            <a:endParaRPr lang="zh-TW" altLang="en-US" dirty="0"/>
+              <a:rPr lang="zh-TW" altLang="en-US" dirty="0"/>
+              <a:t>運作方式</a:t>
+            </a:r>
           </a:p>
         </p:txBody>
       </p:sp>
@@ -12522,13 +14988,13 @@
   <p:clrMapOvr>
     <a:masterClrMapping/>
   </p:clrMapOvr>
-  <mc:AlternateContent xmlns:mc="http://schemas.openxmlformats.org/markup-compatibility/2006">
-    <mc:Choice xmlns:p159="http://schemas.microsoft.com/office/powerpoint/2015/09/main" Requires="p159">
+  <mc:AlternateContent xmlns:mc="http://schemas.openxmlformats.org/markup-compatibility/2006" xmlns:p159="http://schemas.microsoft.com/office/powerpoint/2015/09/main">
+    <mc:Choice Requires="p159">
       <p:transition xmlns:p14="http://schemas.microsoft.com/office/powerpoint/2010/main" spd="slow" p14:dur="2000">
         <p159:morph option="byObject"/>
       </p:transition>
     </mc:Choice>
-    <mc:Fallback>
+    <mc:Fallback xmlns="">
       <p:transition spd="slow">
         <p:fade/>
       </p:transition>
@@ -12985,38 +15451,6 @@
       </p:sp>
       <p:sp>
         <p:nvSpPr>
-          <p:cNvPr id="3" name="內容版面配置區 2">
-            <a:extLst>
-              <a:ext uri="{FF2B5EF4-FFF2-40B4-BE49-F238E27FC236}">
-                <a16:creationId xmlns:a16="http://schemas.microsoft.com/office/drawing/2014/main" id="{3BB98E28-B2BF-4E1B-98B7-3BCA10888C92}"/>
-              </a:ext>
-            </a:extLst>
-          </p:cNvPr>
-          <p:cNvSpPr>
-            <a:spLocks noGrp="1"/>
-          </p:cNvSpPr>
-          <p:nvPr>
-            <p:ph idx="1"/>
-          </p:nvPr>
-        </p:nvSpPr>
-        <p:spPr>
-          <a:xfrm>
-            <a:off x="762000" y="2286000"/>
-            <a:ext cx="5334000" cy="3810001"/>
-          </a:xfrm>
-        </p:spPr>
-        <p:txBody>
-          <a:bodyPr>
-            <a:normAutofit/>
-          </a:bodyPr>
-          <a:lstStyle/>
-          <a:p>
-            <a:endParaRPr lang="zh-TW" altLang="en-US" sz="2400"/>
-          </a:p>
-        </p:txBody>
-      </p:sp>
-      <p:sp>
-        <p:nvSpPr>
           <p:cNvPr id="2" name="標題 1">
             <a:extLst>
               <a:ext uri="{FF2B5EF4-FFF2-40B4-BE49-F238E27FC236}">
@@ -13047,6 +15481,570 @@
               <a:rPr lang="zh-TW" altLang="en-US" sz="3200" dirty="0"/>
               <a:t>基本用法</a:t>
             </a:r>
+            <a:r>
+              <a:rPr lang="en-US" altLang="zh-TW" sz="3200" dirty="0"/>
+              <a:t>(</a:t>
+            </a:r>
+            <a:r>
+              <a:rPr lang="en-US" altLang="zh-TW" sz="3200" dirty="0" err="1"/>
+              <a:t>CorpusTrainer</a:t>
+            </a:r>
+            <a:r>
+              <a:rPr lang="en-US" altLang="zh-TW" sz="3200" dirty="0"/>
+              <a:t>)</a:t>
+            </a:r>
+            <a:endParaRPr lang="zh-TW" altLang="en-US" sz="3200" dirty="0"/>
+          </a:p>
+        </p:txBody>
+      </p:sp>
+      <p:sp>
+        <p:nvSpPr>
+          <p:cNvPr id="21" name="文字方塊 20">
+            <a:extLst>
+              <a:ext uri="{FF2B5EF4-FFF2-40B4-BE49-F238E27FC236}">
+                <a16:creationId xmlns:a16="http://schemas.microsoft.com/office/drawing/2014/main" id="{FD026092-1C81-48DA-90C2-7F11E15A7030}"/>
+              </a:ext>
+            </a:extLst>
+          </p:cNvPr>
+          <p:cNvSpPr txBox="1"/>
+          <p:nvPr/>
+        </p:nvSpPr>
+        <p:spPr>
+          <a:xfrm>
+            <a:off x="762000" y="2239625"/>
+            <a:ext cx="9525000" cy="4093428"/>
+          </a:xfrm>
+          <a:prstGeom prst="rect">
+            <a:avLst/>
+          </a:prstGeom>
+          <a:noFill/>
+        </p:spPr>
+        <p:txBody>
+          <a:bodyPr wrap="square">
+            <a:spAutoFit/>
+          </a:bodyPr>
+          <a:lstStyle/>
+          <a:p>
+            <a:r>
+              <a:rPr lang="en-US" altLang="zh-TW" sz="2000" b="1" dirty="0">
+                <a:solidFill>
+                  <a:srgbClr val="93C763"/>
+                </a:solidFill>
+                <a:latin typeface="Courier New" panose="02070309020205020404" pitchFamily="49" charset="0"/>
+              </a:rPr>
+              <a:t>from</a:t>
+            </a:r>
+            <a:r>
+              <a:rPr lang="en-US" altLang="zh-TW" sz="2000" b="0" dirty="0">
+                <a:solidFill>
+                  <a:srgbClr val="E0E2E4"/>
+                </a:solidFill>
+                <a:latin typeface="Courier New" panose="02070309020205020404" pitchFamily="49" charset="0"/>
+              </a:rPr>
+              <a:t> chatterbot </a:t>
+            </a:r>
+            <a:r>
+              <a:rPr lang="en-US" altLang="zh-TW" sz="2000" b="1" dirty="0">
+                <a:solidFill>
+                  <a:srgbClr val="93C763"/>
+                </a:solidFill>
+                <a:latin typeface="Courier New" panose="02070309020205020404" pitchFamily="49" charset="0"/>
+              </a:rPr>
+              <a:t>import</a:t>
+            </a:r>
+            <a:r>
+              <a:rPr lang="en-US" altLang="zh-TW" sz="2000" b="0" dirty="0">
+                <a:solidFill>
+                  <a:srgbClr val="E0E2E4"/>
+                </a:solidFill>
+                <a:latin typeface="Courier New" panose="02070309020205020404" pitchFamily="49" charset="0"/>
+              </a:rPr>
+              <a:t> </a:t>
+            </a:r>
+            <a:r>
+              <a:rPr lang="en-US" altLang="zh-TW" sz="2000" b="0" dirty="0" err="1">
+                <a:solidFill>
+                  <a:srgbClr val="E0E2E4"/>
+                </a:solidFill>
+                <a:latin typeface="Courier New" panose="02070309020205020404" pitchFamily="49" charset="0"/>
+              </a:rPr>
+              <a:t>ChatBot</a:t>
+            </a:r>
+            <a:endParaRPr lang="en-US" altLang="zh-TW" sz="2000" b="0" dirty="0">
+              <a:solidFill>
+                <a:srgbClr val="E0E2E4"/>
+              </a:solidFill>
+              <a:latin typeface="Courier New" panose="02070309020205020404" pitchFamily="49" charset="0"/>
+            </a:endParaRPr>
+          </a:p>
+          <a:p>
+            <a:r>
+              <a:rPr lang="en-US" altLang="zh-TW" sz="2000" b="1" dirty="0">
+                <a:solidFill>
+                  <a:srgbClr val="93C763"/>
+                </a:solidFill>
+                <a:latin typeface="Courier New" panose="02070309020205020404" pitchFamily="49" charset="0"/>
+              </a:rPr>
+              <a:t>from</a:t>
+            </a:r>
+            <a:r>
+              <a:rPr lang="en-US" altLang="zh-TW" sz="2000" b="0" dirty="0">
+                <a:solidFill>
+                  <a:srgbClr val="E0E2E4"/>
+                </a:solidFill>
+                <a:latin typeface="Courier New" panose="02070309020205020404" pitchFamily="49" charset="0"/>
+              </a:rPr>
+              <a:t> </a:t>
+            </a:r>
+            <a:r>
+              <a:rPr lang="en-US" altLang="zh-TW" sz="2000" b="0" dirty="0" err="1">
+                <a:solidFill>
+                  <a:srgbClr val="E0E2E4"/>
+                </a:solidFill>
+                <a:latin typeface="Courier New" panose="02070309020205020404" pitchFamily="49" charset="0"/>
+              </a:rPr>
+              <a:t>chatterbot</a:t>
+            </a:r>
+            <a:r>
+              <a:rPr lang="en-US" altLang="zh-TW" sz="2000" b="0" dirty="0" err="1">
+                <a:solidFill>
+                  <a:srgbClr val="E8E2B7"/>
+                </a:solidFill>
+                <a:latin typeface="Courier New" panose="02070309020205020404" pitchFamily="49" charset="0"/>
+              </a:rPr>
+              <a:t>.</a:t>
+            </a:r>
+            <a:r>
+              <a:rPr lang="en-US" altLang="zh-TW" sz="2000" b="0" dirty="0" err="1">
+                <a:solidFill>
+                  <a:srgbClr val="E0E2E4"/>
+                </a:solidFill>
+                <a:latin typeface="Courier New" panose="02070309020205020404" pitchFamily="49" charset="0"/>
+              </a:rPr>
+              <a:t>trainers</a:t>
+            </a:r>
+            <a:r>
+              <a:rPr lang="en-US" altLang="zh-TW" sz="2000" b="0" dirty="0">
+                <a:solidFill>
+                  <a:srgbClr val="E0E2E4"/>
+                </a:solidFill>
+                <a:latin typeface="Courier New" panose="02070309020205020404" pitchFamily="49" charset="0"/>
+              </a:rPr>
+              <a:t> </a:t>
+            </a:r>
+            <a:r>
+              <a:rPr lang="en-US" altLang="zh-TW" sz="2000" b="1" dirty="0">
+                <a:solidFill>
+                  <a:srgbClr val="93C763"/>
+                </a:solidFill>
+                <a:latin typeface="Courier New" panose="02070309020205020404" pitchFamily="49" charset="0"/>
+              </a:rPr>
+              <a:t>import</a:t>
+            </a:r>
+            <a:r>
+              <a:rPr lang="en-US" altLang="zh-TW" sz="2000" b="0" dirty="0">
+                <a:solidFill>
+                  <a:srgbClr val="E0E2E4"/>
+                </a:solidFill>
+                <a:latin typeface="Courier New" panose="02070309020205020404" pitchFamily="49" charset="0"/>
+              </a:rPr>
+              <a:t> </a:t>
+            </a:r>
+            <a:r>
+              <a:rPr lang="en-US" altLang="zh-TW" sz="2000" b="0" dirty="0" err="1">
+                <a:solidFill>
+                  <a:srgbClr val="E0E2E4"/>
+                </a:solidFill>
+                <a:latin typeface="Courier New" panose="02070309020205020404" pitchFamily="49" charset="0"/>
+              </a:rPr>
+              <a:t>ChatterBotCorpusTrainer</a:t>
+            </a:r>
+            <a:endParaRPr lang="en-US" altLang="zh-TW" sz="2000" b="0" dirty="0">
+              <a:solidFill>
+                <a:srgbClr val="E0E2E4"/>
+              </a:solidFill>
+              <a:latin typeface="Courier New" panose="02070309020205020404" pitchFamily="49" charset="0"/>
+            </a:endParaRPr>
+          </a:p>
+          <a:p>
+            <a:endParaRPr lang="zh-TW" altLang="en-US" sz="2000" b="0" dirty="0">
+              <a:solidFill>
+                <a:srgbClr val="E0E2E4"/>
+              </a:solidFill>
+              <a:latin typeface="Courier New" panose="02070309020205020404" pitchFamily="49" charset="0"/>
+            </a:endParaRPr>
+          </a:p>
+          <a:p>
+            <a:r>
+              <a:rPr lang="en-US" altLang="zh-TW" sz="2000" b="0" dirty="0">
+                <a:solidFill>
+                  <a:srgbClr val="E0E2E4"/>
+                </a:solidFill>
+                <a:latin typeface="Courier New" panose="02070309020205020404" pitchFamily="49" charset="0"/>
+              </a:rPr>
+              <a:t>chatbot </a:t>
+            </a:r>
+            <a:r>
+              <a:rPr lang="en-US" altLang="zh-TW" sz="2000" b="0" dirty="0">
+                <a:solidFill>
+                  <a:srgbClr val="E8E2B7"/>
+                </a:solidFill>
+                <a:latin typeface="Courier New" panose="02070309020205020404" pitchFamily="49" charset="0"/>
+              </a:rPr>
+              <a:t>=</a:t>
+            </a:r>
+            <a:r>
+              <a:rPr lang="en-US" altLang="zh-TW" sz="2000" b="0" dirty="0">
+                <a:solidFill>
+                  <a:srgbClr val="E0E2E4"/>
+                </a:solidFill>
+                <a:latin typeface="Courier New" panose="02070309020205020404" pitchFamily="49" charset="0"/>
+              </a:rPr>
+              <a:t> </a:t>
+            </a:r>
+            <a:r>
+              <a:rPr lang="en-US" altLang="zh-TW" sz="2000" b="0" dirty="0" err="1">
+                <a:solidFill>
+                  <a:srgbClr val="E0E2E4"/>
+                </a:solidFill>
+                <a:latin typeface="Courier New" panose="02070309020205020404" pitchFamily="49" charset="0"/>
+              </a:rPr>
+              <a:t>ChatBot</a:t>
+            </a:r>
+            <a:r>
+              <a:rPr lang="en-US" altLang="zh-TW" sz="2000" b="0" dirty="0">
+                <a:solidFill>
+                  <a:srgbClr val="E8E2B7"/>
+                </a:solidFill>
+                <a:latin typeface="Courier New" panose="02070309020205020404" pitchFamily="49" charset="0"/>
+              </a:rPr>
+              <a:t>(</a:t>
+            </a:r>
+            <a:r>
+              <a:rPr lang="en-US" altLang="zh-TW" sz="2000" b="0" dirty="0">
+                <a:solidFill>
+                  <a:srgbClr val="FF8409"/>
+                </a:solidFill>
+                <a:latin typeface="Courier New" panose="02070309020205020404" pitchFamily="49" charset="0"/>
+              </a:rPr>
+              <a:t>'YOUR CHATBOT NAME'</a:t>
+            </a:r>
+            <a:r>
+              <a:rPr lang="en-US" altLang="zh-TW" sz="2000" b="0" dirty="0">
+                <a:solidFill>
+                  <a:srgbClr val="E8E2B7"/>
+                </a:solidFill>
+                <a:latin typeface="Courier New" panose="02070309020205020404" pitchFamily="49" charset="0"/>
+              </a:rPr>
+              <a:t>)</a:t>
+            </a:r>
+            <a:endParaRPr lang="en-US" altLang="zh-TW" sz="2000" b="0" dirty="0">
+              <a:solidFill>
+                <a:srgbClr val="E0E2E4"/>
+              </a:solidFill>
+              <a:latin typeface="Courier New" panose="02070309020205020404" pitchFamily="49" charset="0"/>
+            </a:endParaRPr>
+          </a:p>
+          <a:p>
+            <a:endParaRPr lang="zh-TW" altLang="en-US" sz="2000" b="0" dirty="0">
+              <a:solidFill>
+                <a:srgbClr val="E0E2E4"/>
+              </a:solidFill>
+              <a:latin typeface="Courier New" panose="02070309020205020404" pitchFamily="49" charset="0"/>
+            </a:endParaRPr>
+          </a:p>
+          <a:p>
+            <a:r>
+              <a:rPr lang="en-US" altLang="zh-TW" sz="2000" b="0" dirty="0">
+                <a:solidFill>
+                  <a:srgbClr val="66747B"/>
+                </a:solidFill>
+                <a:latin typeface="Courier New" panose="02070309020205020404" pitchFamily="49" charset="0"/>
+              </a:rPr>
+              <a:t># Create a new trainer for the chatbot</a:t>
+            </a:r>
+            <a:endParaRPr lang="en-US" altLang="zh-TW" sz="2000" b="0" dirty="0">
+              <a:solidFill>
+                <a:srgbClr val="E0E2E4"/>
+              </a:solidFill>
+              <a:latin typeface="Courier New" panose="02070309020205020404" pitchFamily="49" charset="0"/>
+            </a:endParaRPr>
+          </a:p>
+          <a:p>
+            <a:r>
+              <a:rPr lang="en-US" altLang="zh-TW" sz="2000" b="0" dirty="0">
+                <a:solidFill>
+                  <a:srgbClr val="E0E2E4"/>
+                </a:solidFill>
+                <a:latin typeface="Courier New" panose="02070309020205020404" pitchFamily="49" charset="0"/>
+              </a:rPr>
+              <a:t>trainer </a:t>
+            </a:r>
+            <a:r>
+              <a:rPr lang="en-US" altLang="zh-TW" sz="2000" b="0" dirty="0">
+                <a:solidFill>
+                  <a:srgbClr val="E8E2B7"/>
+                </a:solidFill>
+                <a:latin typeface="Courier New" panose="02070309020205020404" pitchFamily="49" charset="0"/>
+              </a:rPr>
+              <a:t>=</a:t>
+            </a:r>
+            <a:r>
+              <a:rPr lang="en-US" altLang="zh-TW" sz="2000" b="0" dirty="0">
+                <a:solidFill>
+                  <a:srgbClr val="E0E2E4"/>
+                </a:solidFill>
+                <a:latin typeface="Courier New" panose="02070309020205020404" pitchFamily="49" charset="0"/>
+              </a:rPr>
+              <a:t> </a:t>
+            </a:r>
+            <a:r>
+              <a:rPr lang="en-US" altLang="zh-TW" sz="2000" b="0" dirty="0" err="1">
+                <a:solidFill>
+                  <a:srgbClr val="E0E2E4"/>
+                </a:solidFill>
+                <a:latin typeface="Courier New" panose="02070309020205020404" pitchFamily="49" charset="0"/>
+              </a:rPr>
+              <a:t>ChatterBotCorpusTrainer</a:t>
+            </a:r>
+            <a:r>
+              <a:rPr lang="en-US" altLang="zh-TW" sz="2000" b="0" dirty="0">
+                <a:solidFill>
+                  <a:srgbClr val="E8E2B7"/>
+                </a:solidFill>
+                <a:latin typeface="Courier New" panose="02070309020205020404" pitchFamily="49" charset="0"/>
+              </a:rPr>
+              <a:t>(</a:t>
+            </a:r>
+            <a:r>
+              <a:rPr lang="en-US" altLang="zh-TW" sz="2000" b="0" dirty="0">
+                <a:solidFill>
+                  <a:srgbClr val="E0E2E4"/>
+                </a:solidFill>
+                <a:latin typeface="Courier New" panose="02070309020205020404" pitchFamily="49" charset="0"/>
+              </a:rPr>
+              <a:t>chatbot</a:t>
+            </a:r>
+            <a:r>
+              <a:rPr lang="en-US" altLang="zh-TW" sz="2000" b="0" dirty="0">
+                <a:solidFill>
+                  <a:srgbClr val="E8E2B7"/>
+                </a:solidFill>
+                <a:latin typeface="Courier New" panose="02070309020205020404" pitchFamily="49" charset="0"/>
+              </a:rPr>
+              <a:t>)</a:t>
+            </a:r>
+            <a:endParaRPr lang="en-US" altLang="zh-TW" sz="2000" b="0" dirty="0">
+              <a:solidFill>
+                <a:srgbClr val="E0E2E4"/>
+              </a:solidFill>
+              <a:latin typeface="Courier New" panose="02070309020205020404" pitchFamily="49" charset="0"/>
+            </a:endParaRPr>
+          </a:p>
+          <a:p>
+            <a:endParaRPr lang="zh-TW" altLang="en-US" sz="2000" b="0" dirty="0">
+              <a:solidFill>
+                <a:srgbClr val="E0E2E4"/>
+              </a:solidFill>
+              <a:latin typeface="Courier New" panose="02070309020205020404" pitchFamily="49" charset="0"/>
+            </a:endParaRPr>
+          </a:p>
+          <a:p>
+            <a:r>
+              <a:rPr lang="en-US" altLang="zh-TW" sz="2000" b="0" dirty="0">
+                <a:solidFill>
+                  <a:srgbClr val="66747B"/>
+                </a:solidFill>
+                <a:latin typeface="Courier New" panose="02070309020205020404" pitchFamily="49" charset="0"/>
+              </a:rPr>
+              <a:t># Train the chatbot based on the </a:t>
+            </a:r>
+            <a:r>
+              <a:rPr lang="en-US" altLang="zh-TW" sz="2000" b="0" dirty="0" err="1">
+                <a:solidFill>
+                  <a:srgbClr val="66747B"/>
+                </a:solidFill>
+                <a:latin typeface="Courier New" panose="02070309020205020404" pitchFamily="49" charset="0"/>
+              </a:rPr>
+              <a:t>english</a:t>
+            </a:r>
+            <a:r>
+              <a:rPr lang="en-US" altLang="zh-TW" sz="2000" b="0" dirty="0">
+                <a:solidFill>
+                  <a:srgbClr val="66747B"/>
+                </a:solidFill>
+                <a:latin typeface="Courier New" panose="02070309020205020404" pitchFamily="49" charset="0"/>
+              </a:rPr>
+              <a:t> corpus</a:t>
+            </a:r>
+            <a:endParaRPr lang="en-US" altLang="zh-TW" sz="2000" b="0" dirty="0">
+              <a:solidFill>
+                <a:srgbClr val="E0E2E4"/>
+              </a:solidFill>
+              <a:latin typeface="Courier New" panose="02070309020205020404" pitchFamily="49" charset="0"/>
+            </a:endParaRPr>
+          </a:p>
+          <a:p>
+            <a:r>
+              <a:rPr lang="en-US" altLang="zh-TW" sz="2000" b="0" dirty="0" err="1">
+                <a:solidFill>
+                  <a:srgbClr val="E0E2E4"/>
+                </a:solidFill>
+                <a:latin typeface="Courier New" panose="02070309020205020404" pitchFamily="49" charset="0"/>
+              </a:rPr>
+              <a:t>trainer</a:t>
+            </a:r>
+            <a:r>
+              <a:rPr lang="en-US" altLang="zh-TW" sz="2000" b="0" dirty="0" err="1">
+                <a:solidFill>
+                  <a:srgbClr val="E8E2B7"/>
+                </a:solidFill>
+                <a:latin typeface="Courier New" panose="02070309020205020404" pitchFamily="49" charset="0"/>
+              </a:rPr>
+              <a:t>.</a:t>
+            </a:r>
+            <a:r>
+              <a:rPr lang="en-US" altLang="zh-TW" sz="2000" b="0" dirty="0" err="1">
+                <a:solidFill>
+                  <a:srgbClr val="E0E2E4"/>
+                </a:solidFill>
+                <a:latin typeface="Courier New" panose="02070309020205020404" pitchFamily="49" charset="0"/>
+              </a:rPr>
+              <a:t>train</a:t>
+            </a:r>
+            <a:r>
+              <a:rPr lang="en-US" altLang="zh-TW" sz="2000" b="0" dirty="0">
+                <a:solidFill>
+                  <a:srgbClr val="E8E2B7"/>
+                </a:solidFill>
+                <a:latin typeface="Courier New" panose="02070309020205020404" pitchFamily="49" charset="0"/>
+              </a:rPr>
+              <a:t>(</a:t>
+            </a:r>
+            <a:r>
+              <a:rPr lang="en-US" altLang="zh-TW" sz="2000" b="0" dirty="0">
+                <a:solidFill>
+                  <a:srgbClr val="EC7600"/>
+                </a:solidFill>
+                <a:latin typeface="Courier New" panose="02070309020205020404" pitchFamily="49" charset="0"/>
+              </a:rPr>
+              <a:t>"</a:t>
+            </a:r>
+            <a:r>
+              <a:rPr lang="en-US" altLang="zh-TW" sz="2000" b="0" dirty="0" err="1">
+                <a:solidFill>
+                  <a:srgbClr val="EC7600"/>
+                </a:solidFill>
+                <a:latin typeface="Courier New" panose="02070309020205020404" pitchFamily="49" charset="0"/>
+              </a:rPr>
+              <a:t>chatterbot.corpus.english</a:t>
+            </a:r>
+            <a:r>
+              <a:rPr lang="en-US" altLang="zh-TW" sz="2000" b="0" dirty="0">
+                <a:solidFill>
+                  <a:srgbClr val="EC7600"/>
+                </a:solidFill>
+                <a:latin typeface="Courier New" panose="02070309020205020404" pitchFamily="49" charset="0"/>
+              </a:rPr>
+              <a:t>"</a:t>
+            </a:r>
+            <a:r>
+              <a:rPr lang="en-US" altLang="zh-TW" sz="2000" b="0" dirty="0">
+                <a:solidFill>
+                  <a:srgbClr val="E8E2B7"/>
+                </a:solidFill>
+                <a:latin typeface="Courier New" panose="02070309020205020404" pitchFamily="49" charset="0"/>
+              </a:rPr>
+              <a:t>)</a:t>
+            </a:r>
+            <a:endParaRPr lang="en-US" altLang="zh-TW" sz="2000" b="0" dirty="0">
+              <a:solidFill>
+                <a:srgbClr val="E0E2E4"/>
+              </a:solidFill>
+              <a:latin typeface="Courier New" panose="02070309020205020404" pitchFamily="49" charset="0"/>
+            </a:endParaRPr>
+          </a:p>
+          <a:p>
+            <a:endParaRPr lang="zh-TW" altLang="en-US" sz="2000" b="0" dirty="0">
+              <a:solidFill>
+                <a:srgbClr val="E0E2E4"/>
+              </a:solidFill>
+              <a:latin typeface="Courier New" panose="02070309020205020404" pitchFamily="49" charset="0"/>
+            </a:endParaRPr>
+          </a:p>
+          <a:p>
+            <a:r>
+              <a:rPr lang="en-US" altLang="zh-TW" sz="2000" b="0" dirty="0">
+                <a:solidFill>
+                  <a:srgbClr val="66747B"/>
+                </a:solidFill>
+                <a:latin typeface="Courier New" panose="02070309020205020404" pitchFamily="49" charset="0"/>
+              </a:rPr>
+              <a:t># Get a response to an input statement</a:t>
+            </a:r>
+            <a:endParaRPr lang="en-US" altLang="zh-TW" sz="2000" b="0" dirty="0">
+              <a:solidFill>
+                <a:srgbClr val="E0E2E4"/>
+              </a:solidFill>
+              <a:latin typeface="Courier New" panose="02070309020205020404" pitchFamily="49" charset="0"/>
+            </a:endParaRPr>
+          </a:p>
+          <a:p>
+            <a:r>
+              <a:rPr lang="en-US" altLang="zh-TW" sz="2000" b="0" dirty="0" err="1">
+                <a:solidFill>
+                  <a:srgbClr val="E0E2E4"/>
+                </a:solidFill>
+                <a:latin typeface="Courier New" panose="02070309020205020404" pitchFamily="49" charset="0"/>
+              </a:rPr>
+              <a:t>chatbot</a:t>
+            </a:r>
+            <a:r>
+              <a:rPr lang="en-US" altLang="zh-TW" sz="2000" b="0" dirty="0" err="1">
+                <a:solidFill>
+                  <a:srgbClr val="E8E2B7"/>
+                </a:solidFill>
+                <a:latin typeface="Courier New" panose="02070309020205020404" pitchFamily="49" charset="0"/>
+              </a:rPr>
+              <a:t>.</a:t>
+            </a:r>
+            <a:r>
+              <a:rPr lang="en-US" altLang="zh-TW" sz="2000" b="0" dirty="0" err="1">
+                <a:solidFill>
+                  <a:srgbClr val="E0E2E4"/>
+                </a:solidFill>
+                <a:latin typeface="Courier New" panose="02070309020205020404" pitchFamily="49" charset="0"/>
+              </a:rPr>
+              <a:t>get_response</a:t>
+            </a:r>
+            <a:r>
+              <a:rPr lang="en-US" altLang="zh-TW" sz="2000" b="0" dirty="0">
+                <a:solidFill>
+                  <a:srgbClr val="E8E2B7"/>
+                </a:solidFill>
+                <a:latin typeface="Courier New" panose="02070309020205020404" pitchFamily="49" charset="0"/>
+              </a:rPr>
+              <a:t>(</a:t>
+            </a:r>
+            <a:r>
+              <a:rPr lang="en-US" altLang="zh-TW" sz="2000" b="0" dirty="0">
+                <a:solidFill>
+                  <a:srgbClr val="EC7600"/>
+                </a:solidFill>
+                <a:latin typeface="Courier New" panose="02070309020205020404" pitchFamily="49" charset="0"/>
+              </a:rPr>
+              <a:t>"Good morning! How are you doing?"</a:t>
+            </a:r>
+            <a:r>
+              <a:rPr lang="en-US" altLang="zh-TW" sz="2000" b="0" dirty="0">
+                <a:solidFill>
+                  <a:srgbClr val="E8E2B7"/>
+                </a:solidFill>
+                <a:latin typeface="Courier New" panose="02070309020205020404" pitchFamily="49" charset="0"/>
+              </a:rPr>
+              <a:t>)</a:t>
+            </a:r>
+            <a:endParaRPr lang="zh-TW" altLang="en-US" sz="2000" dirty="0"/>
           </a:p>
         </p:txBody>
       </p:sp>
@@ -13060,13 +16058,13 @@
   <p:clrMapOvr>
     <a:masterClrMapping/>
   </p:clrMapOvr>
-  <mc:AlternateContent xmlns:mc="http://schemas.openxmlformats.org/markup-compatibility/2006">
-    <mc:Choice xmlns:p159="http://schemas.microsoft.com/office/powerpoint/2015/09/main" Requires="p159">
+  <mc:AlternateContent xmlns:mc="http://schemas.openxmlformats.org/markup-compatibility/2006" xmlns:p159="http://schemas.microsoft.com/office/powerpoint/2015/09/main">
+    <mc:Choice Requires="p159">
       <p:transition xmlns:p14="http://schemas.microsoft.com/office/powerpoint/2010/main" spd="slow" p14:dur="2000">
         <p159:morph option="byObject"/>
       </p:transition>
     </mc:Choice>
-    <mc:Fallback>
+    <mc:Fallback xmlns="">
       <p:transition spd="slow">
         <p:fade/>
       </p:transition>
@@ -13523,38 +16521,6 @@
       </p:sp>
       <p:sp>
         <p:nvSpPr>
-          <p:cNvPr id="3" name="內容版面配置區 2">
-            <a:extLst>
-              <a:ext uri="{FF2B5EF4-FFF2-40B4-BE49-F238E27FC236}">
-                <a16:creationId xmlns:a16="http://schemas.microsoft.com/office/drawing/2014/main" id="{3BB98E28-B2BF-4E1B-98B7-3BCA10888C92}"/>
-              </a:ext>
-            </a:extLst>
-          </p:cNvPr>
-          <p:cNvSpPr>
-            <a:spLocks noGrp="1"/>
-          </p:cNvSpPr>
-          <p:nvPr>
-            <p:ph idx="1"/>
-          </p:nvPr>
-        </p:nvSpPr>
-        <p:spPr>
-          <a:xfrm>
-            <a:off x="762000" y="2286000"/>
-            <a:ext cx="5334000" cy="3810001"/>
-          </a:xfrm>
-        </p:spPr>
-        <p:txBody>
-          <a:bodyPr>
-            <a:normAutofit/>
-          </a:bodyPr>
-          <a:lstStyle/>
-          <a:p>
-            <a:endParaRPr lang="zh-TW" altLang="en-US" sz="2400"/>
-          </a:p>
-        </p:txBody>
-      </p:sp>
-      <p:sp>
-        <p:nvSpPr>
           <p:cNvPr id="2" name="標題 1">
             <a:extLst>
               <a:ext uri="{FF2B5EF4-FFF2-40B4-BE49-F238E27FC236}">
@@ -13583,29 +16549,548 @@
           <a:p>
             <a:r>
               <a:rPr lang="en-US" altLang="zh-TW" sz="3200" dirty="0" err="1"/>
-              <a:t>CorpusTrainer</a:t>
+              <a:t>ListTrainer</a:t>
             </a:r>
             <a:endParaRPr lang="zh-TW" altLang="en-US" sz="3200" dirty="0"/>
+          </a:p>
+        </p:txBody>
+      </p:sp>
+      <p:sp>
+        <p:nvSpPr>
+          <p:cNvPr id="9" name="文字方塊 8">
+            <a:extLst>
+              <a:ext uri="{FF2B5EF4-FFF2-40B4-BE49-F238E27FC236}">
+                <a16:creationId xmlns:a16="http://schemas.microsoft.com/office/drawing/2014/main" id="{144E2799-B924-4F58-B07B-BEED5F9C767A}"/>
+              </a:ext>
+            </a:extLst>
+          </p:cNvPr>
+          <p:cNvSpPr txBox="1"/>
+          <p:nvPr/>
+        </p:nvSpPr>
+        <p:spPr>
+          <a:xfrm>
+            <a:off x="762000" y="2125682"/>
+            <a:ext cx="9507557" cy="4401205"/>
+          </a:xfrm>
+          <a:prstGeom prst="rect">
+            <a:avLst/>
+          </a:prstGeom>
+          <a:noFill/>
+        </p:spPr>
+        <p:txBody>
+          <a:bodyPr wrap="square">
+            <a:spAutoFit/>
+          </a:bodyPr>
+          <a:lstStyle/>
+          <a:p>
+            <a:r>
+              <a:rPr lang="en-US" altLang="zh-TW" sz="2000" b="1" dirty="0">
+                <a:solidFill>
+                  <a:srgbClr val="93C763"/>
+                </a:solidFill>
+                <a:latin typeface="Courier New" panose="02070309020205020404" pitchFamily="49" charset="0"/>
+              </a:rPr>
+              <a:t>from</a:t>
+            </a:r>
+            <a:r>
+              <a:rPr lang="en-US" altLang="zh-TW" sz="2000" b="0" dirty="0">
+                <a:solidFill>
+                  <a:srgbClr val="E0E2E4"/>
+                </a:solidFill>
+                <a:latin typeface="Courier New" panose="02070309020205020404" pitchFamily="49" charset="0"/>
+              </a:rPr>
+              <a:t> </a:t>
+            </a:r>
+            <a:r>
+              <a:rPr lang="en-US" altLang="zh-TW" sz="2000" b="0" dirty="0" err="1">
+                <a:solidFill>
+                  <a:srgbClr val="E0E2E4"/>
+                </a:solidFill>
+                <a:latin typeface="Courier New" panose="02070309020205020404" pitchFamily="49" charset="0"/>
+              </a:rPr>
+              <a:t>chatterbot</a:t>
+            </a:r>
+            <a:r>
+              <a:rPr lang="en-US" altLang="zh-TW" sz="2000" b="0" dirty="0" err="1">
+                <a:solidFill>
+                  <a:srgbClr val="E8E2B7"/>
+                </a:solidFill>
+                <a:latin typeface="Courier New" panose="02070309020205020404" pitchFamily="49" charset="0"/>
+              </a:rPr>
+              <a:t>.</a:t>
+            </a:r>
+            <a:r>
+              <a:rPr lang="en-US" altLang="zh-TW" sz="2000" b="0" dirty="0" err="1">
+                <a:solidFill>
+                  <a:srgbClr val="E0E2E4"/>
+                </a:solidFill>
+                <a:latin typeface="Courier New" panose="02070309020205020404" pitchFamily="49" charset="0"/>
+              </a:rPr>
+              <a:t>trainers</a:t>
+            </a:r>
+            <a:r>
+              <a:rPr lang="en-US" altLang="zh-TW" sz="2000" b="0" dirty="0">
+                <a:solidFill>
+                  <a:srgbClr val="E0E2E4"/>
+                </a:solidFill>
+                <a:latin typeface="Courier New" panose="02070309020205020404" pitchFamily="49" charset="0"/>
+              </a:rPr>
+              <a:t> </a:t>
+            </a:r>
+            <a:r>
+              <a:rPr lang="en-US" altLang="zh-TW" sz="2000" b="1" dirty="0">
+                <a:solidFill>
+                  <a:srgbClr val="93C763"/>
+                </a:solidFill>
+                <a:latin typeface="Courier New" panose="02070309020205020404" pitchFamily="49" charset="0"/>
+              </a:rPr>
+              <a:t>import</a:t>
+            </a:r>
+            <a:r>
+              <a:rPr lang="en-US" altLang="zh-TW" sz="2000" b="0" dirty="0">
+                <a:solidFill>
+                  <a:srgbClr val="E0E2E4"/>
+                </a:solidFill>
+                <a:latin typeface="Courier New" panose="02070309020205020404" pitchFamily="49" charset="0"/>
+              </a:rPr>
+              <a:t> </a:t>
+            </a:r>
+            <a:r>
+              <a:rPr lang="en-US" altLang="zh-TW" sz="2000" b="0" dirty="0" err="1">
+                <a:solidFill>
+                  <a:srgbClr val="E0E2E4"/>
+                </a:solidFill>
+                <a:latin typeface="Courier New" panose="02070309020205020404" pitchFamily="49" charset="0"/>
+              </a:rPr>
+              <a:t>ListTrainer</a:t>
+            </a:r>
+            <a:endParaRPr lang="en-US" altLang="zh-TW" sz="2000" b="0" dirty="0">
+              <a:solidFill>
+                <a:srgbClr val="E0E2E4"/>
+              </a:solidFill>
+              <a:latin typeface="Courier New" panose="02070309020205020404" pitchFamily="49" charset="0"/>
+            </a:endParaRPr>
+          </a:p>
+          <a:p>
+            <a:endParaRPr lang="zh-TW" altLang="en-US" sz="2000" b="0" dirty="0">
+              <a:solidFill>
+                <a:srgbClr val="E0E2E4"/>
+              </a:solidFill>
+              <a:latin typeface="Courier New" panose="02070309020205020404" pitchFamily="49" charset="0"/>
+            </a:endParaRPr>
+          </a:p>
+          <a:p>
+            <a:r>
+              <a:rPr lang="en-US" altLang="zh-TW" sz="2000" b="0" dirty="0">
+                <a:solidFill>
+                  <a:srgbClr val="E0E2E4"/>
+                </a:solidFill>
+                <a:latin typeface="Courier New" panose="02070309020205020404" pitchFamily="49" charset="0"/>
+              </a:rPr>
+              <a:t>chatbot </a:t>
+            </a:r>
+            <a:r>
+              <a:rPr lang="en-US" altLang="zh-TW" sz="2000" b="0" dirty="0">
+                <a:solidFill>
+                  <a:srgbClr val="E8E2B7"/>
+                </a:solidFill>
+                <a:latin typeface="Courier New" panose="02070309020205020404" pitchFamily="49" charset="0"/>
+              </a:rPr>
+              <a:t>=</a:t>
+            </a:r>
+            <a:r>
+              <a:rPr lang="en-US" altLang="zh-TW" sz="2000" b="0" dirty="0">
+                <a:solidFill>
+                  <a:srgbClr val="E0E2E4"/>
+                </a:solidFill>
+                <a:latin typeface="Courier New" panose="02070309020205020404" pitchFamily="49" charset="0"/>
+              </a:rPr>
+              <a:t> </a:t>
+            </a:r>
+            <a:r>
+              <a:rPr lang="en-US" altLang="zh-TW" sz="2000" b="0" dirty="0" err="1">
+                <a:solidFill>
+                  <a:srgbClr val="E0E2E4"/>
+                </a:solidFill>
+                <a:latin typeface="Courier New" panose="02070309020205020404" pitchFamily="49" charset="0"/>
+              </a:rPr>
+              <a:t>ChatBot</a:t>
+            </a:r>
+            <a:r>
+              <a:rPr lang="en-US" altLang="zh-TW" sz="2000" b="0" dirty="0">
+                <a:solidFill>
+                  <a:srgbClr val="E8E2B7"/>
+                </a:solidFill>
+                <a:latin typeface="Courier New" panose="02070309020205020404" pitchFamily="49" charset="0"/>
+              </a:rPr>
+              <a:t>(</a:t>
+            </a:r>
+            <a:r>
+              <a:rPr lang="en-US" altLang="zh-TW" sz="2000" b="0" dirty="0">
+                <a:solidFill>
+                  <a:srgbClr val="FF8409"/>
+                </a:solidFill>
+                <a:latin typeface="Courier New" panose="02070309020205020404" pitchFamily="49" charset="0"/>
+              </a:rPr>
+              <a:t>'Example Bot'</a:t>
+            </a:r>
+            <a:r>
+              <a:rPr lang="en-US" altLang="zh-TW" sz="2000" b="0" dirty="0">
+                <a:solidFill>
+                  <a:srgbClr val="E8E2B7"/>
+                </a:solidFill>
+                <a:latin typeface="Courier New" panose="02070309020205020404" pitchFamily="49" charset="0"/>
+              </a:rPr>
+              <a:t>)</a:t>
+            </a:r>
+            <a:endParaRPr lang="en-US" altLang="zh-TW" sz="2000" b="0" dirty="0">
+              <a:solidFill>
+                <a:srgbClr val="E0E2E4"/>
+              </a:solidFill>
+              <a:latin typeface="Courier New" panose="02070309020205020404" pitchFamily="49" charset="0"/>
+            </a:endParaRPr>
+          </a:p>
+          <a:p>
+            <a:endParaRPr lang="zh-TW" altLang="en-US" sz="2000" b="0" dirty="0">
+              <a:solidFill>
+                <a:srgbClr val="E0E2E4"/>
+              </a:solidFill>
+              <a:latin typeface="Courier New" panose="02070309020205020404" pitchFamily="49" charset="0"/>
+            </a:endParaRPr>
+          </a:p>
+          <a:p>
+            <a:r>
+              <a:rPr lang="en-US" altLang="zh-TW" sz="2000" b="0" dirty="0">
+                <a:solidFill>
+                  <a:srgbClr val="66747B"/>
+                </a:solidFill>
+                <a:latin typeface="Courier New" panose="02070309020205020404" pitchFamily="49" charset="0"/>
+              </a:rPr>
+              <a:t># Start by training our bot with the </a:t>
+            </a:r>
+            <a:r>
+              <a:rPr lang="en-US" altLang="zh-TW" sz="2000" b="0" dirty="0" err="1">
+                <a:solidFill>
+                  <a:srgbClr val="66747B"/>
+                </a:solidFill>
+                <a:latin typeface="Courier New" panose="02070309020205020404" pitchFamily="49" charset="0"/>
+              </a:rPr>
+              <a:t>ChatterBot</a:t>
+            </a:r>
+            <a:r>
+              <a:rPr lang="en-US" altLang="zh-TW" sz="2000" b="0" dirty="0">
+                <a:solidFill>
+                  <a:srgbClr val="66747B"/>
+                </a:solidFill>
+                <a:latin typeface="Courier New" panose="02070309020205020404" pitchFamily="49" charset="0"/>
+              </a:rPr>
+              <a:t> corpus data</a:t>
+            </a:r>
+            <a:endParaRPr lang="en-US" altLang="zh-TW" sz="2000" b="0" dirty="0">
+              <a:solidFill>
+                <a:srgbClr val="E0E2E4"/>
+              </a:solidFill>
+              <a:latin typeface="Courier New" panose="02070309020205020404" pitchFamily="49" charset="0"/>
+            </a:endParaRPr>
+          </a:p>
+          <a:p>
+            <a:r>
+              <a:rPr lang="en-US" altLang="zh-TW" sz="2000" b="0" dirty="0">
+                <a:solidFill>
+                  <a:srgbClr val="E0E2E4"/>
+                </a:solidFill>
+                <a:latin typeface="Courier New" panose="02070309020205020404" pitchFamily="49" charset="0"/>
+              </a:rPr>
+              <a:t>trainer </a:t>
+            </a:r>
+            <a:r>
+              <a:rPr lang="en-US" altLang="zh-TW" sz="2000" b="0" dirty="0">
+                <a:solidFill>
+                  <a:srgbClr val="E8E2B7"/>
+                </a:solidFill>
+                <a:latin typeface="Courier New" panose="02070309020205020404" pitchFamily="49" charset="0"/>
+              </a:rPr>
+              <a:t>=</a:t>
+            </a:r>
+            <a:r>
+              <a:rPr lang="en-US" altLang="zh-TW" sz="2000" b="0" dirty="0">
+                <a:solidFill>
+                  <a:srgbClr val="E0E2E4"/>
+                </a:solidFill>
+                <a:latin typeface="Courier New" panose="02070309020205020404" pitchFamily="49" charset="0"/>
+              </a:rPr>
+              <a:t> </a:t>
+            </a:r>
+            <a:r>
+              <a:rPr lang="en-US" altLang="zh-TW" sz="2000" b="0" dirty="0" err="1">
+                <a:solidFill>
+                  <a:srgbClr val="E0E2E4"/>
+                </a:solidFill>
+                <a:latin typeface="Courier New" panose="02070309020205020404" pitchFamily="49" charset="0"/>
+              </a:rPr>
+              <a:t>ListTrainer</a:t>
+            </a:r>
+            <a:r>
+              <a:rPr lang="en-US" altLang="zh-TW" sz="2000" b="0" dirty="0">
+                <a:solidFill>
+                  <a:srgbClr val="E8E2B7"/>
+                </a:solidFill>
+                <a:latin typeface="Courier New" panose="02070309020205020404" pitchFamily="49" charset="0"/>
+              </a:rPr>
+              <a:t>(</a:t>
+            </a:r>
+            <a:r>
+              <a:rPr lang="en-US" altLang="zh-TW" sz="2000" b="0" dirty="0">
+                <a:solidFill>
+                  <a:srgbClr val="E0E2E4"/>
+                </a:solidFill>
+                <a:latin typeface="Courier New" panose="02070309020205020404" pitchFamily="49" charset="0"/>
+              </a:rPr>
+              <a:t>chatbot</a:t>
+            </a:r>
+            <a:r>
+              <a:rPr lang="en-US" altLang="zh-TW" sz="2000" b="0" dirty="0">
+                <a:solidFill>
+                  <a:srgbClr val="E8E2B7"/>
+                </a:solidFill>
+                <a:latin typeface="Courier New" panose="02070309020205020404" pitchFamily="49" charset="0"/>
+              </a:rPr>
+              <a:t>)</a:t>
+            </a:r>
+            <a:endParaRPr lang="en-US" altLang="zh-TW" sz="2000" b="0" dirty="0">
+              <a:solidFill>
+                <a:srgbClr val="E0E2E4"/>
+              </a:solidFill>
+              <a:latin typeface="Courier New" panose="02070309020205020404" pitchFamily="49" charset="0"/>
+            </a:endParaRPr>
+          </a:p>
+          <a:p>
+            <a:endParaRPr lang="zh-TW" altLang="en-US" sz="2000" b="0" dirty="0">
+              <a:solidFill>
+                <a:srgbClr val="E0E2E4"/>
+              </a:solidFill>
+              <a:latin typeface="Courier New" panose="02070309020205020404" pitchFamily="49" charset="0"/>
+            </a:endParaRPr>
+          </a:p>
+          <a:p>
+            <a:r>
+              <a:rPr lang="en-US" altLang="zh-TW" sz="2000" b="0" dirty="0" err="1">
+                <a:solidFill>
+                  <a:srgbClr val="E0E2E4"/>
+                </a:solidFill>
+                <a:latin typeface="Courier New" panose="02070309020205020404" pitchFamily="49" charset="0"/>
+              </a:rPr>
+              <a:t>trainer</a:t>
+            </a:r>
+            <a:r>
+              <a:rPr lang="en-US" altLang="zh-TW" sz="2000" b="0" dirty="0" err="1">
+                <a:solidFill>
+                  <a:srgbClr val="E8E2B7"/>
+                </a:solidFill>
+                <a:latin typeface="Courier New" panose="02070309020205020404" pitchFamily="49" charset="0"/>
+              </a:rPr>
+              <a:t>.</a:t>
+            </a:r>
+            <a:r>
+              <a:rPr lang="en-US" altLang="zh-TW" sz="2000" b="0" dirty="0" err="1">
+                <a:solidFill>
+                  <a:srgbClr val="E0E2E4"/>
+                </a:solidFill>
+                <a:latin typeface="Courier New" panose="02070309020205020404" pitchFamily="49" charset="0"/>
+              </a:rPr>
+              <a:t>train</a:t>
+            </a:r>
+            <a:r>
+              <a:rPr lang="en-US" altLang="zh-TW" sz="2000" b="0" dirty="0">
+                <a:solidFill>
+                  <a:srgbClr val="E8E2B7"/>
+                </a:solidFill>
+                <a:latin typeface="Courier New" panose="02070309020205020404" pitchFamily="49" charset="0"/>
+              </a:rPr>
+              <a:t>([</a:t>
+            </a:r>
+            <a:endParaRPr lang="en-US" altLang="zh-TW" sz="2000" b="0" dirty="0">
+              <a:solidFill>
+                <a:srgbClr val="E0E2E4"/>
+              </a:solidFill>
+              <a:latin typeface="Courier New" panose="02070309020205020404" pitchFamily="49" charset="0"/>
+            </a:endParaRPr>
+          </a:p>
+          <a:p>
+            <a:r>
+              <a:rPr lang="en-US" altLang="zh-TW" sz="2000" b="0" dirty="0">
+                <a:solidFill>
+                  <a:srgbClr val="E0E2E4"/>
+                </a:solidFill>
+                <a:latin typeface="Courier New" panose="02070309020205020404" pitchFamily="49" charset="0"/>
+              </a:rPr>
+              <a:t>    </a:t>
+            </a:r>
+            <a:r>
+              <a:rPr lang="en-US" altLang="zh-TW" sz="2000" b="0" dirty="0">
+                <a:solidFill>
+                  <a:srgbClr val="FF8409"/>
+                </a:solidFill>
+                <a:latin typeface="Courier New" panose="02070309020205020404" pitchFamily="49" charset="0"/>
+              </a:rPr>
+              <a:t>'Hello, how are you?'</a:t>
+            </a:r>
+            <a:r>
+              <a:rPr lang="en-US" altLang="zh-TW" sz="2000" b="0" dirty="0">
+                <a:solidFill>
+                  <a:srgbClr val="E8E2B7"/>
+                </a:solidFill>
+                <a:latin typeface="Courier New" panose="02070309020205020404" pitchFamily="49" charset="0"/>
+              </a:rPr>
+              <a:t>,</a:t>
+            </a:r>
+            <a:endParaRPr lang="en-US" altLang="zh-TW" sz="2000" b="0" dirty="0">
+              <a:solidFill>
+                <a:srgbClr val="E0E2E4"/>
+              </a:solidFill>
+              <a:latin typeface="Courier New" panose="02070309020205020404" pitchFamily="49" charset="0"/>
+            </a:endParaRPr>
+          </a:p>
+          <a:p>
+            <a:r>
+              <a:rPr lang="en-US" altLang="zh-TW" sz="2000" b="0" dirty="0">
+                <a:solidFill>
+                  <a:srgbClr val="E0E2E4"/>
+                </a:solidFill>
+                <a:latin typeface="Courier New" panose="02070309020205020404" pitchFamily="49" charset="0"/>
+              </a:rPr>
+              <a:t>    </a:t>
+            </a:r>
+            <a:r>
+              <a:rPr lang="en-US" altLang="zh-TW" sz="2000" b="0" dirty="0">
+                <a:solidFill>
+                  <a:srgbClr val="FF8409"/>
+                </a:solidFill>
+                <a:latin typeface="Courier New" panose="02070309020205020404" pitchFamily="49" charset="0"/>
+              </a:rPr>
+              <a:t>'I am doing well.'</a:t>
+            </a:r>
+            <a:r>
+              <a:rPr lang="en-US" altLang="zh-TW" sz="2000" b="0" dirty="0">
+                <a:solidFill>
+                  <a:srgbClr val="E8E2B7"/>
+                </a:solidFill>
+                <a:latin typeface="Courier New" panose="02070309020205020404" pitchFamily="49" charset="0"/>
+              </a:rPr>
+              <a:t>,</a:t>
+            </a:r>
+            <a:endParaRPr lang="en-US" altLang="zh-TW" sz="2000" b="0" dirty="0">
+              <a:solidFill>
+                <a:srgbClr val="E0E2E4"/>
+              </a:solidFill>
+              <a:latin typeface="Courier New" panose="02070309020205020404" pitchFamily="49" charset="0"/>
+            </a:endParaRPr>
+          </a:p>
+          <a:p>
+            <a:r>
+              <a:rPr lang="en-US" altLang="zh-TW" sz="2000" b="0" dirty="0">
+                <a:solidFill>
+                  <a:srgbClr val="E0E2E4"/>
+                </a:solidFill>
+                <a:latin typeface="Courier New" panose="02070309020205020404" pitchFamily="49" charset="0"/>
+              </a:rPr>
+              <a:t>    </a:t>
+            </a:r>
+            <a:r>
+              <a:rPr lang="en-US" altLang="zh-TW" sz="2000" b="0" dirty="0">
+                <a:solidFill>
+                  <a:srgbClr val="FF8409"/>
+                </a:solidFill>
+                <a:latin typeface="Courier New" panose="02070309020205020404" pitchFamily="49" charset="0"/>
+              </a:rPr>
+              <a:t>'That is good to hear.'</a:t>
+            </a:r>
+            <a:r>
+              <a:rPr lang="en-US" altLang="zh-TW" sz="2000" b="0" dirty="0">
+                <a:solidFill>
+                  <a:srgbClr val="E8E2B7"/>
+                </a:solidFill>
+                <a:latin typeface="Courier New" panose="02070309020205020404" pitchFamily="49" charset="0"/>
+              </a:rPr>
+              <a:t>,</a:t>
+            </a:r>
+            <a:endParaRPr lang="en-US" altLang="zh-TW" sz="2000" b="0" dirty="0">
+              <a:solidFill>
+                <a:srgbClr val="E0E2E4"/>
+              </a:solidFill>
+              <a:latin typeface="Courier New" panose="02070309020205020404" pitchFamily="49" charset="0"/>
+            </a:endParaRPr>
+          </a:p>
+          <a:p>
+            <a:r>
+              <a:rPr lang="en-US" altLang="zh-TW" sz="2000" b="0" dirty="0">
+                <a:solidFill>
+                  <a:srgbClr val="E0E2E4"/>
+                </a:solidFill>
+                <a:latin typeface="Courier New" panose="02070309020205020404" pitchFamily="49" charset="0"/>
+              </a:rPr>
+              <a:t>    </a:t>
+            </a:r>
+            <a:r>
+              <a:rPr lang="en-US" altLang="zh-TW" sz="2000" b="0" dirty="0">
+                <a:solidFill>
+                  <a:srgbClr val="FF8409"/>
+                </a:solidFill>
+                <a:latin typeface="Courier New" panose="02070309020205020404" pitchFamily="49" charset="0"/>
+              </a:rPr>
+              <a:t>'Thank you'</a:t>
+            </a:r>
+            <a:endParaRPr lang="en-US" altLang="zh-TW" sz="2000" b="0" dirty="0">
+              <a:solidFill>
+                <a:srgbClr val="E0E2E4"/>
+              </a:solidFill>
+              <a:latin typeface="Courier New" panose="02070309020205020404" pitchFamily="49" charset="0"/>
+            </a:endParaRPr>
+          </a:p>
+          <a:p>
+            <a:r>
+              <a:rPr lang="en-US" altLang="zh-TW" sz="2000" b="0" dirty="0">
+                <a:solidFill>
+                  <a:srgbClr val="E8E2B7"/>
+                </a:solidFill>
+                <a:latin typeface="Courier New" panose="02070309020205020404" pitchFamily="49" charset="0"/>
+              </a:rPr>
+              <a:t>])</a:t>
+            </a:r>
+            <a:endParaRPr lang="zh-TW" altLang="en-US" sz="2000" b="0" dirty="0">
+              <a:solidFill>
+                <a:srgbClr val="E0E2E4"/>
+              </a:solidFill>
+              <a:latin typeface="Courier New" panose="02070309020205020404" pitchFamily="49" charset="0"/>
+            </a:endParaRPr>
+          </a:p>
+          <a:p>
+            <a:endParaRPr lang="zh-TW" altLang="en-US" sz="2000" b="0" dirty="0">
+              <a:solidFill>
+                <a:srgbClr val="E0E2E4"/>
+              </a:solidFill>
+              <a:latin typeface="Courier New" panose="02070309020205020404" pitchFamily="49" charset="0"/>
+            </a:endParaRPr>
           </a:p>
         </p:txBody>
       </p:sp>
     </p:spTree>
     <p:extLst>
       <p:ext uri="{BB962C8B-B14F-4D97-AF65-F5344CB8AC3E}">
-        <p14:creationId xmlns:p14="http://schemas.microsoft.com/office/powerpoint/2010/main" val="2942144585"/>
+        <p14:creationId xmlns:p14="http://schemas.microsoft.com/office/powerpoint/2010/main" val="1394406988"/>
       </p:ext>
     </p:extLst>
   </p:cSld>
   <p:clrMapOvr>
     <a:masterClrMapping/>
   </p:clrMapOvr>
-  <mc:AlternateContent xmlns:mc="http://schemas.openxmlformats.org/markup-compatibility/2006">
-    <mc:Choice xmlns:p159="http://schemas.microsoft.com/office/powerpoint/2015/09/main" Requires="p159">
+  <mc:AlternateContent xmlns:mc="http://schemas.openxmlformats.org/markup-compatibility/2006" xmlns:p159="http://schemas.microsoft.com/office/powerpoint/2015/09/main">
+    <mc:Choice Requires="p159">
       <p:transition xmlns:p14="http://schemas.microsoft.com/office/powerpoint/2010/main" spd="slow" p14:dur="2000">
         <p159:morph option="byObject"/>
       </p:transition>
     </mc:Choice>
-    <mc:Fallback>
+    <mc:Fallback xmlns="">
       <p:transition spd="slow">
         <p:fade/>
       </p:transition>
@@ -14062,38 +17547,6 @@
       </p:sp>
       <p:sp>
         <p:nvSpPr>
-          <p:cNvPr id="3" name="內容版面配置區 2">
-            <a:extLst>
-              <a:ext uri="{FF2B5EF4-FFF2-40B4-BE49-F238E27FC236}">
-                <a16:creationId xmlns:a16="http://schemas.microsoft.com/office/drawing/2014/main" id="{3BB98E28-B2BF-4E1B-98B7-3BCA10888C92}"/>
-              </a:ext>
-            </a:extLst>
-          </p:cNvPr>
-          <p:cNvSpPr>
-            <a:spLocks noGrp="1"/>
-          </p:cNvSpPr>
-          <p:nvPr>
-            <p:ph idx="1"/>
-          </p:nvPr>
-        </p:nvSpPr>
-        <p:spPr>
-          <a:xfrm>
-            <a:off x="762000" y="2286000"/>
-            <a:ext cx="5334000" cy="3810001"/>
-          </a:xfrm>
-        </p:spPr>
-        <p:txBody>
-          <a:bodyPr>
-            <a:normAutofit/>
-          </a:bodyPr>
-          <a:lstStyle/>
-          <a:p>
-            <a:endParaRPr lang="zh-TW" altLang="en-US" sz="2400"/>
-          </a:p>
-        </p:txBody>
-      </p:sp>
-      <p:sp>
-        <p:nvSpPr>
           <p:cNvPr id="2" name="標題 1">
             <a:extLst>
               <a:ext uri="{FF2B5EF4-FFF2-40B4-BE49-F238E27FC236}">
@@ -14124,14 +17577,422 @@
               <a:rPr lang="en-US" altLang="zh-TW" sz="3200" dirty="0" err="1"/>
               <a:t>ListTrainer</a:t>
             </a:r>
+            <a:r>
+              <a:rPr lang="en-US" altLang="zh-TW" sz="3200" dirty="0"/>
+              <a:t> (cont.)</a:t>
+            </a:r>
             <a:endParaRPr lang="zh-TW" altLang="en-US" sz="3200" dirty="0"/>
+          </a:p>
+        </p:txBody>
+      </p:sp>
+      <p:sp>
+        <p:nvSpPr>
+          <p:cNvPr id="9" name="文字方塊 8">
+            <a:extLst>
+              <a:ext uri="{FF2B5EF4-FFF2-40B4-BE49-F238E27FC236}">
+                <a16:creationId xmlns:a16="http://schemas.microsoft.com/office/drawing/2014/main" id="{144E2799-B924-4F58-B07B-BEED5F9C767A}"/>
+              </a:ext>
+            </a:extLst>
+          </p:cNvPr>
+          <p:cNvSpPr txBox="1"/>
+          <p:nvPr/>
+        </p:nvSpPr>
+        <p:spPr>
+          <a:xfrm>
+            <a:off x="762000" y="2125682"/>
+            <a:ext cx="9507557" cy="4093428"/>
+          </a:xfrm>
+          <a:prstGeom prst="rect">
+            <a:avLst/>
+          </a:prstGeom>
+          <a:noFill/>
+        </p:spPr>
+        <p:txBody>
+          <a:bodyPr wrap="square">
+            <a:spAutoFit/>
+          </a:bodyPr>
+          <a:lstStyle/>
+          <a:p>
+            <a:r>
+              <a:rPr lang="en-US" altLang="zh-TW" sz="2000" b="0" dirty="0">
+                <a:solidFill>
+                  <a:srgbClr val="66747B"/>
+                </a:solidFill>
+                <a:latin typeface="Courier New" panose="02070309020205020404" pitchFamily="49" charset="0"/>
+              </a:rPr>
+              <a:t># You can train with a second list of data to add response variations</a:t>
+            </a:r>
+            <a:endParaRPr lang="en-US" altLang="zh-TW" sz="2000" b="0" dirty="0">
+              <a:solidFill>
+                <a:srgbClr val="E0E2E4"/>
+              </a:solidFill>
+              <a:latin typeface="Courier New" panose="02070309020205020404" pitchFamily="49" charset="0"/>
+            </a:endParaRPr>
+          </a:p>
+          <a:p>
+            <a:endParaRPr lang="zh-TW" altLang="en-US" sz="2000" b="0" dirty="0">
+              <a:solidFill>
+                <a:srgbClr val="E0E2E4"/>
+              </a:solidFill>
+              <a:latin typeface="Courier New" panose="02070309020205020404" pitchFamily="49" charset="0"/>
+            </a:endParaRPr>
+          </a:p>
+          <a:p>
+            <a:r>
+              <a:rPr lang="en-US" altLang="zh-TW" sz="2000" b="0" dirty="0" err="1">
+                <a:solidFill>
+                  <a:srgbClr val="E0E2E4"/>
+                </a:solidFill>
+                <a:latin typeface="Courier New" panose="02070309020205020404" pitchFamily="49" charset="0"/>
+              </a:rPr>
+              <a:t>trainer</a:t>
+            </a:r>
+            <a:r>
+              <a:rPr lang="en-US" altLang="zh-TW" sz="2000" b="0" dirty="0" err="1">
+                <a:solidFill>
+                  <a:srgbClr val="E8E2B7"/>
+                </a:solidFill>
+                <a:latin typeface="Courier New" panose="02070309020205020404" pitchFamily="49" charset="0"/>
+              </a:rPr>
+              <a:t>.</a:t>
+            </a:r>
+            <a:r>
+              <a:rPr lang="en-US" altLang="zh-TW" sz="2000" b="0" dirty="0" err="1">
+                <a:solidFill>
+                  <a:srgbClr val="E0E2E4"/>
+                </a:solidFill>
+                <a:latin typeface="Courier New" panose="02070309020205020404" pitchFamily="49" charset="0"/>
+              </a:rPr>
+              <a:t>train</a:t>
+            </a:r>
+            <a:r>
+              <a:rPr lang="en-US" altLang="zh-TW" sz="2000" b="0" dirty="0">
+                <a:solidFill>
+                  <a:srgbClr val="E8E2B7"/>
+                </a:solidFill>
+                <a:latin typeface="Courier New" panose="02070309020205020404" pitchFamily="49" charset="0"/>
+              </a:rPr>
+              <a:t>([</a:t>
+            </a:r>
+            <a:endParaRPr lang="en-US" altLang="zh-TW" sz="2000" b="0" dirty="0">
+              <a:solidFill>
+                <a:srgbClr val="E0E2E4"/>
+              </a:solidFill>
+              <a:latin typeface="Courier New" panose="02070309020205020404" pitchFamily="49" charset="0"/>
+            </a:endParaRPr>
+          </a:p>
+          <a:p>
+            <a:r>
+              <a:rPr lang="en-US" altLang="zh-TW" sz="2000" b="0" dirty="0">
+                <a:solidFill>
+                  <a:srgbClr val="E0E2E4"/>
+                </a:solidFill>
+                <a:latin typeface="Courier New" panose="02070309020205020404" pitchFamily="49" charset="0"/>
+              </a:rPr>
+              <a:t>    </a:t>
+            </a:r>
+            <a:r>
+              <a:rPr lang="en-US" altLang="zh-TW" sz="2000" b="0" dirty="0">
+                <a:solidFill>
+                  <a:srgbClr val="FF8409"/>
+                </a:solidFill>
+                <a:latin typeface="Courier New" panose="02070309020205020404" pitchFamily="49" charset="0"/>
+              </a:rPr>
+              <a:t>'Hello, how are you?'</a:t>
+            </a:r>
+            <a:r>
+              <a:rPr lang="en-US" altLang="zh-TW" sz="2000" b="0" dirty="0">
+                <a:solidFill>
+                  <a:srgbClr val="E8E2B7"/>
+                </a:solidFill>
+                <a:latin typeface="Courier New" panose="02070309020205020404" pitchFamily="49" charset="0"/>
+              </a:rPr>
+              <a:t>,</a:t>
+            </a:r>
+            <a:endParaRPr lang="en-US" altLang="zh-TW" sz="2000" b="0" dirty="0">
+              <a:solidFill>
+                <a:srgbClr val="E0E2E4"/>
+              </a:solidFill>
+              <a:latin typeface="Courier New" panose="02070309020205020404" pitchFamily="49" charset="0"/>
+            </a:endParaRPr>
+          </a:p>
+          <a:p>
+            <a:r>
+              <a:rPr lang="en-US" altLang="zh-TW" sz="2000" b="0" dirty="0">
+                <a:solidFill>
+                  <a:srgbClr val="E0E2E4"/>
+                </a:solidFill>
+                <a:latin typeface="Courier New" panose="02070309020205020404" pitchFamily="49" charset="0"/>
+              </a:rPr>
+              <a:t>    </a:t>
+            </a:r>
+            <a:r>
+              <a:rPr lang="en-US" altLang="zh-TW" sz="2000" b="0" dirty="0">
+                <a:solidFill>
+                  <a:srgbClr val="FF8409"/>
+                </a:solidFill>
+                <a:latin typeface="Courier New" panose="02070309020205020404" pitchFamily="49" charset="0"/>
+              </a:rPr>
+              <a:t>'I am great.'</a:t>
+            </a:r>
+            <a:r>
+              <a:rPr lang="en-US" altLang="zh-TW" sz="2000" b="0" dirty="0">
+                <a:solidFill>
+                  <a:srgbClr val="E8E2B7"/>
+                </a:solidFill>
+                <a:latin typeface="Courier New" panose="02070309020205020404" pitchFamily="49" charset="0"/>
+              </a:rPr>
+              <a:t>,</a:t>
+            </a:r>
+            <a:endParaRPr lang="en-US" altLang="zh-TW" sz="2000" b="0" dirty="0">
+              <a:solidFill>
+                <a:srgbClr val="E0E2E4"/>
+              </a:solidFill>
+              <a:latin typeface="Courier New" panose="02070309020205020404" pitchFamily="49" charset="0"/>
+            </a:endParaRPr>
+          </a:p>
+          <a:p>
+            <a:r>
+              <a:rPr lang="en-US" altLang="zh-TW" sz="2000" b="0" dirty="0">
+                <a:solidFill>
+                  <a:srgbClr val="E0E2E4"/>
+                </a:solidFill>
+                <a:latin typeface="Courier New" panose="02070309020205020404" pitchFamily="49" charset="0"/>
+              </a:rPr>
+              <a:t>    </a:t>
+            </a:r>
+            <a:r>
+              <a:rPr lang="en-US" altLang="zh-TW" sz="2000" b="0" dirty="0">
+                <a:solidFill>
+                  <a:srgbClr val="FF8409"/>
+                </a:solidFill>
+                <a:latin typeface="Courier New" panose="02070309020205020404" pitchFamily="49" charset="0"/>
+              </a:rPr>
+              <a:t>'That is awesome.'</a:t>
+            </a:r>
+            <a:r>
+              <a:rPr lang="en-US" altLang="zh-TW" sz="2000" b="0" dirty="0">
+                <a:solidFill>
+                  <a:srgbClr val="E8E2B7"/>
+                </a:solidFill>
+                <a:latin typeface="Courier New" panose="02070309020205020404" pitchFamily="49" charset="0"/>
+              </a:rPr>
+              <a:t>,</a:t>
+            </a:r>
+            <a:endParaRPr lang="en-US" altLang="zh-TW" sz="2000" b="0" dirty="0">
+              <a:solidFill>
+                <a:srgbClr val="E0E2E4"/>
+              </a:solidFill>
+              <a:latin typeface="Courier New" panose="02070309020205020404" pitchFamily="49" charset="0"/>
+            </a:endParaRPr>
+          </a:p>
+          <a:p>
+            <a:r>
+              <a:rPr lang="en-US" altLang="zh-TW" sz="2000" b="0" dirty="0">
+                <a:solidFill>
+                  <a:srgbClr val="E0E2E4"/>
+                </a:solidFill>
+                <a:latin typeface="Courier New" panose="02070309020205020404" pitchFamily="49" charset="0"/>
+              </a:rPr>
+              <a:t>    </a:t>
+            </a:r>
+            <a:r>
+              <a:rPr lang="en-US" altLang="zh-TW" sz="2000" b="0" dirty="0">
+                <a:solidFill>
+                  <a:srgbClr val="FF8409"/>
+                </a:solidFill>
+                <a:latin typeface="Courier New" panose="02070309020205020404" pitchFamily="49" charset="0"/>
+              </a:rPr>
+              <a:t>'Thanks'</a:t>
+            </a:r>
+            <a:endParaRPr lang="en-US" altLang="zh-TW" sz="2000" b="0" dirty="0">
+              <a:solidFill>
+                <a:srgbClr val="E0E2E4"/>
+              </a:solidFill>
+              <a:latin typeface="Courier New" panose="02070309020205020404" pitchFamily="49" charset="0"/>
+            </a:endParaRPr>
+          </a:p>
+          <a:p>
+            <a:r>
+              <a:rPr lang="en-US" altLang="zh-TW" sz="2000" b="0" dirty="0">
+                <a:solidFill>
+                  <a:srgbClr val="E8E2B7"/>
+                </a:solidFill>
+                <a:latin typeface="Courier New" panose="02070309020205020404" pitchFamily="49" charset="0"/>
+              </a:rPr>
+              <a:t>])</a:t>
+            </a:r>
+            <a:endParaRPr lang="zh-TW" altLang="en-US" sz="2000" b="0" dirty="0">
+              <a:solidFill>
+                <a:srgbClr val="E0E2E4"/>
+              </a:solidFill>
+              <a:latin typeface="Courier New" panose="02070309020205020404" pitchFamily="49" charset="0"/>
+            </a:endParaRPr>
+          </a:p>
+          <a:p>
+            <a:endParaRPr lang="zh-TW" altLang="en-US" sz="2000" b="0" dirty="0">
+              <a:solidFill>
+                <a:srgbClr val="E0E2E4"/>
+              </a:solidFill>
+              <a:latin typeface="Courier New" panose="02070309020205020404" pitchFamily="49" charset="0"/>
+            </a:endParaRPr>
+          </a:p>
+          <a:p>
+            <a:r>
+              <a:rPr lang="en-US" altLang="zh-TW" sz="2000" b="0" dirty="0">
+                <a:solidFill>
+                  <a:srgbClr val="66747B"/>
+                </a:solidFill>
+                <a:latin typeface="Courier New" panose="02070309020205020404" pitchFamily="49" charset="0"/>
+              </a:rPr>
+              <a:t># Now let's get a response to a greeting</a:t>
+            </a:r>
+            <a:endParaRPr lang="en-US" altLang="zh-TW" sz="2000" b="0" dirty="0">
+              <a:solidFill>
+                <a:srgbClr val="E0E2E4"/>
+              </a:solidFill>
+              <a:latin typeface="Courier New" panose="02070309020205020404" pitchFamily="49" charset="0"/>
+            </a:endParaRPr>
+          </a:p>
+          <a:p>
+            <a:r>
+              <a:rPr lang="en-US" altLang="zh-TW" sz="2000" b="0" dirty="0">
+                <a:solidFill>
+                  <a:srgbClr val="E0E2E4"/>
+                </a:solidFill>
+                <a:latin typeface="Courier New" panose="02070309020205020404" pitchFamily="49" charset="0"/>
+              </a:rPr>
+              <a:t>response </a:t>
+            </a:r>
+            <a:r>
+              <a:rPr lang="en-US" altLang="zh-TW" sz="2000" b="0" dirty="0">
+                <a:solidFill>
+                  <a:srgbClr val="E8E2B7"/>
+                </a:solidFill>
+                <a:latin typeface="Courier New" panose="02070309020205020404" pitchFamily="49" charset="0"/>
+              </a:rPr>
+              <a:t>=</a:t>
+            </a:r>
+            <a:r>
+              <a:rPr lang="en-US" altLang="zh-TW" sz="2000" b="0" dirty="0">
+                <a:solidFill>
+                  <a:srgbClr val="E0E2E4"/>
+                </a:solidFill>
+                <a:latin typeface="Courier New" panose="02070309020205020404" pitchFamily="49" charset="0"/>
+              </a:rPr>
+              <a:t> </a:t>
+            </a:r>
+            <a:r>
+              <a:rPr lang="en-US" altLang="zh-TW" sz="2000" b="0" dirty="0" err="1">
+                <a:solidFill>
+                  <a:srgbClr val="E0E2E4"/>
+                </a:solidFill>
+                <a:latin typeface="Courier New" panose="02070309020205020404" pitchFamily="49" charset="0"/>
+              </a:rPr>
+              <a:t>chatbot</a:t>
+            </a:r>
+            <a:r>
+              <a:rPr lang="en-US" altLang="zh-TW" sz="2000" b="0" dirty="0" err="1">
+                <a:solidFill>
+                  <a:srgbClr val="E8E2B7"/>
+                </a:solidFill>
+                <a:latin typeface="Courier New" panose="02070309020205020404" pitchFamily="49" charset="0"/>
+              </a:rPr>
+              <a:t>.</a:t>
+            </a:r>
+            <a:r>
+              <a:rPr lang="en-US" altLang="zh-TW" sz="2000" b="0" dirty="0" err="1">
+                <a:solidFill>
+                  <a:srgbClr val="E0E2E4"/>
+                </a:solidFill>
+                <a:latin typeface="Courier New" panose="02070309020205020404" pitchFamily="49" charset="0"/>
+              </a:rPr>
+              <a:t>get_response</a:t>
+            </a:r>
+            <a:r>
+              <a:rPr lang="en-US" altLang="zh-TW" sz="2000" b="0" dirty="0">
+                <a:solidFill>
+                  <a:srgbClr val="E8E2B7"/>
+                </a:solidFill>
+                <a:latin typeface="Courier New" panose="02070309020205020404" pitchFamily="49" charset="0"/>
+              </a:rPr>
+              <a:t>(</a:t>
+            </a:r>
+            <a:r>
+              <a:rPr lang="en-US" altLang="zh-TW" sz="2000" b="0" dirty="0">
+                <a:solidFill>
+                  <a:srgbClr val="FF8409"/>
+                </a:solidFill>
+                <a:latin typeface="Courier New" panose="02070309020205020404" pitchFamily="49" charset="0"/>
+              </a:rPr>
+              <a:t>'Hello, how are you?'</a:t>
+            </a:r>
+            <a:r>
+              <a:rPr lang="en-US" altLang="zh-TW" sz="2000" b="0" dirty="0">
+                <a:solidFill>
+                  <a:srgbClr val="E8E2B7"/>
+                </a:solidFill>
+                <a:latin typeface="Courier New" panose="02070309020205020404" pitchFamily="49" charset="0"/>
+              </a:rPr>
+              <a:t>)</a:t>
+            </a:r>
+            <a:endParaRPr lang="en-US" altLang="zh-TW" sz="2000" b="0" dirty="0">
+              <a:solidFill>
+                <a:srgbClr val="E0E2E4"/>
+              </a:solidFill>
+              <a:latin typeface="Courier New" panose="02070309020205020404" pitchFamily="49" charset="0"/>
+            </a:endParaRPr>
+          </a:p>
+          <a:p>
+            <a:r>
+              <a:rPr lang="en-US" altLang="zh-TW" sz="2000" b="0" dirty="0">
+                <a:solidFill>
+                  <a:srgbClr val="E0E2E4"/>
+                </a:solidFill>
+                <a:latin typeface="Courier New" panose="02070309020205020404" pitchFamily="49" charset="0"/>
+              </a:rPr>
+              <a:t>print</a:t>
+            </a:r>
+            <a:r>
+              <a:rPr lang="en-US" altLang="zh-TW" sz="2000" b="0" dirty="0">
+                <a:solidFill>
+                  <a:srgbClr val="E8E2B7"/>
+                </a:solidFill>
+                <a:latin typeface="Courier New" panose="02070309020205020404" pitchFamily="49" charset="0"/>
+              </a:rPr>
+              <a:t>(</a:t>
+            </a:r>
+            <a:r>
+              <a:rPr lang="en-US" altLang="zh-TW" sz="2000" b="0" dirty="0">
+                <a:solidFill>
+                  <a:srgbClr val="E0E2E4"/>
+                </a:solidFill>
+                <a:latin typeface="Courier New" panose="02070309020205020404" pitchFamily="49" charset="0"/>
+              </a:rPr>
+              <a:t>response</a:t>
+            </a:r>
+            <a:r>
+              <a:rPr lang="en-US" altLang="zh-TW" sz="2000" b="0" dirty="0">
+                <a:solidFill>
+                  <a:srgbClr val="E8E2B7"/>
+                </a:solidFill>
+                <a:latin typeface="Courier New" panose="02070309020205020404" pitchFamily="49" charset="0"/>
+              </a:rPr>
+              <a:t>)</a:t>
+            </a:r>
+            <a:endParaRPr lang="zh-TW" altLang="en-US" sz="2000" b="0" dirty="0">
+              <a:solidFill>
+                <a:srgbClr val="E0E2E4"/>
+              </a:solidFill>
+              <a:latin typeface="Courier New" panose="02070309020205020404" pitchFamily="49" charset="0"/>
+            </a:endParaRPr>
           </a:p>
         </p:txBody>
       </p:sp>
     </p:spTree>
     <p:extLst>
       <p:ext uri="{BB962C8B-B14F-4D97-AF65-F5344CB8AC3E}">
-        <p14:creationId xmlns:p14="http://schemas.microsoft.com/office/powerpoint/2010/main" val="1394406988"/>
+        <p14:creationId xmlns:p14="http://schemas.microsoft.com/office/powerpoint/2010/main" val="4290834214"/>
       </p:ext>
     </p:extLst>
   </p:cSld>
@@ -14170,12 +18031,51 @@
           <a:chExt cx="0" cy="0"/>
         </a:xfrm>
       </p:grpSpPr>
+      <p:pic>
+        <p:nvPicPr>
+          <p:cNvPr id="4" name="內容版面配置區 4">
+            <a:extLst>
+              <a:ext uri="{FF2B5EF4-FFF2-40B4-BE49-F238E27FC236}">
+                <a16:creationId xmlns:a16="http://schemas.microsoft.com/office/drawing/2014/main" id="{E6B2C970-A965-45A4-BA18-AFE056C74662}"/>
+              </a:ext>
+            </a:extLst>
+          </p:cNvPr>
+          <p:cNvPicPr>
+            <a:picLocks noChangeAspect="1"/>
+          </p:cNvPicPr>
+          <p:nvPr/>
+        </p:nvPicPr>
+        <p:blipFill>
+          <a:blip r:embed="rId2">
+            <a:extLst>
+              <a:ext uri="{28A0092B-C50C-407E-A947-70E740481C1C}">
+                <a14:useLocalDpi xmlns:a14="http://schemas.microsoft.com/office/drawing/2010/main" val="0"/>
+              </a:ext>
+              <a:ext uri="{96DAC541-7B7A-43D3-8B79-37D633B846F1}">
+                <asvg:svgBlip xmlns:asvg="http://schemas.microsoft.com/office/drawing/2016/SVG/main" r:embed="rId3"/>
+              </a:ext>
+            </a:extLst>
+          </a:blip>
+          <a:stretch>
+            <a:fillRect/>
+          </a:stretch>
+        </p:blipFill>
+        <p:spPr>
+          <a:xfrm>
+            <a:off x="4188414" y="671671"/>
+            <a:ext cx="3815171" cy="5514658"/>
+          </a:xfrm>
+          <a:prstGeom prst="rect">
+            <a:avLst/>
+          </a:prstGeom>
+        </p:spPr>
+      </p:pic>
       <p:sp>
         <p:nvSpPr>
-          <p:cNvPr id="2" name="標題 1">
+          <p:cNvPr id="5" name="標題 1">
             <a:extLst>
               <a:ext uri="{FF2B5EF4-FFF2-40B4-BE49-F238E27FC236}">
-                <a16:creationId xmlns:a16="http://schemas.microsoft.com/office/drawing/2014/main" id="{E63AA1AE-6ACB-4663-9B58-F5D97CC338A3}"/>
+                <a16:creationId xmlns:a16="http://schemas.microsoft.com/office/drawing/2014/main" id="{9652146E-7C8E-4ECD-A3D8-287A223FB683}"/>
               </a:ext>
             </a:extLst>
           </p:cNvPr>
@@ -14186,61 +18086,40 @@
             <p:ph type="title"/>
           </p:nvPr>
         </p:nvSpPr>
-        <p:spPr/>
+        <p:spPr>
+          <a:xfrm>
+            <a:off x="762000" y="762000"/>
+            <a:ext cx="10668000" cy="1524000"/>
+          </a:xfrm>
+        </p:spPr>
         <p:txBody>
           <a:bodyPr/>
           <a:lstStyle/>
           <a:p>
             <a:r>
-              <a:rPr lang="en-US" altLang="zh-TW" dirty="0"/>
-              <a:t>Adapter</a:t>
-            </a:r>
-            <a:endParaRPr lang="zh-TW" altLang="en-US" dirty="0"/>
-          </a:p>
-        </p:txBody>
-      </p:sp>
-      <p:sp>
-        <p:nvSpPr>
-          <p:cNvPr id="3" name="內容版面配置區 2">
-            <a:extLst>
-              <a:ext uri="{FF2B5EF4-FFF2-40B4-BE49-F238E27FC236}">
-                <a16:creationId xmlns:a16="http://schemas.microsoft.com/office/drawing/2014/main" id="{BBE96DCE-ECAA-40D2-BF48-71FAD5317BC6}"/>
-              </a:ext>
-            </a:extLst>
-          </p:cNvPr>
-          <p:cNvSpPr>
-            <a:spLocks noGrp="1"/>
-          </p:cNvSpPr>
-          <p:nvPr>
-            <p:ph idx="1"/>
-          </p:nvPr>
-        </p:nvSpPr>
-        <p:spPr/>
-        <p:txBody>
-          <a:bodyPr/>
-          <a:lstStyle/>
-          <a:p>
-            <a:endParaRPr lang="zh-TW" altLang="en-US"/>
+              <a:rPr lang="zh-TW" altLang="en-US" dirty="0"/>
+              <a:t>完整結構</a:t>
+            </a:r>
           </a:p>
         </p:txBody>
       </p:sp>
     </p:spTree>
     <p:extLst>
       <p:ext uri="{BB962C8B-B14F-4D97-AF65-F5344CB8AC3E}">
-        <p14:creationId xmlns:p14="http://schemas.microsoft.com/office/powerpoint/2010/main" val="3098458876"/>
+        <p14:creationId xmlns:p14="http://schemas.microsoft.com/office/powerpoint/2010/main" val="438711242"/>
       </p:ext>
     </p:extLst>
   </p:cSld>
   <p:clrMapOvr>
     <a:masterClrMapping/>
   </p:clrMapOvr>
-  <mc:AlternateContent xmlns:mc="http://schemas.openxmlformats.org/markup-compatibility/2006">
-    <mc:Choice xmlns:p159="http://schemas.microsoft.com/office/powerpoint/2015/09/main" Requires="p159">
+  <mc:AlternateContent xmlns:mc="http://schemas.openxmlformats.org/markup-compatibility/2006" xmlns:p159="http://schemas.microsoft.com/office/powerpoint/2015/09/main">
+    <mc:Choice Requires="p159">
       <p:transition xmlns:p14="http://schemas.microsoft.com/office/powerpoint/2010/main" spd="slow" p14:dur="2000">
         <p159:morph option="byObject"/>
       </p:transition>
     </mc:Choice>
-    <mc:Fallback>
+    <mc:Fallback xmlns="">
       <p:transition spd="slow">
         <p:fade/>
       </p:transition>
